--- a/TeamMamoot/Skynet-Adsb-Market-DataAnalysis.pptx
+++ b/TeamMamoot/Skynet-Adsb-Market-DataAnalysis.pptx
@@ -244,6 +244,2999 @@
     </p:ext>
   </p:extLst>
 </p:presentation>
+</file>
+
+<file path=ppt/diagrams/colors1.xml><?xml version="1.0" encoding="utf-8"?>
+<dgm:colorsDef xmlns:dgm="http://schemas.openxmlformats.org/drawingml/2006/diagram" xmlns:a="http://schemas.openxmlformats.org/drawingml/2006/main" uniqueId="urn:microsoft.com/office/officeart/2005/8/colors/accent1_2">
+  <dgm:title val=""/>
+  <dgm:desc val=""/>
+  <dgm:catLst>
+    <dgm:cat type="accent1" pri="11200"/>
+  </dgm:catLst>
+  <dgm:styleLbl name="node0">
+    <dgm:fillClrLst meth="repeat">
+      <a:schemeClr val="accent1"/>
+    </dgm:fillClrLst>
+    <dgm:linClrLst meth="repeat">
+      <a:schemeClr val="lt1"/>
+    </dgm:linClrLst>
+    <dgm:effectClrLst/>
+    <dgm:txLinClrLst/>
+    <dgm:txFillClrLst/>
+    <dgm:txEffectClrLst/>
+  </dgm:styleLbl>
+  <dgm:styleLbl name="alignNode1">
+    <dgm:fillClrLst meth="repeat">
+      <a:schemeClr val="accent1"/>
+    </dgm:fillClrLst>
+    <dgm:linClrLst meth="repeat">
+      <a:schemeClr val="accent1"/>
+    </dgm:linClrLst>
+    <dgm:effectClrLst/>
+    <dgm:txLinClrLst/>
+    <dgm:txFillClrLst/>
+    <dgm:txEffectClrLst/>
+  </dgm:styleLbl>
+  <dgm:styleLbl name="node1">
+    <dgm:fillClrLst meth="repeat">
+      <a:schemeClr val="accent1"/>
+    </dgm:fillClrLst>
+    <dgm:linClrLst meth="repeat">
+      <a:schemeClr val="lt1"/>
+    </dgm:linClrLst>
+    <dgm:effectClrLst/>
+    <dgm:txLinClrLst/>
+    <dgm:txFillClrLst/>
+    <dgm:txEffectClrLst/>
+  </dgm:styleLbl>
+  <dgm:styleLbl name="lnNode1">
+    <dgm:fillClrLst meth="repeat">
+      <a:schemeClr val="accent1"/>
+    </dgm:fillClrLst>
+    <dgm:linClrLst meth="repeat">
+      <a:schemeClr val="lt1"/>
+    </dgm:linClrLst>
+    <dgm:effectClrLst/>
+    <dgm:txLinClrLst/>
+    <dgm:txFillClrLst/>
+    <dgm:txEffectClrLst/>
+  </dgm:styleLbl>
+  <dgm:styleLbl name="vennNode1">
+    <dgm:fillClrLst meth="repeat">
+      <a:schemeClr val="accent1">
+        <a:alpha val="50000"/>
+      </a:schemeClr>
+    </dgm:fillClrLst>
+    <dgm:linClrLst meth="repeat">
+      <a:schemeClr val="lt1"/>
+    </dgm:linClrLst>
+    <dgm:effectClrLst/>
+    <dgm:txLinClrLst/>
+    <dgm:txFillClrLst/>
+    <dgm:txEffectClrLst/>
+  </dgm:styleLbl>
+  <dgm:styleLbl name="node2">
+    <dgm:fillClrLst meth="repeat">
+      <a:schemeClr val="accent1"/>
+    </dgm:fillClrLst>
+    <dgm:linClrLst meth="repeat">
+      <a:schemeClr val="lt1"/>
+    </dgm:linClrLst>
+    <dgm:effectClrLst/>
+    <dgm:txLinClrLst/>
+    <dgm:txFillClrLst/>
+    <dgm:txEffectClrLst/>
+  </dgm:styleLbl>
+  <dgm:styleLbl name="node3">
+    <dgm:fillClrLst meth="repeat">
+      <a:schemeClr val="accent1"/>
+    </dgm:fillClrLst>
+    <dgm:linClrLst meth="repeat">
+      <a:schemeClr val="lt1"/>
+    </dgm:linClrLst>
+    <dgm:effectClrLst/>
+    <dgm:txLinClrLst/>
+    <dgm:txFillClrLst/>
+    <dgm:txEffectClrLst/>
+  </dgm:styleLbl>
+  <dgm:styleLbl name="node4">
+    <dgm:fillClrLst meth="repeat">
+      <a:schemeClr val="accent1"/>
+    </dgm:fillClrLst>
+    <dgm:linClrLst meth="repeat">
+      <a:schemeClr val="lt1"/>
+    </dgm:linClrLst>
+    <dgm:effectClrLst/>
+    <dgm:txLinClrLst/>
+    <dgm:txFillClrLst/>
+    <dgm:txEffectClrLst/>
+  </dgm:styleLbl>
+  <dgm:styleLbl name="fgImgPlace1">
+    <dgm:fillClrLst meth="repeat">
+      <a:schemeClr val="accent1">
+        <a:tint val="50000"/>
+      </a:schemeClr>
+    </dgm:fillClrLst>
+    <dgm:linClrLst meth="repeat">
+      <a:schemeClr val="lt1"/>
+    </dgm:linClrLst>
+    <dgm:effectClrLst/>
+    <dgm:txLinClrLst/>
+    <dgm:txFillClrLst meth="repeat">
+      <a:schemeClr val="lt1"/>
+    </dgm:txFillClrLst>
+    <dgm:txEffectClrLst/>
+  </dgm:styleLbl>
+  <dgm:styleLbl name="alignImgPlace1">
+    <dgm:fillClrLst meth="repeat">
+      <a:schemeClr val="accent1">
+        <a:tint val="50000"/>
+      </a:schemeClr>
+    </dgm:fillClrLst>
+    <dgm:linClrLst meth="repeat">
+      <a:schemeClr val="lt1"/>
+    </dgm:linClrLst>
+    <dgm:effectClrLst/>
+    <dgm:txLinClrLst/>
+    <dgm:txFillClrLst meth="repeat">
+      <a:schemeClr val="lt1"/>
+    </dgm:txFillClrLst>
+    <dgm:txEffectClrLst/>
+  </dgm:styleLbl>
+  <dgm:styleLbl name="bgImgPlace1">
+    <dgm:fillClrLst meth="repeat">
+      <a:schemeClr val="accent1">
+        <a:tint val="50000"/>
+      </a:schemeClr>
+    </dgm:fillClrLst>
+    <dgm:linClrLst meth="repeat">
+      <a:schemeClr val="lt1"/>
+    </dgm:linClrLst>
+    <dgm:effectClrLst/>
+    <dgm:txLinClrLst/>
+    <dgm:txFillClrLst meth="repeat">
+      <a:schemeClr val="lt1"/>
+    </dgm:txFillClrLst>
+    <dgm:txEffectClrLst/>
+  </dgm:styleLbl>
+  <dgm:styleLbl name="sibTrans2D1">
+    <dgm:fillClrLst meth="repeat">
+      <a:schemeClr val="accent1">
+        <a:tint val="60000"/>
+      </a:schemeClr>
+    </dgm:fillClrLst>
+    <dgm:linClrLst meth="repeat">
+      <a:schemeClr val="accent1">
+        <a:tint val="60000"/>
+      </a:schemeClr>
+    </dgm:linClrLst>
+    <dgm:effectClrLst/>
+    <dgm:txLinClrLst/>
+    <dgm:txFillClrLst/>
+    <dgm:txEffectClrLst/>
+  </dgm:styleLbl>
+  <dgm:styleLbl name="fgSibTrans2D1">
+    <dgm:fillClrLst meth="repeat">
+      <a:schemeClr val="accent1">
+        <a:tint val="60000"/>
+      </a:schemeClr>
+    </dgm:fillClrLst>
+    <dgm:linClrLst meth="repeat">
+      <a:schemeClr val="accent1">
+        <a:tint val="60000"/>
+      </a:schemeClr>
+    </dgm:linClrLst>
+    <dgm:effectClrLst/>
+    <dgm:txLinClrLst/>
+    <dgm:txFillClrLst/>
+    <dgm:txEffectClrLst/>
+  </dgm:styleLbl>
+  <dgm:styleLbl name="bgSibTrans2D1">
+    <dgm:fillClrLst meth="repeat">
+      <a:schemeClr val="accent1">
+        <a:tint val="60000"/>
+      </a:schemeClr>
+    </dgm:fillClrLst>
+    <dgm:linClrLst meth="repeat">
+      <a:schemeClr val="accent1">
+        <a:tint val="60000"/>
+      </a:schemeClr>
+    </dgm:linClrLst>
+    <dgm:effectClrLst/>
+    <dgm:txLinClrLst/>
+    <dgm:txFillClrLst/>
+    <dgm:txEffectClrLst/>
+  </dgm:styleLbl>
+  <dgm:styleLbl name="sibTrans1D1">
+    <dgm:fillClrLst meth="repeat">
+      <a:schemeClr val="accent1"/>
+    </dgm:fillClrLst>
+    <dgm:linClrLst meth="repeat">
+      <a:schemeClr val="accent1"/>
+    </dgm:linClrLst>
+    <dgm:effectClrLst/>
+    <dgm:txLinClrLst/>
+    <dgm:txFillClrLst meth="repeat">
+      <a:schemeClr val="tx1"/>
+    </dgm:txFillClrLst>
+    <dgm:txEffectClrLst/>
+  </dgm:styleLbl>
+  <dgm:styleLbl name="callout">
+    <dgm:fillClrLst meth="repeat">
+      <a:schemeClr val="accent1"/>
+    </dgm:fillClrLst>
+    <dgm:linClrLst meth="repeat">
+      <a:schemeClr val="accent1">
+        <a:tint val="50000"/>
+      </a:schemeClr>
+    </dgm:linClrLst>
+    <dgm:effectClrLst/>
+    <dgm:txLinClrLst/>
+    <dgm:txFillClrLst meth="repeat">
+      <a:schemeClr val="tx1"/>
+    </dgm:txFillClrLst>
+    <dgm:txEffectClrLst/>
+  </dgm:styleLbl>
+  <dgm:styleLbl name="asst0">
+    <dgm:fillClrLst meth="repeat">
+      <a:schemeClr val="accent1"/>
+    </dgm:fillClrLst>
+    <dgm:linClrLst meth="repeat">
+      <a:schemeClr val="lt1"/>
+    </dgm:linClrLst>
+    <dgm:effectClrLst/>
+    <dgm:txLinClrLst/>
+    <dgm:txFillClrLst/>
+    <dgm:txEffectClrLst/>
+  </dgm:styleLbl>
+  <dgm:styleLbl name="asst1">
+    <dgm:fillClrLst meth="repeat">
+      <a:schemeClr val="accent1"/>
+    </dgm:fillClrLst>
+    <dgm:linClrLst meth="repeat">
+      <a:schemeClr val="lt1"/>
+    </dgm:linClrLst>
+    <dgm:effectClrLst/>
+    <dgm:txLinClrLst/>
+    <dgm:txFillClrLst/>
+    <dgm:txEffectClrLst/>
+  </dgm:styleLbl>
+  <dgm:styleLbl name="asst2">
+    <dgm:fillClrLst meth="repeat">
+      <a:schemeClr val="accent1"/>
+    </dgm:fillClrLst>
+    <dgm:linClrLst meth="repeat">
+      <a:schemeClr val="lt1"/>
+    </dgm:linClrLst>
+    <dgm:effectClrLst/>
+    <dgm:txLinClrLst/>
+    <dgm:txFillClrLst/>
+    <dgm:txEffectClrLst/>
+  </dgm:styleLbl>
+  <dgm:styleLbl name="asst3">
+    <dgm:fillClrLst meth="repeat">
+      <a:schemeClr val="accent1"/>
+    </dgm:fillClrLst>
+    <dgm:linClrLst meth="repeat">
+      <a:schemeClr val="lt1"/>
+    </dgm:linClrLst>
+    <dgm:effectClrLst/>
+    <dgm:txLinClrLst/>
+    <dgm:txFillClrLst/>
+    <dgm:txEffectClrLst/>
+  </dgm:styleLbl>
+  <dgm:styleLbl name="asst4">
+    <dgm:fillClrLst meth="repeat">
+      <a:schemeClr val="accent1"/>
+    </dgm:fillClrLst>
+    <dgm:linClrLst meth="repeat">
+      <a:schemeClr val="lt1"/>
+    </dgm:linClrLst>
+    <dgm:effectClrLst/>
+    <dgm:txLinClrLst/>
+    <dgm:txFillClrLst/>
+    <dgm:txEffectClrLst/>
+  </dgm:styleLbl>
+  <dgm:styleLbl name="parChTrans2D1">
+    <dgm:fillClrLst meth="repeat">
+      <a:schemeClr val="accent1">
+        <a:tint val="60000"/>
+      </a:schemeClr>
+    </dgm:fillClrLst>
+    <dgm:linClrLst meth="repeat">
+      <a:schemeClr val="accent1">
+        <a:tint val="60000"/>
+      </a:schemeClr>
+    </dgm:linClrLst>
+    <dgm:effectClrLst/>
+    <dgm:txLinClrLst/>
+    <dgm:txFillClrLst meth="repeat">
+      <a:schemeClr val="lt1"/>
+    </dgm:txFillClrLst>
+    <dgm:txEffectClrLst/>
+  </dgm:styleLbl>
+  <dgm:styleLbl name="parChTrans2D2">
+    <dgm:fillClrLst meth="repeat">
+      <a:schemeClr val="accent1"/>
+    </dgm:fillClrLst>
+    <dgm:linClrLst meth="repeat">
+      <a:schemeClr val="accent1"/>
+    </dgm:linClrLst>
+    <dgm:effectClrLst/>
+    <dgm:txLinClrLst/>
+    <dgm:txFillClrLst meth="repeat">
+      <a:schemeClr val="lt1"/>
+    </dgm:txFillClrLst>
+    <dgm:txEffectClrLst/>
+  </dgm:styleLbl>
+  <dgm:styleLbl name="parChTrans2D3">
+    <dgm:fillClrLst meth="repeat">
+      <a:schemeClr val="accent1"/>
+    </dgm:fillClrLst>
+    <dgm:linClrLst meth="repeat">
+      <a:schemeClr val="accent1"/>
+    </dgm:linClrLst>
+    <dgm:effectClrLst/>
+    <dgm:txLinClrLst/>
+    <dgm:txFillClrLst meth="repeat">
+      <a:schemeClr val="lt1"/>
+    </dgm:txFillClrLst>
+    <dgm:txEffectClrLst/>
+  </dgm:styleLbl>
+  <dgm:styleLbl name="parChTrans2D4">
+    <dgm:fillClrLst meth="repeat">
+      <a:schemeClr val="accent1"/>
+    </dgm:fillClrLst>
+    <dgm:linClrLst meth="repeat">
+      <a:schemeClr val="accent1"/>
+    </dgm:linClrLst>
+    <dgm:effectClrLst/>
+    <dgm:txLinClrLst/>
+    <dgm:txFillClrLst meth="repeat">
+      <a:schemeClr val="lt1"/>
+    </dgm:txFillClrLst>
+    <dgm:txEffectClrLst/>
+  </dgm:styleLbl>
+  <dgm:styleLbl name="parChTrans1D1">
+    <dgm:fillClrLst meth="repeat">
+      <a:schemeClr val="accent1"/>
+    </dgm:fillClrLst>
+    <dgm:linClrLst meth="repeat">
+      <a:schemeClr val="accent1">
+        <a:shade val="60000"/>
+      </a:schemeClr>
+    </dgm:linClrLst>
+    <dgm:effectClrLst/>
+    <dgm:txLinClrLst/>
+    <dgm:txFillClrLst meth="repeat">
+      <a:schemeClr val="tx1"/>
+    </dgm:txFillClrLst>
+    <dgm:txEffectClrLst/>
+  </dgm:styleLbl>
+  <dgm:styleLbl name="parChTrans1D2">
+    <dgm:fillClrLst meth="repeat">
+      <a:schemeClr val="accent1"/>
+    </dgm:fillClrLst>
+    <dgm:linClrLst meth="repeat">
+      <a:schemeClr val="accent1">
+        <a:shade val="60000"/>
+      </a:schemeClr>
+    </dgm:linClrLst>
+    <dgm:effectClrLst/>
+    <dgm:txLinClrLst/>
+    <dgm:txFillClrLst meth="repeat">
+      <a:schemeClr val="tx1"/>
+    </dgm:txFillClrLst>
+    <dgm:txEffectClrLst/>
+  </dgm:styleLbl>
+  <dgm:styleLbl name="parChTrans1D3">
+    <dgm:fillClrLst meth="repeat">
+      <a:schemeClr val="accent1"/>
+    </dgm:fillClrLst>
+    <dgm:linClrLst meth="repeat">
+      <a:schemeClr val="accent1">
+        <a:shade val="80000"/>
+      </a:schemeClr>
+    </dgm:linClrLst>
+    <dgm:effectClrLst/>
+    <dgm:txLinClrLst/>
+    <dgm:txFillClrLst meth="repeat">
+      <a:schemeClr val="tx1"/>
+    </dgm:txFillClrLst>
+    <dgm:txEffectClrLst/>
+  </dgm:styleLbl>
+  <dgm:styleLbl name="parChTrans1D4">
+    <dgm:fillClrLst meth="repeat">
+      <a:schemeClr val="accent1"/>
+    </dgm:fillClrLst>
+    <dgm:linClrLst meth="repeat">
+      <a:schemeClr val="accent1">
+        <a:shade val="80000"/>
+      </a:schemeClr>
+    </dgm:linClrLst>
+    <dgm:effectClrLst/>
+    <dgm:txLinClrLst/>
+    <dgm:txFillClrLst meth="repeat">
+      <a:schemeClr val="tx1"/>
+    </dgm:txFillClrLst>
+    <dgm:txEffectClrLst/>
+  </dgm:styleLbl>
+  <dgm:styleLbl name="fgAcc1">
+    <dgm:fillClrLst meth="repeat">
+      <a:schemeClr val="lt1">
+        <a:alpha val="90000"/>
+      </a:schemeClr>
+    </dgm:fillClrLst>
+    <dgm:linClrLst meth="repeat">
+      <a:schemeClr val="accent1"/>
+    </dgm:linClrLst>
+    <dgm:effectClrLst/>
+    <dgm:txLinClrLst/>
+    <dgm:txFillClrLst meth="repeat">
+      <a:schemeClr val="dk1"/>
+    </dgm:txFillClrLst>
+    <dgm:txEffectClrLst/>
+  </dgm:styleLbl>
+  <dgm:styleLbl name="conFgAcc1">
+    <dgm:fillClrLst meth="repeat">
+      <a:schemeClr val="lt1">
+        <a:alpha val="90000"/>
+      </a:schemeClr>
+    </dgm:fillClrLst>
+    <dgm:linClrLst meth="repeat">
+      <a:schemeClr val="accent1"/>
+    </dgm:linClrLst>
+    <dgm:effectClrLst/>
+    <dgm:txLinClrLst/>
+    <dgm:txFillClrLst meth="repeat">
+      <a:schemeClr val="dk1"/>
+    </dgm:txFillClrLst>
+    <dgm:txEffectClrLst/>
+  </dgm:styleLbl>
+  <dgm:styleLbl name="alignAcc1">
+    <dgm:fillClrLst meth="repeat">
+      <a:schemeClr val="lt1">
+        <a:alpha val="90000"/>
+      </a:schemeClr>
+    </dgm:fillClrLst>
+    <dgm:linClrLst meth="repeat">
+      <a:schemeClr val="accent1"/>
+    </dgm:linClrLst>
+    <dgm:effectClrLst/>
+    <dgm:txLinClrLst/>
+    <dgm:txFillClrLst meth="repeat">
+      <a:schemeClr val="dk1"/>
+    </dgm:txFillClrLst>
+    <dgm:txEffectClrLst/>
+  </dgm:styleLbl>
+  <dgm:styleLbl name="trAlignAcc1">
+    <dgm:fillClrLst meth="repeat">
+      <a:schemeClr val="lt1">
+        <a:alpha val="40000"/>
+      </a:schemeClr>
+    </dgm:fillClrLst>
+    <dgm:linClrLst meth="repeat">
+      <a:schemeClr val="accent1"/>
+    </dgm:linClrLst>
+    <dgm:effectClrLst/>
+    <dgm:txLinClrLst/>
+    <dgm:txFillClrLst meth="repeat">
+      <a:schemeClr val="dk1"/>
+    </dgm:txFillClrLst>
+    <dgm:txEffectClrLst/>
+  </dgm:styleLbl>
+  <dgm:styleLbl name="bgAcc1">
+    <dgm:fillClrLst meth="repeat">
+      <a:schemeClr val="lt1">
+        <a:alpha val="90000"/>
+      </a:schemeClr>
+    </dgm:fillClrLst>
+    <dgm:linClrLst meth="repeat">
+      <a:schemeClr val="accent1"/>
+    </dgm:linClrLst>
+    <dgm:effectClrLst/>
+    <dgm:txLinClrLst/>
+    <dgm:txFillClrLst meth="repeat">
+      <a:schemeClr val="dk1"/>
+    </dgm:txFillClrLst>
+    <dgm:txEffectClrLst/>
+  </dgm:styleLbl>
+  <dgm:styleLbl name="solidFgAcc1">
+    <dgm:fillClrLst meth="repeat">
+      <a:schemeClr val="lt1"/>
+    </dgm:fillClrLst>
+    <dgm:linClrLst meth="repeat">
+      <a:schemeClr val="accent1"/>
+    </dgm:linClrLst>
+    <dgm:effectClrLst/>
+    <dgm:txLinClrLst/>
+    <dgm:txFillClrLst meth="repeat">
+      <a:schemeClr val="dk1"/>
+    </dgm:txFillClrLst>
+    <dgm:txEffectClrLst/>
+  </dgm:styleLbl>
+  <dgm:styleLbl name="solidAlignAcc1">
+    <dgm:fillClrLst meth="repeat">
+      <a:schemeClr val="lt1"/>
+    </dgm:fillClrLst>
+    <dgm:linClrLst meth="repeat">
+      <a:schemeClr val="accent1"/>
+    </dgm:linClrLst>
+    <dgm:effectClrLst/>
+    <dgm:txLinClrLst/>
+    <dgm:txFillClrLst meth="repeat">
+      <a:schemeClr val="dk1"/>
+    </dgm:txFillClrLst>
+    <dgm:txEffectClrLst/>
+  </dgm:styleLbl>
+  <dgm:styleLbl name="solidBgAcc1">
+    <dgm:fillClrLst meth="repeat">
+      <a:schemeClr val="lt1"/>
+    </dgm:fillClrLst>
+    <dgm:linClrLst meth="repeat">
+      <a:schemeClr val="accent1"/>
+    </dgm:linClrLst>
+    <dgm:effectClrLst/>
+    <dgm:txLinClrLst/>
+    <dgm:txFillClrLst meth="repeat">
+      <a:schemeClr val="dk1"/>
+    </dgm:txFillClrLst>
+    <dgm:txEffectClrLst/>
+  </dgm:styleLbl>
+  <dgm:styleLbl name="fgAccFollowNode1">
+    <dgm:fillClrLst meth="repeat">
+      <a:schemeClr val="accent1">
+        <a:alpha val="90000"/>
+        <a:tint val="40000"/>
+      </a:schemeClr>
+    </dgm:fillClrLst>
+    <dgm:linClrLst meth="repeat">
+      <a:schemeClr val="accent1">
+        <a:alpha val="90000"/>
+        <a:tint val="40000"/>
+      </a:schemeClr>
+    </dgm:linClrLst>
+    <dgm:effectClrLst/>
+    <dgm:txLinClrLst/>
+    <dgm:txFillClrLst meth="repeat">
+      <a:schemeClr val="dk1"/>
+    </dgm:txFillClrLst>
+    <dgm:txEffectClrLst/>
+  </dgm:styleLbl>
+  <dgm:styleLbl name="alignAccFollowNode1">
+    <dgm:fillClrLst meth="repeat">
+      <a:schemeClr val="accent1">
+        <a:alpha val="90000"/>
+        <a:tint val="40000"/>
+      </a:schemeClr>
+    </dgm:fillClrLst>
+    <dgm:linClrLst meth="repeat">
+      <a:schemeClr val="accent1">
+        <a:alpha val="90000"/>
+        <a:tint val="40000"/>
+      </a:schemeClr>
+    </dgm:linClrLst>
+    <dgm:effectClrLst/>
+    <dgm:txLinClrLst/>
+    <dgm:txFillClrLst meth="repeat">
+      <a:schemeClr val="dk1"/>
+    </dgm:txFillClrLst>
+    <dgm:txEffectClrLst/>
+  </dgm:styleLbl>
+  <dgm:styleLbl name="bgAccFollowNode1">
+    <dgm:fillClrLst meth="repeat">
+      <a:schemeClr val="accent1">
+        <a:alpha val="90000"/>
+        <a:tint val="40000"/>
+      </a:schemeClr>
+    </dgm:fillClrLst>
+    <dgm:linClrLst meth="repeat">
+      <a:schemeClr val="accent1">
+        <a:alpha val="90000"/>
+        <a:tint val="40000"/>
+      </a:schemeClr>
+    </dgm:linClrLst>
+    <dgm:effectClrLst/>
+    <dgm:txLinClrLst/>
+    <dgm:txFillClrLst meth="repeat">
+      <a:schemeClr val="dk1"/>
+    </dgm:txFillClrLst>
+    <dgm:txEffectClrLst/>
+  </dgm:styleLbl>
+  <dgm:styleLbl name="fgAcc0">
+    <dgm:fillClrLst meth="repeat">
+      <a:schemeClr val="lt1">
+        <a:alpha val="90000"/>
+      </a:schemeClr>
+    </dgm:fillClrLst>
+    <dgm:linClrLst meth="repeat">
+      <a:schemeClr val="accent1"/>
+    </dgm:linClrLst>
+    <dgm:effectClrLst/>
+    <dgm:txLinClrLst/>
+    <dgm:txFillClrLst meth="repeat">
+      <a:schemeClr val="dk1"/>
+    </dgm:txFillClrLst>
+    <dgm:txEffectClrLst/>
+  </dgm:styleLbl>
+  <dgm:styleLbl name="fgAcc2">
+    <dgm:fillClrLst meth="repeat">
+      <a:schemeClr val="lt1">
+        <a:alpha val="90000"/>
+      </a:schemeClr>
+    </dgm:fillClrLst>
+    <dgm:linClrLst meth="repeat">
+      <a:schemeClr val="accent1"/>
+    </dgm:linClrLst>
+    <dgm:effectClrLst/>
+    <dgm:txLinClrLst/>
+    <dgm:txFillClrLst meth="repeat">
+      <a:schemeClr val="dk1"/>
+    </dgm:txFillClrLst>
+    <dgm:txEffectClrLst/>
+  </dgm:styleLbl>
+  <dgm:styleLbl name="fgAcc3">
+    <dgm:fillClrLst meth="repeat">
+      <a:schemeClr val="lt1">
+        <a:alpha val="90000"/>
+      </a:schemeClr>
+    </dgm:fillClrLst>
+    <dgm:linClrLst meth="repeat">
+      <a:schemeClr val="accent1"/>
+    </dgm:linClrLst>
+    <dgm:effectClrLst/>
+    <dgm:txLinClrLst/>
+    <dgm:txFillClrLst meth="repeat">
+      <a:schemeClr val="dk1"/>
+    </dgm:txFillClrLst>
+    <dgm:txEffectClrLst/>
+  </dgm:styleLbl>
+  <dgm:styleLbl name="fgAcc4">
+    <dgm:fillClrLst meth="repeat">
+      <a:schemeClr val="lt1">
+        <a:alpha val="90000"/>
+      </a:schemeClr>
+    </dgm:fillClrLst>
+    <dgm:linClrLst meth="repeat">
+      <a:schemeClr val="accent1"/>
+    </dgm:linClrLst>
+    <dgm:effectClrLst/>
+    <dgm:txLinClrLst/>
+    <dgm:txFillClrLst meth="repeat">
+      <a:schemeClr val="dk1"/>
+    </dgm:txFillClrLst>
+    <dgm:txEffectClrLst/>
+  </dgm:styleLbl>
+  <dgm:styleLbl name="bgShp">
+    <dgm:fillClrLst meth="repeat">
+      <a:schemeClr val="accent1">
+        <a:tint val="40000"/>
+      </a:schemeClr>
+    </dgm:fillClrLst>
+    <dgm:linClrLst meth="repeat">
+      <a:schemeClr val="accent1"/>
+    </dgm:linClrLst>
+    <dgm:effectClrLst/>
+    <dgm:txLinClrLst/>
+    <dgm:txFillClrLst meth="repeat">
+      <a:schemeClr val="dk1"/>
+    </dgm:txFillClrLst>
+    <dgm:txEffectClrLst/>
+  </dgm:styleLbl>
+  <dgm:styleLbl name="dkBgShp">
+    <dgm:fillClrLst meth="repeat">
+      <a:schemeClr val="accent1">
+        <a:shade val="80000"/>
+      </a:schemeClr>
+    </dgm:fillClrLst>
+    <dgm:linClrLst meth="repeat">
+      <a:schemeClr val="accent1"/>
+    </dgm:linClrLst>
+    <dgm:effectClrLst/>
+    <dgm:txLinClrLst/>
+    <dgm:txFillClrLst meth="repeat">
+      <a:schemeClr val="lt1"/>
+    </dgm:txFillClrLst>
+    <dgm:txEffectClrLst/>
+  </dgm:styleLbl>
+  <dgm:styleLbl name="trBgShp">
+    <dgm:fillClrLst meth="repeat">
+      <a:schemeClr val="accent1">
+        <a:tint val="50000"/>
+        <a:alpha val="40000"/>
+      </a:schemeClr>
+    </dgm:fillClrLst>
+    <dgm:linClrLst meth="repeat">
+      <a:schemeClr val="accent1"/>
+    </dgm:linClrLst>
+    <dgm:effectClrLst/>
+    <dgm:txLinClrLst/>
+    <dgm:txFillClrLst meth="repeat">
+      <a:schemeClr val="lt1"/>
+    </dgm:txFillClrLst>
+    <dgm:txEffectClrLst/>
+  </dgm:styleLbl>
+  <dgm:styleLbl name="fgShp">
+    <dgm:fillClrLst meth="repeat">
+      <a:schemeClr val="accent1">
+        <a:tint val="60000"/>
+      </a:schemeClr>
+    </dgm:fillClrLst>
+    <dgm:linClrLst meth="repeat">
+      <a:schemeClr val="lt1"/>
+    </dgm:linClrLst>
+    <dgm:effectClrLst/>
+    <dgm:txLinClrLst/>
+    <dgm:txFillClrLst meth="repeat">
+      <a:schemeClr val="dk1"/>
+    </dgm:txFillClrLst>
+    <dgm:txEffectClrLst/>
+  </dgm:styleLbl>
+  <dgm:styleLbl name="revTx">
+    <dgm:fillClrLst meth="repeat">
+      <a:schemeClr val="lt1">
+        <a:alpha val="0"/>
+      </a:schemeClr>
+    </dgm:fillClrLst>
+    <dgm:linClrLst meth="repeat">
+      <a:schemeClr val="dk1">
+        <a:alpha val="0"/>
+      </a:schemeClr>
+    </dgm:linClrLst>
+    <dgm:effectClrLst/>
+    <dgm:txLinClrLst/>
+    <dgm:txFillClrLst meth="repeat">
+      <a:schemeClr val="tx1"/>
+    </dgm:txFillClrLst>
+    <dgm:txEffectClrLst/>
+  </dgm:styleLbl>
+</dgm:colorsDef>
+</file>
+
+<file path=ppt/diagrams/data1.xml><?xml version="1.0" encoding="utf-8"?>
+<dgm:dataModel xmlns:dgm="http://schemas.openxmlformats.org/drawingml/2006/diagram" xmlns:a="http://schemas.openxmlformats.org/drawingml/2006/main">
+  <dgm:ptLst>
+    <dgm:pt modelId="{EF0527FB-EAE4-6244-8998-70E5E79564FE}" type="doc">
+      <dgm:prSet loTypeId="urn:microsoft.com/office/officeart/2005/8/layout/venn2" loCatId="" qsTypeId="urn:microsoft.com/office/officeart/2005/8/quickstyle/simple4" qsCatId="simple" csTypeId="urn:microsoft.com/office/officeart/2005/8/colors/accent1_2" csCatId="accent1" phldr="1"/>
+      <dgm:spPr/>
+      <dgm:t>
+        <a:bodyPr/>
+        <a:lstStyle/>
+        <a:p>
+          <a:endParaRPr lang="en-US"/>
+        </a:p>
+      </dgm:t>
+    </dgm:pt>
+    <dgm:pt modelId="{6C4EEADB-6928-DB4F-9C25-5B45F64CD0CD}">
+      <dgm:prSet phldrT="[Text]"/>
+      <dgm:spPr/>
+      <dgm:t>
+        <a:bodyPr/>
+        <a:lstStyle/>
+        <a:p>
+          <a:r>
+            <a:rPr lang="en-US" dirty="0" smtClean="0"/>
+            <a:t>All aircrafts</a:t>
+          </a:r>
+          <a:endParaRPr lang="en-US" dirty="0"/>
+        </a:p>
+      </dgm:t>
+    </dgm:pt>
+    <dgm:pt modelId="{19759647-74D4-E744-A53A-CABD006BF980}" type="parTrans" cxnId="{DEAA6F81-C13C-F54D-9714-21574653EC6D}">
+      <dgm:prSet/>
+      <dgm:spPr/>
+      <dgm:t>
+        <a:bodyPr/>
+        <a:lstStyle/>
+        <a:p>
+          <a:endParaRPr lang="en-US"/>
+        </a:p>
+      </dgm:t>
+    </dgm:pt>
+    <dgm:pt modelId="{C4551A68-7C5D-BD43-A843-9FE95C58F0F7}" type="sibTrans" cxnId="{DEAA6F81-C13C-F54D-9714-21574653EC6D}">
+      <dgm:prSet/>
+      <dgm:spPr/>
+      <dgm:t>
+        <a:bodyPr/>
+        <a:lstStyle/>
+        <a:p>
+          <a:endParaRPr lang="en-US"/>
+        </a:p>
+      </dgm:t>
+    </dgm:pt>
+    <dgm:pt modelId="{BC1DAB9D-9A0B-B749-BCC3-D9BE53A43149}">
+      <dgm:prSet phldrT="[Text]"/>
+      <dgm:spPr/>
+      <dgm:t>
+        <a:bodyPr/>
+        <a:lstStyle/>
+        <a:p>
+          <a:r>
+            <a:rPr lang="en-US" dirty="0" smtClean="0"/>
+            <a:t>US commercial aircraft</a:t>
+          </a:r>
+          <a:endParaRPr lang="en-US" dirty="0"/>
+        </a:p>
+      </dgm:t>
+    </dgm:pt>
+    <dgm:pt modelId="{54C53801-D450-F549-9F14-E558EF75EEA9}" type="parTrans" cxnId="{14410490-4245-CD48-A028-25715B4EE6A6}">
+      <dgm:prSet/>
+      <dgm:spPr/>
+      <dgm:t>
+        <a:bodyPr/>
+        <a:lstStyle/>
+        <a:p>
+          <a:endParaRPr lang="en-US"/>
+        </a:p>
+      </dgm:t>
+    </dgm:pt>
+    <dgm:pt modelId="{CF3F6D79-ECC5-1242-8258-AD745C06E483}" type="sibTrans" cxnId="{14410490-4245-CD48-A028-25715B4EE6A6}">
+      <dgm:prSet/>
+      <dgm:spPr/>
+      <dgm:t>
+        <a:bodyPr/>
+        <a:lstStyle/>
+        <a:p>
+          <a:endParaRPr lang="en-US"/>
+        </a:p>
+      </dgm:t>
+    </dgm:pt>
+    <dgm:pt modelId="{56A06512-A339-594D-9EC5-C4ACB60D9ACC}">
+      <dgm:prSet phldrT="[Text]"/>
+      <dgm:spPr/>
+      <dgm:t>
+        <a:bodyPr/>
+        <a:lstStyle/>
+        <a:p>
+          <a:r>
+            <a:rPr lang="en-US" dirty="0" smtClean="0"/>
+            <a:t>Not ADS-B equipped</a:t>
+          </a:r>
+          <a:endParaRPr lang="en-US" dirty="0"/>
+        </a:p>
+      </dgm:t>
+    </dgm:pt>
+    <dgm:pt modelId="{037BB4E1-0903-CF4A-B6AF-607434CC6DB1}" type="parTrans" cxnId="{9379E496-5906-084D-AFBE-0B9F81653185}">
+      <dgm:prSet/>
+      <dgm:spPr/>
+      <dgm:t>
+        <a:bodyPr/>
+        <a:lstStyle/>
+        <a:p>
+          <a:endParaRPr lang="en-US"/>
+        </a:p>
+      </dgm:t>
+    </dgm:pt>
+    <dgm:pt modelId="{26CDDDBA-9D46-7A4D-B6D7-35E54D9AD268}" type="sibTrans" cxnId="{9379E496-5906-084D-AFBE-0B9F81653185}">
+      <dgm:prSet/>
+      <dgm:spPr/>
+      <dgm:t>
+        <a:bodyPr/>
+        <a:lstStyle/>
+        <a:p>
+          <a:endParaRPr lang="en-US"/>
+        </a:p>
+      </dgm:t>
+    </dgm:pt>
+    <dgm:pt modelId="{C5A099BA-E49A-334F-9321-71BB5C1943BE}" type="pres">
+      <dgm:prSet presAssocID="{EF0527FB-EAE4-6244-8998-70E5E79564FE}" presName="Name0" presStyleCnt="0">
+        <dgm:presLayoutVars>
+          <dgm:chMax val="7"/>
+          <dgm:resizeHandles val="exact"/>
+        </dgm:presLayoutVars>
+      </dgm:prSet>
+      <dgm:spPr/>
+    </dgm:pt>
+    <dgm:pt modelId="{34A3AF70-EE04-BA45-BEB0-C91662A54475}" type="pres">
+      <dgm:prSet presAssocID="{EF0527FB-EAE4-6244-8998-70E5E79564FE}" presName="comp1" presStyleCnt="0"/>
+      <dgm:spPr/>
+    </dgm:pt>
+    <dgm:pt modelId="{C78C9BC8-E64D-E34A-85D9-C8C1A05D0250}" type="pres">
+      <dgm:prSet presAssocID="{EF0527FB-EAE4-6244-8998-70E5E79564FE}" presName="circle1" presStyleLbl="node1" presStyleIdx="0" presStyleCnt="3" custLinFactNeighborX="-194" custLinFactNeighborY="1164"/>
+      <dgm:spPr/>
+      <dgm:t>
+        <a:bodyPr/>
+        <a:lstStyle/>
+        <a:p>
+          <a:endParaRPr lang="en-US"/>
+        </a:p>
+      </dgm:t>
+    </dgm:pt>
+    <dgm:pt modelId="{824C4372-46F9-6E48-97BE-0E380859CAAF}" type="pres">
+      <dgm:prSet presAssocID="{EF0527FB-EAE4-6244-8998-70E5E79564FE}" presName="c1text" presStyleLbl="node1" presStyleIdx="0" presStyleCnt="3">
+        <dgm:presLayoutVars>
+          <dgm:bulletEnabled val="1"/>
+        </dgm:presLayoutVars>
+      </dgm:prSet>
+      <dgm:spPr/>
+      <dgm:t>
+        <a:bodyPr/>
+        <a:lstStyle/>
+        <a:p>
+          <a:endParaRPr lang="en-US"/>
+        </a:p>
+      </dgm:t>
+    </dgm:pt>
+    <dgm:pt modelId="{23A35C0B-AAA0-F342-BCB0-72B07DF1739E}" type="pres">
+      <dgm:prSet presAssocID="{EF0527FB-EAE4-6244-8998-70E5E79564FE}" presName="comp2" presStyleCnt="0"/>
+      <dgm:spPr/>
+    </dgm:pt>
+    <dgm:pt modelId="{F5547317-EB4B-4844-A4FB-1075CB9718EC}" type="pres">
+      <dgm:prSet presAssocID="{EF0527FB-EAE4-6244-8998-70E5E79564FE}" presName="circle2" presStyleLbl="node1" presStyleIdx="1" presStyleCnt="3"/>
+      <dgm:spPr/>
+      <dgm:t>
+        <a:bodyPr/>
+        <a:lstStyle/>
+        <a:p>
+          <a:endParaRPr lang="en-US"/>
+        </a:p>
+      </dgm:t>
+    </dgm:pt>
+    <dgm:pt modelId="{BD024BB3-DF18-BC46-BF73-8795BDC0E90F}" type="pres">
+      <dgm:prSet presAssocID="{EF0527FB-EAE4-6244-8998-70E5E79564FE}" presName="c2text" presStyleLbl="node1" presStyleIdx="1" presStyleCnt="3">
+        <dgm:presLayoutVars>
+          <dgm:bulletEnabled val="1"/>
+        </dgm:presLayoutVars>
+      </dgm:prSet>
+      <dgm:spPr/>
+      <dgm:t>
+        <a:bodyPr/>
+        <a:lstStyle/>
+        <a:p>
+          <a:endParaRPr lang="en-US"/>
+        </a:p>
+      </dgm:t>
+    </dgm:pt>
+    <dgm:pt modelId="{752230F1-5F58-C141-95E0-1007103A4284}" type="pres">
+      <dgm:prSet presAssocID="{EF0527FB-EAE4-6244-8998-70E5E79564FE}" presName="comp3" presStyleCnt="0"/>
+      <dgm:spPr/>
+    </dgm:pt>
+    <dgm:pt modelId="{D63BA300-80C4-3643-8C46-3B90C33B04B5}" type="pres">
+      <dgm:prSet presAssocID="{EF0527FB-EAE4-6244-8998-70E5E79564FE}" presName="circle3" presStyleLbl="node1" presStyleIdx="2" presStyleCnt="3"/>
+      <dgm:spPr/>
+      <dgm:t>
+        <a:bodyPr/>
+        <a:lstStyle/>
+        <a:p>
+          <a:endParaRPr lang="en-US"/>
+        </a:p>
+      </dgm:t>
+    </dgm:pt>
+    <dgm:pt modelId="{CC513DE6-4187-D244-AC88-F46EABC2A8B9}" type="pres">
+      <dgm:prSet presAssocID="{EF0527FB-EAE4-6244-8998-70E5E79564FE}" presName="c3text" presStyleLbl="node1" presStyleIdx="2" presStyleCnt="3">
+        <dgm:presLayoutVars>
+          <dgm:bulletEnabled val="1"/>
+        </dgm:presLayoutVars>
+      </dgm:prSet>
+      <dgm:spPr/>
+      <dgm:t>
+        <a:bodyPr/>
+        <a:lstStyle/>
+        <a:p>
+          <a:endParaRPr lang="en-US"/>
+        </a:p>
+      </dgm:t>
+    </dgm:pt>
+  </dgm:ptLst>
+  <dgm:cxnLst>
+    <dgm:cxn modelId="{322B01FA-9006-CD40-A562-BE4CEDA90956}" type="presOf" srcId="{EF0527FB-EAE4-6244-8998-70E5E79564FE}" destId="{C5A099BA-E49A-334F-9321-71BB5C1943BE}" srcOrd="0" destOrd="0" presId="urn:microsoft.com/office/officeart/2005/8/layout/venn2"/>
+    <dgm:cxn modelId="{DD46359C-FDD5-4743-AA54-0828DC02EAAA}" type="presOf" srcId="{56A06512-A339-594D-9EC5-C4ACB60D9ACC}" destId="{D63BA300-80C4-3643-8C46-3B90C33B04B5}" srcOrd="0" destOrd="0" presId="urn:microsoft.com/office/officeart/2005/8/layout/venn2"/>
+    <dgm:cxn modelId="{14410490-4245-CD48-A028-25715B4EE6A6}" srcId="{EF0527FB-EAE4-6244-8998-70E5E79564FE}" destId="{BC1DAB9D-9A0B-B749-BCC3-D9BE53A43149}" srcOrd="1" destOrd="0" parTransId="{54C53801-D450-F549-9F14-E558EF75EEA9}" sibTransId="{CF3F6D79-ECC5-1242-8258-AD745C06E483}"/>
+    <dgm:cxn modelId="{93D5791D-1FC3-CF4A-A0DC-33DCACC31A47}" type="presOf" srcId="{BC1DAB9D-9A0B-B749-BCC3-D9BE53A43149}" destId="{F5547317-EB4B-4844-A4FB-1075CB9718EC}" srcOrd="0" destOrd="0" presId="urn:microsoft.com/office/officeart/2005/8/layout/venn2"/>
+    <dgm:cxn modelId="{EC2B6C57-7BC3-994D-AA72-8FB056967EF3}" type="presOf" srcId="{6C4EEADB-6928-DB4F-9C25-5B45F64CD0CD}" destId="{824C4372-46F9-6E48-97BE-0E380859CAAF}" srcOrd="1" destOrd="0" presId="urn:microsoft.com/office/officeart/2005/8/layout/venn2"/>
+    <dgm:cxn modelId="{5233EFCD-FD63-1841-B9A0-DA72CA32BCEC}" type="presOf" srcId="{56A06512-A339-594D-9EC5-C4ACB60D9ACC}" destId="{CC513DE6-4187-D244-AC88-F46EABC2A8B9}" srcOrd="1" destOrd="0" presId="urn:microsoft.com/office/officeart/2005/8/layout/venn2"/>
+    <dgm:cxn modelId="{007742B6-EF75-B84E-A9F4-D407D2828F2E}" type="presOf" srcId="{6C4EEADB-6928-DB4F-9C25-5B45F64CD0CD}" destId="{C78C9BC8-E64D-E34A-85D9-C8C1A05D0250}" srcOrd="0" destOrd="0" presId="urn:microsoft.com/office/officeart/2005/8/layout/venn2"/>
+    <dgm:cxn modelId="{9379E496-5906-084D-AFBE-0B9F81653185}" srcId="{EF0527FB-EAE4-6244-8998-70E5E79564FE}" destId="{56A06512-A339-594D-9EC5-C4ACB60D9ACC}" srcOrd="2" destOrd="0" parTransId="{037BB4E1-0903-CF4A-B6AF-607434CC6DB1}" sibTransId="{26CDDDBA-9D46-7A4D-B6D7-35E54D9AD268}"/>
+    <dgm:cxn modelId="{F036F824-3417-8546-8CD9-1151E78DBAE6}" type="presOf" srcId="{BC1DAB9D-9A0B-B749-BCC3-D9BE53A43149}" destId="{BD024BB3-DF18-BC46-BF73-8795BDC0E90F}" srcOrd="1" destOrd="0" presId="urn:microsoft.com/office/officeart/2005/8/layout/venn2"/>
+    <dgm:cxn modelId="{DEAA6F81-C13C-F54D-9714-21574653EC6D}" srcId="{EF0527FB-EAE4-6244-8998-70E5E79564FE}" destId="{6C4EEADB-6928-DB4F-9C25-5B45F64CD0CD}" srcOrd="0" destOrd="0" parTransId="{19759647-74D4-E744-A53A-CABD006BF980}" sibTransId="{C4551A68-7C5D-BD43-A843-9FE95C58F0F7}"/>
+    <dgm:cxn modelId="{751F9DCD-7C92-6540-A709-84A827AB6017}" type="presParOf" srcId="{C5A099BA-E49A-334F-9321-71BB5C1943BE}" destId="{34A3AF70-EE04-BA45-BEB0-C91662A54475}" srcOrd="0" destOrd="0" presId="urn:microsoft.com/office/officeart/2005/8/layout/venn2"/>
+    <dgm:cxn modelId="{46E34D86-753C-1D41-8356-8E06D5CFF243}" type="presParOf" srcId="{34A3AF70-EE04-BA45-BEB0-C91662A54475}" destId="{C78C9BC8-E64D-E34A-85D9-C8C1A05D0250}" srcOrd="0" destOrd="0" presId="urn:microsoft.com/office/officeart/2005/8/layout/venn2"/>
+    <dgm:cxn modelId="{39E922F4-E0A8-E743-B339-EC297822C09E}" type="presParOf" srcId="{34A3AF70-EE04-BA45-BEB0-C91662A54475}" destId="{824C4372-46F9-6E48-97BE-0E380859CAAF}" srcOrd="1" destOrd="0" presId="urn:microsoft.com/office/officeart/2005/8/layout/venn2"/>
+    <dgm:cxn modelId="{7A1E21CC-1AF9-9D4F-8FC7-2B0773DB140B}" type="presParOf" srcId="{C5A099BA-E49A-334F-9321-71BB5C1943BE}" destId="{23A35C0B-AAA0-F342-BCB0-72B07DF1739E}" srcOrd="1" destOrd="0" presId="urn:microsoft.com/office/officeart/2005/8/layout/venn2"/>
+    <dgm:cxn modelId="{54662F52-B50E-BE41-AE3E-744C496343EB}" type="presParOf" srcId="{23A35C0B-AAA0-F342-BCB0-72B07DF1739E}" destId="{F5547317-EB4B-4844-A4FB-1075CB9718EC}" srcOrd="0" destOrd="0" presId="urn:microsoft.com/office/officeart/2005/8/layout/venn2"/>
+    <dgm:cxn modelId="{F3E88FAB-0F1E-6340-BFDB-1478C48CAC59}" type="presParOf" srcId="{23A35C0B-AAA0-F342-BCB0-72B07DF1739E}" destId="{BD024BB3-DF18-BC46-BF73-8795BDC0E90F}" srcOrd="1" destOrd="0" presId="urn:microsoft.com/office/officeart/2005/8/layout/venn2"/>
+    <dgm:cxn modelId="{971F7B77-2522-8F4D-87C4-F32D4B018867}" type="presParOf" srcId="{C5A099BA-E49A-334F-9321-71BB5C1943BE}" destId="{752230F1-5F58-C141-95E0-1007103A4284}" srcOrd="2" destOrd="0" presId="urn:microsoft.com/office/officeart/2005/8/layout/venn2"/>
+    <dgm:cxn modelId="{9D24746C-0198-C844-B7BA-2B5B8196ECFA}" type="presParOf" srcId="{752230F1-5F58-C141-95E0-1007103A4284}" destId="{D63BA300-80C4-3643-8C46-3B90C33B04B5}" srcOrd="0" destOrd="0" presId="urn:microsoft.com/office/officeart/2005/8/layout/venn2"/>
+    <dgm:cxn modelId="{EAC3791F-A12D-8D48-959D-BFE4AF5414A3}" type="presParOf" srcId="{752230F1-5F58-C141-95E0-1007103A4284}" destId="{CC513DE6-4187-D244-AC88-F46EABC2A8B9}" srcOrd="1" destOrd="0" presId="urn:microsoft.com/office/officeart/2005/8/layout/venn2"/>
+  </dgm:cxnLst>
+  <dgm:bg/>
+  <dgm:whole/>
+  <dgm:extLst>
+    <a:ext uri="http://schemas.microsoft.com/office/drawing/2008/diagram">
+      <dsp:dataModelExt xmlns:dsp="http://schemas.microsoft.com/office/drawing/2008/diagram" relId="rId7" minVer="http://schemas.openxmlformats.org/drawingml/2006/diagram"/>
+    </a:ext>
+  </dgm:extLst>
+</dgm:dataModel>
+</file>
+
+<file path=ppt/diagrams/drawing1.xml><?xml version="1.0" encoding="utf-8"?>
+<dsp:drawing xmlns:dgm="http://schemas.openxmlformats.org/drawingml/2006/diagram" xmlns:dsp="http://schemas.microsoft.com/office/drawing/2008/diagram" xmlns:a="http://schemas.openxmlformats.org/drawingml/2006/main">
+  <dsp:spTree>
+    <dsp:nvGrpSpPr>
+      <dsp:cNvPr id="0" name=""/>
+      <dsp:cNvGrpSpPr/>
+    </dsp:nvGrpSpPr>
+    <dsp:grpSpPr/>
+    <dsp:sp modelId="{C78C9BC8-E64D-E34A-85D9-C8C1A05D0250}">
+      <dsp:nvSpPr>
+        <dsp:cNvPr id="0" name=""/>
+        <dsp:cNvSpPr/>
+      </dsp:nvSpPr>
+      <dsp:spPr>
+        <a:xfrm>
+          <a:off x="1008115" y="0"/>
+          <a:ext cx="4064000" cy="4064000"/>
+        </a:xfrm>
+        <a:prstGeom prst="ellipse">
+          <a:avLst/>
+        </a:prstGeom>
+        <a:gradFill rotWithShape="0">
+          <a:gsLst>
+            <a:gs pos="0">
+              <a:schemeClr val="accent1">
+                <a:hueOff val="0"/>
+                <a:satOff val="0"/>
+                <a:lumOff val="0"/>
+                <a:alphaOff val="0"/>
+                <a:tint val="100000"/>
+                <a:shade val="100000"/>
+                <a:satMod val="130000"/>
+              </a:schemeClr>
+            </a:gs>
+            <a:gs pos="100000">
+              <a:schemeClr val="accent1">
+                <a:hueOff val="0"/>
+                <a:satOff val="0"/>
+                <a:lumOff val="0"/>
+                <a:alphaOff val="0"/>
+                <a:tint val="50000"/>
+                <a:shade val="100000"/>
+                <a:satMod val="350000"/>
+              </a:schemeClr>
+            </a:gs>
+          </a:gsLst>
+          <a:lin ang="16200000" scaled="0"/>
+        </a:gradFill>
+        <a:ln>
+          <a:noFill/>
+        </a:ln>
+        <a:effectLst>
+          <a:outerShdw blurRad="40000" dist="23000" dir="5400000" rotWithShape="0">
+            <a:srgbClr val="000000">
+              <a:alpha val="35000"/>
+            </a:srgbClr>
+          </a:outerShdw>
+        </a:effectLst>
+      </dsp:spPr>
+      <dsp:style>
+        <a:lnRef idx="0">
+          <a:scrgbClr r="0" g="0" b="0"/>
+        </a:lnRef>
+        <a:fillRef idx="3">
+          <a:scrgbClr r="0" g="0" b="0"/>
+        </a:fillRef>
+        <a:effectRef idx="2">
+          <a:scrgbClr r="0" g="0" b="0"/>
+        </a:effectRef>
+        <a:fontRef idx="minor">
+          <a:schemeClr val="lt1"/>
+        </a:fontRef>
+      </dsp:style>
+      <dsp:txBody>
+        <a:bodyPr spcFirstLastPara="0" vert="horz" wrap="square" lIns="99568" tIns="99568" rIns="99568" bIns="99568" numCol="1" spcCol="1270" anchor="ctr" anchorCtr="0">
+          <a:noAutofit/>
+        </a:bodyPr>
+        <a:lstStyle/>
+        <a:p>
+          <a:pPr lvl="0" algn="ctr" defTabSz="622300">
+            <a:lnSpc>
+              <a:spcPct val="90000"/>
+            </a:lnSpc>
+            <a:spcBef>
+              <a:spcPct val="0"/>
+            </a:spcBef>
+            <a:spcAft>
+              <a:spcPct val="35000"/>
+            </a:spcAft>
+          </a:pPr>
+          <a:r>
+            <a:rPr lang="en-US" sz="1400" kern="1200" dirty="0" smtClean="0"/>
+            <a:t>All aircrafts</a:t>
+          </a:r>
+          <a:endParaRPr lang="en-US" sz="1400" kern="1200" dirty="0"/>
+        </a:p>
+      </dsp:txBody>
+      <dsp:txXfrm>
+        <a:off x="2329931" y="203199"/>
+        <a:ext cx="1420368" cy="609600"/>
+      </dsp:txXfrm>
+    </dsp:sp>
+    <dsp:sp modelId="{F5547317-EB4B-4844-A4FB-1075CB9718EC}">
+      <dsp:nvSpPr>
+        <dsp:cNvPr id="0" name=""/>
+        <dsp:cNvSpPr/>
+      </dsp:nvSpPr>
+      <dsp:spPr>
+        <a:xfrm>
+          <a:off x="1524000" y="1015999"/>
+          <a:ext cx="3048000" cy="3048000"/>
+        </a:xfrm>
+        <a:prstGeom prst="ellipse">
+          <a:avLst/>
+        </a:prstGeom>
+        <a:gradFill rotWithShape="0">
+          <a:gsLst>
+            <a:gs pos="0">
+              <a:schemeClr val="accent1">
+                <a:hueOff val="0"/>
+                <a:satOff val="0"/>
+                <a:lumOff val="0"/>
+                <a:alphaOff val="0"/>
+                <a:tint val="100000"/>
+                <a:shade val="100000"/>
+                <a:satMod val="130000"/>
+              </a:schemeClr>
+            </a:gs>
+            <a:gs pos="100000">
+              <a:schemeClr val="accent1">
+                <a:hueOff val="0"/>
+                <a:satOff val="0"/>
+                <a:lumOff val="0"/>
+                <a:alphaOff val="0"/>
+                <a:tint val="50000"/>
+                <a:shade val="100000"/>
+                <a:satMod val="350000"/>
+              </a:schemeClr>
+            </a:gs>
+          </a:gsLst>
+          <a:lin ang="16200000" scaled="0"/>
+        </a:gradFill>
+        <a:ln>
+          <a:noFill/>
+        </a:ln>
+        <a:effectLst>
+          <a:outerShdw blurRad="40000" dist="23000" dir="5400000" rotWithShape="0">
+            <a:srgbClr val="000000">
+              <a:alpha val="35000"/>
+            </a:srgbClr>
+          </a:outerShdw>
+        </a:effectLst>
+      </dsp:spPr>
+      <dsp:style>
+        <a:lnRef idx="0">
+          <a:scrgbClr r="0" g="0" b="0"/>
+        </a:lnRef>
+        <a:fillRef idx="3">
+          <a:scrgbClr r="0" g="0" b="0"/>
+        </a:fillRef>
+        <a:effectRef idx="2">
+          <a:scrgbClr r="0" g="0" b="0"/>
+        </a:effectRef>
+        <a:fontRef idx="minor">
+          <a:schemeClr val="lt1"/>
+        </a:fontRef>
+      </dsp:style>
+      <dsp:txBody>
+        <a:bodyPr spcFirstLastPara="0" vert="horz" wrap="square" lIns="99568" tIns="99568" rIns="99568" bIns="99568" numCol="1" spcCol="1270" anchor="ctr" anchorCtr="0">
+          <a:noAutofit/>
+        </a:bodyPr>
+        <a:lstStyle/>
+        <a:p>
+          <a:pPr lvl="0" algn="ctr" defTabSz="622300">
+            <a:lnSpc>
+              <a:spcPct val="90000"/>
+            </a:lnSpc>
+            <a:spcBef>
+              <a:spcPct val="0"/>
+            </a:spcBef>
+            <a:spcAft>
+              <a:spcPct val="35000"/>
+            </a:spcAft>
+          </a:pPr>
+          <a:r>
+            <a:rPr lang="en-US" sz="1400" kern="1200" dirty="0" smtClean="0"/>
+            <a:t>US commercial aircraft</a:t>
+          </a:r>
+          <a:endParaRPr lang="en-US" sz="1400" kern="1200" dirty="0"/>
+        </a:p>
+      </dsp:txBody>
+      <dsp:txXfrm>
+        <a:off x="2337816" y="1206499"/>
+        <a:ext cx="1420368" cy="571500"/>
+      </dsp:txXfrm>
+    </dsp:sp>
+    <dsp:sp modelId="{D63BA300-80C4-3643-8C46-3B90C33B04B5}">
+      <dsp:nvSpPr>
+        <dsp:cNvPr id="0" name=""/>
+        <dsp:cNvSpPr/>
+      </dsp:nvSpPr>
+      <dsp:spPr>
+        <a:xfrm>
+          <a:off x="2032000" y="2032000"/>
+          <a:ext cx="2032000" cy="2032000"/>
+        </a:xfrm>
+        <a:prstGeom prst="ellipse">
+          <a:avLst/>
+        </a:prstGeom>
+        <a:gradFill rotWithShape="0">
+          <a:gsLst>
+            <a:gs pos="0">
+              <a:schemeClr val="accent1">
+                <a:hueOff val="0"/>
+                <a:satOff val="0"/>
+                <a:lumOff val="0"/>
+                <a:alphaOff val="0"/>
+                <a:tint val="100000"/>
+                <a:shade val="100000"/>
+                <a:satMod val="130000"/>
+              </a:schemeClr>
+            </a:gs>
+            <a:gs pos="100000">
+              <a:schemeClr val="accent1">
+                <a:hueOff val="0"/>
+                <a:satOff val="0"/>
+                <a:lumOff val="0"/>
+                <a:alphaOff val="0"/>
+                <a:tint val="50000"/>
+                <a:shade val="100000"/>
+                <a:satMod val="350000"/>
+              </a:schemeClr>
+            </a:gs>
+          </a:gsLst>
+          <a:lin ang="16200000" scaled="0"/>
+        </a:gradFill>
+        <a:ln>
+          <a:noFill/>
+        </a:ln>
+        <a:effectLst>
+          <a:outerShdw blurRad="40000" dist="23000" dir="5400000" rotWithShape="0">
+            <a:srgbClr val="000000">
+              <a:alpha val="35000"/>
+            </a:srgbClr>
+          </a:outerShdw>
+        </a:effectLst>
+      </dsp:spPr>
+      <dsp:style>
+        <a:lnRef idx="0">
+          <a:scrgbClr r="0" g="0" b="0"/>
+        </a:lnRef>
+        <a:fillRef idx="3">
+          <a:scrgbClr r="0" g="0" b="0"/>
+        </a:fillRef>
+        <a:effectRef idx="2">
+          <a:scrgbClr r="0" g="0" b="0"/>
+        </a:effectRef>
+        <a:fontRef idx="minor">
+          <a:schemeClr val="lt1"/>
+        </a:fontRef>
+      </dsp:style>
+      <dsp:txBody>
+        <a:bodyPr spcFirstLastPara="0" vert="horz" wrap="square" lIns="99568" tIns="99568" rIns="99568" bIns="99568" numCol="1" spcCol="1270" anchor="ctr" anchorCtr="0">
+          <a:noAutofit/>
+        </a:bodyPr>
+        <a:lstStyle/>
+        <a:p>
+          <a:pPr lvl="0" algn="ctr" defTabSz="622300">
+            <a:lnSpc>
+              <a:spcPct val="90000"/>
+            </a:lnSpc>
+            <a:spcBef>
+              <a:spcPct val="0"/>
+            </a:spcBef>
+            <a:spcAft>
+              <a:spcPct val="35000"/>
+            </a:spcAft>
+          </a:pPr>
+          <a:r>
+            <a:rPr lang="en-US" sz="1400" kern="1200" dirty="0" smtClean="0"/>
+            <a:t>Not ADS-B equipped</a:t>
+          </a:r>
+          <a:endParaRPr lang="en-US" sz="1400" kern="1200" dirty="0"/>
+        </a:p>
+      </dsp:txBody>
+      <dsp:txXfrm>
+        <a:off x="2329579" y="2540000"/>
+        <a:ext cx="1436840" cy="1016000"/>
+      </dsp:txXfrm>
+    </dsp:sp>
+  </dsp:spTree>
+</dsp:drawing>
+</file>
+
+<file path=ppt/diagrams/layout1.xml><?xml version="1.0" encoding="utf-8"?>
+<dgm:layoutDef xmlns:dgm="http://schemas.openxmlformats.org/drawingml/2006/diagram" xmlns:a="http://schemas.openxmlformats.org/drawingml/2006/main" uniqueId="urn:microsoft.com/office/officeart/2005/8/layout/venn2">
+  <dgm:title val=""/>
+  <dgm:desc val=""/>
+  <dgm:catLst>
+    <dgm:cat type="relationship" pri="30000"/>
+  </dgm:catLst>
+  <dgm:sampData>
+    <dgm:dataModel>
+      <dgm:ptLst>
+        <dgm:pt modelId="0" type="doc"/>
+        <dgm:pt modelId="1">
+          <dgm:prSet phldr="1"/>
+        </dgm:pt>
+        <dgm:pt modelId="2">
+          <dgm:prSet phldr="1"/>
+        </dgm:pt>
+        <dgm:pt modelId="3">
+          <dgm:prSet phldr="1"/>
+        </dgm:pt>
+        <dgm:pt modelId="4">
+          <dgm:prSet phldr="1"/>
+        </dgm:pt>
+      </dgm:ptLst>
+      <dgm:cxnLst>
+        <dgm:cxn modelId="5" srcId="0" destId="1" srcOrd="0" destOrd="0"/>
+        <dgm:cxn modelId="6" srcId="0" destId="2" srcOrd="1" destOrd="0"/>
+        <dgm:cxn modelId="7" srcId="0" destId="3" srcOrd="2" destOrd="0"/>
+        <dgm:cxn modelId="8" srcId="0" destId="4" srcOrd="3" destOrd="0"/>
+      </dgm:cxnLst>
+      <dgm:bg/>
+      <dgm:whole/>
+    </dgm:dataModel>
+  </dgm:sampData>
+  <dgm:styleData>
+    <dgm:dataModel>
+      <dgm:ptLst>
+        <dgm:pt modelId="0" type="doc"/>
+        <dgm:pt modelId="1"/>
+        <dgm:pt modelId="2"/>
+      </dgm:ptLst>
+      <dgm:cxnLst>
+        <dgm:cxn modelId="3" srcId="0" destId="1" srcOrd="0" destOrd="0"/>
+        <dgm:cxn modelId="4" srcId="0" destId="2" srcOrd="1" destOrd="0"/>
+      </dgm:cxnLst>
+      <dgm:bg/>
+      <dgm:whole/>
+    </dgm:dataModel>
+  </dgm:styleData>
+  <dgm:clrData>
+    <dgm:dataModel>
+      <dgm:ptLst>
+        <dgm:pt modelId="0" type="doc"/>
+        <dgm:pt modelId="1"/>
+        <dgm:pt modelId="2"/>
+        <dgm:pt modelId="3"/>
+        <dgm:pt modelId="4"/>
+      </dgm:ptLst>
+      <dgm:cxnLst>
+        <dgm:cxn modelId="5" srcId="0" destId="1" srcOrd="0" destOrd="0"/>
+        <dgm:cxn modelId="6" srcId="0" destId="2" srcOrd="1" destOrd="0"/>
+        <dgm:cxn modelId="7" srcId="0" destId="3" srcOrd="2" destOrd="0"/>
+        <dgm:cxn modelId="8" srcId="0" destId="4" srcOrd="3" destOrd="0"/>
+      </dgm:cxnLst>
+      <dgm:bg/>
+      <dgm:whole/>
+    </dgm:dataModel>
+  </dgm:clrData>
+  <dgm:layoutNode name="Name0">
+    <dgm:varLst>
+      <dgm:chMax val="7"/>
+      <dgm:resizeHandles val="exact"/>
+    </dgm:varLst>
+    <dgm:alg type="composite">
+      <dgm:param type="ar" val="1"/>
+    </dgm:alg>
+    <dgm:shape xmlns:r="http://schemas.openxmlformats.org/officeDocument/2006/relationships" r:blip="">
+      <dgm:adjLst/>
+    </dgm:shape>
+    <dgm:presOf/>
+    <dgm:choose name="Name1">
+      <dgm:if name="Name2" axis="ch" ptType="node" func="cnt" op="lte" val="3">
+        <dgm:constrLst>
+          <dgm:constr type="w" for="ch" forName="comp1" refType="w"/>
+          <dgm:constr type="h" for="ch" forName="comp1" refType="w" refFor="ch" refForName="comp1"/>
+          <dgm:constr type="w" for="ch" forName="comp2" refType="w" fact="0.75"/>
+          <dgm:constr type="h" for="ch" forName="comp2" refType="w" refFor="ch" refForName="comp2"/>
+          <dgm:constr type="ctrX" for="ch" forName="comp2" refType="ctrX" refFor="ch" refForName="comp1"/>
+          <dgm:constr type="b" for="ch" forName="comp2" refType="b" refFor="ch" refForName="comp1"/>
+          <dgm:constr type="w" for="ch" forName="comp3" refType="w" fact="0.5"/>
+          <dgm:constr type="h" for="ch" forName="comp3" refType="w" refFor="ch" refForName="comp3"/>
+          <dgm:constr type="ctrX" for="ch" forName="comp3" refType="ctrX" refFor="ch" refForName="comp1"/>
+          <dgm:constr type="b" for="ch" forName="comp3" refType="b" refFor="ch" refForName="comp1"/>
+          <dgm:constr type="primFontSz" for="des" ptType="node" op="equ" val="65"/>
+        </dgm:constrLst>
+      </dgm:if>
+      <dgm:if name="Name3" axis="ch" ptType="node" func="cnt" op="equ" val="4">
+        <dgm:constrLst>
+          <dgm:constr type="w" for="ch" forName="comp1" refType="w"/>
+          <dgm:constr type="h" for="ch" forName="comp1" refType="w" refFor="ch" refForName="comp1"/>
+          <dgm:constr type="w" for="ch" forName="comp2" refType="w" fact="0.8"/>
+          <dgm:constr type="h" for="ch" forName="comp2" refType="w" refFor="ch" refForName="comp2"/>
+          <dgm:constr type="ctrX" for="ch" forName="comp2" refType="ctrX" refFor="ch" refForName="comp1"/>
+          <dgm:constr type="b" for="ch" forName="comp2" refType="b" refFor="ch" refForName="comp1"/>
+          <dgm:constr type="w" for="ch" forName="comp3" refType="w" fact="0.6"/>
+          <dgm:constr type="h" for="ch" forName="comp3" refType="w" refFor="ch" refForName="comp3"/>
+          <dgm:constr type="ctrX" for="ch" forName="comp3" refType="ctrX" refFor="ch" refForName="comp1"/>
+          <dgm:constr type="b" for="ch" forName="comp3" refType="b" refFor="ch" refForName="comp1"/>
+          <dgm:constr type="w" for="ch" forName="comp4" refType="w" fact="0.4"/>
+          <dgm:constr type="h" for="ch" forName="comp4" refType="w" refFor="ch" refForName="comp4"/>
+          <dgm:constr type="ctrX" for="ch" forName="comp4" refType="ctrX" refFor="ch" refForName="comp1"/>
+          <dgm:constr type="b" for="ch" forName="comp4" refType="b" refFor="ch" refForName="comp1"/>
+          <dgm:constr type="primFontSz" for="des" ptType="node" op="equ" val="65"/>
+        </dgm:constrLst>
+      </dgm:if>
+      <dgm:else name="Name4">
+        <dgm:constrLst>
+          <dgm:constr type="w" for="ch" forName="comp1" refType="w"/>
+          <dgm:constr type="h" for="ch" forName="comp1" refType="w" refFor="ch" refForName="comp1"/>
+          <dgm:constr type="w" for="ch" forName="comp2" refType="w" fact="0.85"/>
+          <dgm:constr type="h" for="ch" forName="comp2" refType="w" refFor="ch" refForName="comp2"/>
+          <dgm:constr type="ctrX" for="ch" forName="comp2" refType="ctrX" refFor="ch" refForName="comp1"/>
+          <dgm:constr type="b" for="ch" forName="comp2" refType="b" refFor="ch" refForName="comp1"/>
+          <dgm:constr type="w" for="ch" forName="comp3" refType="w" fact="0.7"/>
+          <dgm:constr type="h" for="ch" forName="comp3" refType="w" refFor="ch" refForName="comp3"/>
+          <dgm:constr type="ctrX" for="ch" forName="comp3" refType="ctrX" refFor="ch" refForName="comp1"/>
+          <dgm:constr type="b" for="ch" forName="comp3" refType="b" refFor="ch" refForName="comp1"/>
+          <dgm:constr type="w" for="ch" forName="comp4" refType="w" fact="0.55"/>
+          <dgm:constr type="h" for="ch" forName="comp4" refType="w" refFor="ch" refForName="comp4"/>
+          <dgm:constr type="ctrX" for="ch" forName="comp4" refType="ctrX" refFor="ch" refForName="comp1"/>
+          <dgm:constr type="b" for="ch" forName="comp4" refType="b" refFor="ch" refForName="comp1"/>
+          <dgm:constr type="w" for="ch" forName="comp5" refType="w" fact="0.4"/>
+          <dgm:constr type="h" for="ch" forName="comp5" refType="w" refFor="ch" refForName="comp5"/>
+          <dgm:constr type="ctrX" for="ch" forName="comp5" refType="ctrX" refFor="ch" refForName="comp1"/>
+          <dgm:constr type="b" for="ch" forName="comp5" refType="b" refFor="ch" refForName="comp1"/>
+          <dgm:constr type="w" for="ch" forName="comp6" refType="w" fact="0.25"/>
+          <dgm:constr type="h" for="ch" forName="comp6" refType="w" refFor="ch" refForName="comp6"/>
+          <dgm:constr type="ctrX" for="ch" forName="comp6" refType="ctrX" refFor="ch" refForName="comp1"/>
+          <dgm:constr type="b" for="ch" forName="comp6" refType="b" refFor="ch" refForName="comp1"/>
+          <dgm:constr type="w" for="ch" forName="comp7" refType="w" fact="0.15"/>
+          <dgm:constr type="h" for="ch" forName="comp7" refType="w" refFor="ch" refForName="comp7"/>
+          <dgm:constr type="ctrX" for="ch" forName="comp7" refType="ctrX" refFor="ch" refForName="comp1"/>
+          <dgm:constr type="b" for="ch" forName="comp7" refType="b" refFor="ch" refForName="comp1"/>
+          <dgm:constr type="primFontSz" for="des" ptType="node" op="equ" val="65"/>
+        </dgm:constrLst>
+      </dgm:else>
+    </dgm:choose>
+    <dgm:ruleLst/>
+    <dgm:choose name="Name5">
+      <dgm:if name="Name6" axis="ch" ptType="node" func="cnt" op="gte" val="1">
+        <dgm:layoutNode name="comp1">
+          <dgm:alg type="composite"/>
+          <dgm:shape xmlns:r="http://schemas.openxmlformats.org/officeDocument/2006/relationships" r:blip="">
+            <dgm:adjLst/>
+          </dgm:shape>
+          <dgm:presOf/>
+          <dgm:choose name="Name7">
+            <dgm:if name="Name8" axis="ch" ptType="node" func="cnt" op="equ" val="1">
+              <dgm:constrLst>
+                <dgm:constr type="w" for="ch" forName="circle1" refType="w"/>
+                <dgm:constr type="h" for="ch" forName="circle1" refType="h"/>
+                <dgm:constr type="ctrX" for="ch" forName="circle1" refType="w" fact="0.5"/>
+                <dgm:constr type="ctrY" for="ch" forName="circle1" refType="h" fact="0.5"/>
+                <dgm:constr type="ctrX" for="ch" forName="c1text" refType="w" fact="0.5"/>
+                <dgm:constr type="ctrY" for="ch" forName="c1text" refType="h" fact="0.5"/>
+                <dgm:constr type="w" for="ch" forName="c1text" refType="w" refFor="ch" refForName="circle1" fact="0.70711"/>
+                <dgm:constr type="h" for="ch" forName="c1text" refType="h" refFor="ch" refForName="circle1" fact="0.5"/>
+              </dgm:constrLst>
+            </dgm:if>
+            <dgm:if name="Name9" axis="ch" ptType="node" func="cnt" op="equ" val="2">
+              <dgm:constrLst>
+                <dgm:constr type="w" for="ch" forName="circle1" refType="w"/>
+                <dgm:constr type="h" for="ch" forName="circle1" refType="h"/>
+                <dgm:constr type="ctrX" for="ch" forName="circle1" refType="w" fact="0.5"/>
+                <dgm:constr type="ctrY" for="ch" forName="circle1" refType="h" fact="0.5"/>
+                <dgm:constr type="ctrX" for="ch" forName="c1text" refType="w" fact="0.5"/>
+                <dgm:constr type="ctrY" for="ch" forName="c1text" refType="h" fact="0.16"/>
+                <dgm:constr type="w" for="ch" forName="c1text" refType="w" refFor="ch" refForName="circle1" fact="0.525"/>
+                <dgm:constr type="h" for="ch" forName="c1text" refType="h" refFor="ch" refForName="circle1" fact="0.17"/>
+              </dgm:constrLst>
+            </dgm:if>
+            <dgm:if name="Name10" axis="ch" ptType="node" func="cnt" op="equ" val="3">
+              <dgm:constrLst>
+                <dgm:constr type="w" for="ch" forName="circle1" refType="w"/>
+                <dgm:constr type="h" for="ch" forName="circle1" refType="h"/>
+                <dgm:constr type="ctrX" for="ch" forName="circle1" refType="w" fact="0.5"/>
+                <dgm:constr type="ctrY" for="ch" forName="circle1" refType="h" fact="0.5"/>
+                <dgm:constr type="ctrX" for="ch" forName="c1text" refType="w" fact="0.5"/>
+                <dgm:constr type="ctrY" for="ch" forName="c1text" refType="h" fact="0.125"/>
+                <dgm:constr type="w" for="ch" forName="c1text" refType="w" refFor="ch" refForName="circle1" fact="0.3495"/>
+                <dgm:constr type="h" for="ch" forName="c1text" refType="h" refFor="ch" refForName="circle1" fact="0.15"/>
+              </dgm:constrLst>
+            </dgm:if>
+            <dgm:if name="Name11" axis="ch" ptType="node" func="cnt" op="equ" val="4">
+              <dgm:constrLst>
+                <dgm:constr type="w" for="ch" forName="circle1" refType="w"/>
+                <dgm:constr type="h" for="ch" forName="circle1" refType="h"/>
+                <dgm:constr type="ctrX" for="ch" forName="circle1" refType="w" fact="0.5"/>
+                <dgm:constr type="ctrY" for="ch" forName="circle1" refType="h" fact="0.5"/>
+                <dgm:constr type="ctrX" for="ch" forName="c1text" refType="w" fact="0.5"/>
+                <dgm:constr type="ctrY" for="ch" forName="c1text" refType="h" fact="0.125"/>
+                <dgm:constr type="w" for="ch" forName="c1text" refType="w" refFor="ch" refForName="circle1" fact="0.2796"/>
+                <dgm:constr type="h" for="ch" forName="c1text" refType="h" refFor="ch" refForName="circle1" fact="0.15"/>
+              </dgm:constrLst>
+            </dgm:if>
+            <dgm:if name="Name12" axis="ch" ptType="node" func="cnt" op="gte" val="5">
+              <dgm:constrLst>
+                <dgm:constr type="w" for="ch" forName="circle1" refType="w"/>
+                <dgm:constr type="h" for="ch" forName="circle1" refType="h"/>
+                <dgm:constr type="ctrX" for="ch" forName="circle1" refType="w" fact="0.5"/>
+                <dgm:constr type="ctrY" for="ch" forName="circle1" refType="h" fact="0.5"/>
+                <dgm:constr type="ctrX" for="ch" forName="c1text" refType="w" fact="0.5"/>
+                <dgm:constr type="ctrY" for="ch" forName="c1text" refType="h" fact="0.1"/>
+                <dgm:constr type="w" for="ch" forName="c1text" refType="w" refFor="ch" refForName="circle1" fact="0.375"/>
+                <dgm:constr type="h" for="ch" forName="c1text" refType="h" refFor="ch" refForName="circle1" fact="0.1"/>
+              </dgm:constrLst>
+            </dgm:if>
+            <dgm:else name="Name13"/>
+          </dgm:choose>
+          <dgm:ruleLst/>
+          <dgm:layoutNode name="circle1" styleLbl="node1">
+            <dgm:alg type="sp"/>
+            <dgm:shape xmlns:r="http://schemas.openxmlformats.org/officeDocument/2006/relationships" type="ellipse" r:blip="">
+              <dgm:adjLst/>
+            </dgm:shape>
+            <dgm:presOf axis="ch desOrSelf" ptType="node node" st="1 1" cnt="1 0"/>
+            <dgm:constrLst>
+              <dgm:constr type="h" refType="w"/>
+            </dgm:constrLst>
+            <dgm:ruleLst/>
+          </dgm:layoutNode>
+          <dgm:layoutNode name="c1text">
+            <dgm:varLst>
+              <dgm:bulletEnabled val="1"/>
+            </dgm:varLst>
+            <dgm:alg type="tx"/>
+            <dgm:shape xmlns:r="http://schemas.openxmlformats.org/officeDocument/2006/relationships" type="rect" r:blip="" hideGeom="1">
+              <dgm:adjLst/>
+            </dgm:shape>
+            <dgm:presOf axis="ch desOrSelf" ptType="node node" st="1 1" cnt="1 0"/>
+            <dgm:constrLst/>
+            <dgm:ruleLst>
+              <dgm:rule type="primFontSz" val="5" fact="NaN" max="NaN"/>
+            </dgm:ruleLst>
+          </dgm:layoutNode>
+        </dgm:layoutNode>
+      </dgm:if>
+      <dgm:else name="Name14"/>
+    </dgm:choose>
+    <dgm:choose name="Name15">
+      <dgm:if name="Name16" axis="ch" ptType="node" func="cnt" op="gte" val="2">
+        <dgm:layoutNode name="comp2">
+          <dgm:alg type="composite"/>
+          <dgm:shape xmlns:r="http://schemas.openxmlformats.org/officeDocument/2006/relationships" r:blip="">
+            <dgm:adjLst/>
+          </dgm:shape>
+          <dgm:presOf/>
+          <dgm:choose name="Name17">
+            <dgm:if name="Name18" axis="ch" ptType="node" func="cnt" op="equ" val="2">
+              <dgm:constrLst>
+                <dgm:constr type="w" for="ch" forName="circle2" refType="w"/>
+                <dgm:constr type="h" for="ch" forName="circle2" refType="h"/>
+                <dgm:constr type="ctrX" for="ch" forName="circle2" refType="w" fact="0.5"/>
+                <dgm:constr type="ctrY" for="ch" forName="circle2" refType="h" fact="0.5"/>
+                <dgm:constr type="ctrX" for="ch" forName="c2text" refType="w" fact="0.5"/>
+                <dgm:constr type="ctrY" for="ch" forName="c2text" refType="h" fact="0.5"/>
+                <dgm:constr type="w" for="ch" forName="c2text" refType="w" refFor="ch" refForName="circle2" fact="0.70711"/>
+                <dgm:constr type="h" for="ch" forName="c2text" refType="h" refFor="ch" refForName="circle2" fact="0.5"/>
+              </dgm:constrLst>
+            </dgm:if>
+            <dgm:if name="Name19" axis="ch" ptType="node" func="cnt" op="equ" val="3">
+              <dgm:constrLst>
+                <dgm:constr type="w" for="ch" forName="circle2" refType="w"/>
+                <dgm:constr type="h" for="ch" forName="circle2" refType="h"/>
+                <dgm:constr type="ctrX" for="ch" forName="circle2" refType="w" fact="0.5"/>
+                <dgm:constr type="ctrY" for="ch" forName="circle2" refType="h" fact="0.5"/>
+                <dgm:constr type="ctrX" for="ch" forName="c2text" refType="w" fact="0.5"/>
+                <dgm:constr type="ctrY" for="ch" forName="c2text" refType="h" fact="0.15625"/>
+                <dgm:constr type="w" for="ch" forName="c2text" refType="w" refFor="ch" refForName="circle2" fact="0.466"/>
+                <dgm:constr type="h" for="ch" forName="c2text" refType="h" refFor="ch" refForName="circle2" fact="0.1875"/>
+              </dgm:constrLst>
+            </dgm:if>
+            <dgm:if name="Name20" axis="ch" ptType="node" func="cnt" op="equ" val="4">
+              <dgm:constrLst>
+                <dgm:constr type="w" for="ch" forName="circle2" refType="w"/>
+                <dgm:constr type="h" for="ch" forName="circle2" refType="h"/>
+                <dgm:constr type="ctrX" for="ch" forName="circle2" refType="w" fact="0.5"/>
+                <dgm:constr type="ctrY" for="ch" forName="circle2" refType="h" fact="0.5"/>
+                <dgm:constr type="ctrX" for="ch" forName="c2text" refType="w" fact="0.5"/>
+                <dgm:constr type="ctrY" for="ch" forName="c2text" refType="h" fact="0.15"/>
+                <dgm:constr type="w" for="ch" forName="c2text" refType="w" refFor="ch" refForName="circle2" fact="0.3495"/>
+                <dgm:constr type="h" for="ch" forName="c2text" refType="h" refFor="ch" refForName="circle2" fact="0.18"/>
+              </dgm:constrLst>
+            </dgm:if>
+            <dgm:if name="Name21" axis="ch" ptType="node" func="cnt" op="gte" val="5">
+              <dgm:constrLst>
+                <dgm:constr type="w" for="ch" forName="circle2" refType="w"/>
+                <dgm:constr type="h" for="ch" forName="circle2" refType="h"/>
+                <dgm:constr type="ctrX" for="ch" forName="circle2" refType="w" fact="0.5"/>
+                <dgm:constr type="ctrY" for="ch" forName="circle2" refType="h" fact="0.5"/>
+                <dgm:constr type="ctrX" for="ch" forName="c2text" refType="w" fact="0.5"/>
+                <dgm:constr type="ctrY" for="ch" forName="c2text" refType="h" fact="0.115"/>
+                <dgm:constr type="w" for="ch" forName="c2text" refType="w" refFor="ch" refForName="circle2" fact="0.43125"/>
+                <dgm:constr type="h" for="ch" forName="c2text" refType="h" refFor="ch" refForName="circle2" fact="0.115"/>
+              </dgm:constrLst>
+            </dgm:if>
+            <dgm:else name="Name22"/>
+          </dgm:choose>
+          <dgm:ruleLst/>
+          <dgm:layoutNode name="circle2" styleLbl="node1">
+            <dgm:alg type="sp"/>
+            <dgm:shape xmlns:r="http://schemas.openxmlformats.org/officeDocument/2006/relationships" type="ellipse" r:blip="">
+              <dgm:adjLst/>
+            </dgm:shape>
+            <dgm:presOf axis="ch desOrSelf" ptType="node node" st="2 1" cnt="1 0"/>
+            <dgm:constrLst>
+              <dgm:constr type="h" refType="w"/>
+            </dgm:constrLst>
+            <dgm:ruleLst/>
+          </dgm:layoutNode>
+          <dgm:layoutNode name="c2text">
+            <dgm:varLst>
+              <dgm:bulletEnabled val="1"/>
+            </dgm:varLst>
+            <dgm:alg type="tx"/>
+            <dgm:shape xmlns:r="http://schemas.openxmlformats.org/officeDocument/2006/relationships" type="rect" r:blip="" hideGeom="1">
+              <dgm:adjLst/>
+            </dgm:shape>
+            <dgm:presOf axis="ch desOrSelf" ptType="node node" st="2 1" cnt="1 0"/>
+            <dgm:constrLst/>
+            <dgm:ruleLst>
+              <dgm:rule type="primFontSz" val="5" fact="NaN" max="NaN"/>
+            </dgm:ruleLst>
+          </dgm:layoutNode>
+        </dgm:layoutNode>
+      </dgm:if>
+      <dgm:else name="Name23"/>
+    </dgm:choose>
+    <dgm:choose name="Name24">
+      <dgm:if name="Name25" axis="ch" ptType="node" func="cnt" op="gte" val="3">
+        <dgm:layoutNode name="comp3">
+          <dgm:alg type="composite"/>
+          <dgm:shape xmlns:r="http://schemas.openxmlformats.org/officeDocument/2006/relationships" r:blip="">
+            <dgm:adjLst/>
+          </dgm:shape>
+          <dgm:presOf/>
+          <dgm:choose name="Name26">
+            <dgm:if name="Name27" axis="ch" ptType="node" func="cnt" op="equ" val="3">
+              <dgm:constrLst>
+                <dgm:constr type="w" for="ch" forName="circle3" refType="w"/>
+                <dgm:constr type="h" for="ch" forName="circle3" refType="h"/>
+                <dgm:constr type="ctrX" for="ch" forName="circle3" refType="w" fact="0.5"/>
+                <dgm:constr type="ctrY" for="ch" forName="circle3" refType="h" fact="0.5"/>
+                <dgm:constr type="ctrX" for="ch" forName="c3text" refType="w" fact="0.5"/>
+                <dgm:constr type="ctrY" for="ch" forName="c3text" refType="h" fact="0.5"/>
+                <dgm:constr type="w" for="ch" forName="c3text" refType="w" refFor="ch" refForName="circle3" fact="0.70711"/>
+                <dgm:constr type="h" for="ch" forName="c3text" refType="h" refFor="ch" refForName="circle3" fact="0.5"/>
+              </dgm:constrLst>
+            </dgm:if>
+            <dgm:if name="Name28" axis="ch" ptType="node" func="cnt" op="equ" val="4">
+              <dgm:constrLst>
+                <dgm:constr type="w" for="ch" forName="circle3" refType="w"/>
+                <dgm:constr type="h" for="ch" forName="circle3" refType="h"/>
+                <dgm:constr type="ctrX" for="ch" forName="circle3" refType="w" fact="0.5"/>
+                <dgm:constr type="ctrY" for="ch" forName="circle3" refType="h" fact="0.5"/>
+                <dgm:constr type="ctrX" for="ch" forName="c3text" refType="w" fact="0.5"/>
+                <dgm:constr type="ctrY" for="ch" forName="c3text" refType="h" fact="0.1875"/>
+                <dgm:constr type="w" for="ch" forName="c3text" refType="w" refFor="ch" refForName="circle3" fact="0.466"/>
+                <dgm:constr type="h" for="ch" forName="c3text" refType="h" refFor="ch" refForName="circle3" fact="0.225"/>
+              </dgm:constrLst>
+            </dgm:if>
+            <dgm:if name="Name29" axis="ch" ptType="node" func="cnt" op="gte" val="5">
+              <dgm:constrLst>
+                <dgm:constr type="w" for="ch" forName="circle3" refType="w"/>
+                <dgm:constr type="h" for="ch" forName="circle3" refType="h"/>
+                <dgm:constr type="ctrX" for="ch" forName="circle3" refType="w" fact="0.5"/>
+                <dgm:constr type="ctrY" for="ch" forName="circle3" refType="h" fact="0.5"/>
+                <dgm:constr type="ctrX" for="ch" forName="c3text" refType="w" fact="0.5"/>
+                <dgm:constr type="ctrY" for="ch" forName="c3text" refType="h" fact="0.138"/>
+                <dgm:constr type="w" for="ch" forName="c3text" refType="w" refFor="ch" refForName="circle3" fact="0.5175"/>
+                <dgm:constr type="h" for="ch" forName="c3text" refType="h" refFor="ch" refForName="circle3" fact="0.138"/>
+              </dgm:constrLst>
+            </dgm:if>
+            <dgm:else name="Name30"/>
+          </dgm:choose>
+          <dgm:ruleLst/>
+          <dgm:layoutNode name="circle3" styleLbl="node1">
+            <dgm:alg type="sp"/>
+            <dgm:shape xmlns:r="http://schemas.openxmlformats.org/officeDocument/2006/relationships" type="ellipse" r:blip="">
+              <dgm:adjLst/>
+            </dgm:shape>
+            <dgm:presOf axis="ch desOrSelf" ptType="node node" st="3 1" cnt="1 0"/>
+            <dgm:constrLst>
+              <dgm:constr type="h" refType="w"/>
+            </dgm:constrLst>
+            <dgm:ruleLst/>
+          </dgm:layoutNode>
+          <dgm:layoutNode name="c3text">
+            <dgm:varLst>
+              <dgm:bulletEnabled val="1"/>
+            </dgm:varLst>
+            <dgm:alg type="tx"/>
+            <dgm:shape xmlns:r="http://schemas.openxmlformats.org/officeDocument/2006/relationships" type="rect" r:blip="" hideGeom="1">
+              <dgm:adjLst/>
+            </dgm:shape>
+            <dgm:presOf axis="ch desOrSelf" ptType="node node" st="3 1" cnt="1 0"/>
+            <dgm:constrLst/>
+            <dgm:ruleLst>
+              <dgm:rule type="primFontSz" val="5" fact="NaN" max="NaN"/>
+            </dgm:ruleLst>
+          </dgm:layoutNode>
+        </dgm:layoutNode>
+      </dgm:if>
+      <dgm:else name="Name31"/>
+    </dgm:choose>
+    <dgm:choose name="Name32">
+      <dgm:if name="Name33" axis="ch" ptType="node" func="cnt" op="gte" val="4">
+        <dgm:layoutNode name="comp4">
+          <dgm:alg type="composite"/>
+          <dgm:shape xmlns:r="http://schemas.openxmlformats.org/officeDocument/2006/relationships" r:blip="">
+            <dgm:adjLst/>
+          </dgm:shape>
+          <dgm:presOf/>
+          <dgm:choose name="Name34">
+            <dgm:if name="Name35" axis="ch" ptType="node" func="cnt" op="equ" val="4">
+              <dgm:constrLst>
+                <dgm:constr type="w" for="ch" forName="circle4" refType="w"/>
+                <dgm:constr type="h" for="ch" forName="circle4" refType="h"/>
+                <dgm:constr type="ctrX" for="ch" forName="circle4" refType="w" fact="0.5"/>
+                <dgm:constr type="ctrY" for="ch" forName="circle4" refType="h" fact="0.5"/>
+                <dgm:constr type="ctrX" for="ch" forName="c4text" refType="w" fact="0.5"/>
+                <dgm:constr type="ctrY" for="ch" forName="c4text" refType="h" fact="0.5"/>
+                <dgm:constr type="w" for="ch" forName="c4text" refType="w" refFor="ch" refForName="circle4" fact="0.70711"/>
+                <dgm:constr type="h" for="ch" forName="c4text" refType="h" refFor="ch" refForName="circle4" fact="0.5"/>
+              </dgm:constrLst>
+            </dgm:if>
+            <dgm:if name="Name36" axis="ch" ptType="node" func="cnt" op="gte" val="5">
+              <dgm:constrLst>
+                <dgm:constr type="w" for="ch" forName="circle4" refType="w"/>
+                <dgm:constr type="h" for="ch" forName="circle4" refType="h"/>
+                <dgm:constr type="ctrX" for="ch" forName="circle4" refType="w" fact="0.5"/>
+                <dgm:constr type="ctrY" for="ch" forName="circle4" refType="h" fact="0.5"/>
+                <dgm:constr type="ctrX" for="ch" forName="c4text" refType="w" fact="0.5"/>
+                <dgm:constr type="ctrY" for="ch" forName="c4text" refType="h" fact="0.18"/>
+                <dgm:constr type="w" for="ch" forName="c4text" refType="w" refFor="ch" refForName="circle4" fact="0.54"/>
+                <dgm:constr type="h" for="ch" forName="c4text" refType="h" refFor="ch" refForName="circle4" fact="0.18"/>
+              </dgm:constrLst>
+            </dgm:if>
+            <dgm:else name="Name37"/>
+          </dgm:choose>
+          <dgm:ruleLst/>
+          <dgm:layoutNode name="circle4" styleLbl="node1">
+            <dgm:alg type="sp"/>
+            <dgm:shape xmlns:r="http://schemas.openxmlformats.org/officeDocument/2006/relationships" type="ellipse" r:blip="">
+              <dgm:adjLst/>
+            </dgm:shape>
+            <dgm:presOf axis="ch desOrSelf" ptType="node node" st="4 1" cnt="1 0"/>
+            <dgm:constrLst>
+              <dgm:constr type="h" refType="w"/>
+            </dgm:constrLst>
+            <dgm:ruleLst/>
+          </dgm:layoutNode>
+          <dgm:layoutNode name="c4text">
+            <dgm:varLst>
+              <dgm:bulletEnabled val="1"/>
+            </dgm:varLst>
+            <dgm:alg type="tx"/>
+            <dgm:shape xmlns:r="http://schemas.openxmlformats.org/officeDocument/2006/relationships" type="rect" r:blip="" hideGeom="1">
+              <dgm:adjLst/>
+            </dgm:shape>
+            <dgm:presOf axis="ch desOrSelf" ptType="node node" st="4 1" cnt="1 0"/>
+            <dgm:constrLst/>
+            <dgm:ruleLst>
+              <dgm:rule type="primFontSz" val="5" fact="NaN" max="NaN"/>
+            </dgm:ruleLst>
+          </dgm:layoutNode>
+        </dgm:layoutNode>
+      </dgm:if>
+      <dgm:else name="Name38"/>
+    </dgm:choose>
+    <dgm:choose name="Name39">
+      <dgm:if name="Name40" axis="ch" ptType="node" func="cnt" op="gte" val="5">
+        <dgm:layoutNode name="comp5">
+          <dgm:alg type="composite"/>
+          <dgm:shape xmlns:r="http://schemas.openxmlformats.org/officeDocument/2006/relationships" r:blip="">
+            <dgm:adjLst/>
+          </dgm:shape>
+          <dgm:presOf/>
+          <dgm:choose name="Name41">
+            <dgm:if name="Name42" axis="ch" ptType="node" func="cnt" op="equ" val="5">
+              <dgm:constrLst>
+                <dgm:constr type="w" for="ch" forName="circle5" refType="w"/>
+                <dgm:constr type="h" for="ch" forName="circle5" refType="h"/>
+                <dgm:constr type="ctrX" for="ch" forName="circle5" refType="w" fact="0.5"/>
+                <dgm:constr type="ctrY" for="ch" forName="circle5" refType="h" fact="0.5"/>
+                <dgm:constr type="ctrX" for="ch" forName="c5text" refType="w" fact="0.5"/>
+                <dgm:constr type="ctrY" for="ch" forName="c5text" refType="h" fact="0.5"/>
+                <dgm:constr type="w" for="ch" forName="c5text" refType="w" refFor="ch" refForName="circle5" fact="0.70711"/>
+                <dgm:constr type="h" for="ch" forName="c5text" refType="h" refFor="ch" refForName="circle5" fact="0.5"/>
+              </dgm:constrLst>
+            </dgm:if>
+            <dgm:if name="Name43" axis="ch" ptType="node" func="cnt" op="gte" val="6">
+              <dgm:constrLst>
+                <dgm:constr type="w" for="ch" forName="circle5" refType="w"/>
+                <dgm:constr type="h" for="ch" forName="circle5" refType="h"/>
+                <dgm:constr type="ctrX" for="ch" forName="circle5" refType="w" fact="0.5"/>
+                <dgm:constr type="ctrY" for="ch" forName="circle5" refType="h" fact="0.5"/>
+                <dgm:constr type="ctrX" for="ch" forName="c5text" refType="w" fact="0.5"/>
+                <dgm:constr type="ctrY" for="ch" forName="c5text" refType="h" fact="0.25"/>
+                <dgm:constr type="w" for="ch" forName="c5text" refType="w" refFor="ch" refForName="circle5" fact="0.65"/>
+                <dgm:constr type="h" for="ch" forName="c5text" refType="h" refFor="ch" refForName="circle5" fact="0.25"/>
+              </dgm:constrLst>
+            </dgm:if>
+            <dgm:else name="Name44"/>
+          </dgm:choose>
+          <dgm:ruleLst/>
+          <dgm:layoutNode name="circle5" styleLbl="node1">
+            <dgm:alg type="sp"/>
+            <dgm:shape xmlns:r="http://schemas.openxmlformats.org/officeDocument/2006/relationships" type="ellipse" r:blip="">
+              <dgm:adjLst/>
+            </dgm:shape>
+            <dgm:presOf axis="ch desOrSelf" ptType="node node" st="5 1" cnt="1 0"/>
+            <dgm:constrLst>
+              <dgm:constr type="h" refType="w"/>
+            </dgm:constrLst>
+            <dgm:ruleLst/>
+          </dgm:layoutNode>
+          <dgm:layoutNode name="c5text">
+            <dgm:varLst>
+              <dgm:bulletEnabled val="1"/>
+            </dgm:varLst>
+            <dgm:alg type="tx"/>
+            <dgm:shape xmlns:r="http://schemas.openxmlformats.org/officeDocument/2006/relationships" type="rect" r:blip="" hideGeom="1">
+              <dgm:adjLst/>
+            </dgm:shape>
+            <dgm:presOf axis="ch desOrSelf" ptType="node node" st="5 1" cnt="1 0"/>
+            <dgm:constrLst/>
+            <dgm:ruleLst>
+              <dgm:rule type="primFontSz" val="5" fact="NaN" max="NaN"/>
+            </dgm:ruleLst>
+          </dgm:layoutNode>
+        </dgm:layoutNode>
+      </dgm:if>
+      <dgm:else name="Name45"/>
+    </dgm:choose>
+    <dgm:choose name="Name46">
+      <dgm:if name="Name47" axis="ch" ptType="node" func="cnt" op="gte" val="6">
+        <dgm:layoutNode name="comp6">
+          <dgm:alg type="composite"/>
+          <dgm:shape xmlns:r="http://schemas.openxmlformats.org/officeDocument/2006/relationships" r:blip="">
+            <dgm:adjLst/>
+          </dgm:shape>
+          <dgm:presOf/>
+          <dgm:choose name="Name48">
+            <dgm:if name="Name49" axis="ch" ptType="node" func="cnt" op="equ" val="6">
+              <dgm:constrLst>
+                <dgm:constr type="w" for="ch" forName="circle6" refType="w"/>
+                <dgm:constr type="h" for="ch" forName="circle6" refType="h"/>
+                <dgm:constr type="ctrX" for="ch" forName="circle6" refType="w" fact="0.5"/>
+                <dgm:constr type="ctrY" for="ch" forName="circle6" refType="h" fact="0.5"/>
+                <dgm:constr type="ctrX" for="ch" forName="c6text" refType="w" fact="0.5"/>
+                <dgm:constr type="ctrY" for="ch" forName="c6text" refType="h" fact="0.5"/>
+                <dgm:constr type="w" for="ch" forName="c6text" refType="w" refFor="ch" refForName="circle6" fact="0.70711"/>
+                <dgm:constr type="h" for="ch" forName="c6text" refType="h" refFor="ch" refForName="circle6" fact="0.5"/>
+              </dgm:constrLst>
+            </dgm:if>
+            <dgm:if name="Name50" axis="ch" ptType="node" func="cnt" op="gte" val="7">
+              <dgm:constrLst>
+                <dgm:constr type="w" for="ch" forName="circle6" refType="w"/>
+                <dgm:constr type="h" for="ch" forName="circle6" refType="h"/>
+                <dgm:constr type="ctrX" for="ch" forName="circle6" refType="w" fact="0.5"/>
+                <dgm:constr type="ctrY" for="ch" forName="circle6" refType="h" fact="0.5"/>
+                <dgm:constr type="ctrX" for="ch" forName="c6text" refType="w" fact="0.5"/>
+                <dgm:constr type="ctrY" for="ch" forName="c6text" refType="h" fact="0.27"/>
+                <dgm:constr type="w" for="ch" forName="c6text" refType="w" refFor="ch" refForName="circle6" fact="0.68"/>
+                <dgm:constr type="h" for="ch" forName="c6text" refType="h" refFor="ch" refForName="circle6" fact="0.241"/>
+              </dgm:constrLst>
+            </dgm:if>
+            <dgm:else name="Name51"/>
+          </dgm:choose>
+          <dgm:ruleLst/>
+          <dgm:layoutNode name="circle6" styleLbl="node1">
+            <dgm:alg type="sp"/>
+            <dgm:shape xmlns:r="http://schemas.openxmlformats.org/officeDocument/2006/relationships" type="ellipse" r:blip="">
+              <dgm:adjLst/>
+            </dgm:shape>
+            <dgm:presOf axis="ch desOrSelf" ptType="node node" st="6 1" cnt="1 0"/>
+            <dgm:constrLst>
+              <dgm:constr type="h" refType="w"/>
+            </dgm:constrLst>
+            <dgm:ruleLst/>
+          </dgm:layoutNode>
+          <dgm:layoutNode name="c6text">
+            <dgm:varLst>
+              <dgm:bulletEnabled val="1"/>
+            </dgm:varLst>
+            <dgm:alg type="tx"/>
+            <dgm:shape xmlns:r="http://schemas.openxmlformats.org/officeDocument/2006/relationships" type="rect" r:blip="" hideGeom="1">
+              <dgm:adjLst/>
+            </dgm:shape>
+            <dgm:presOf axis="ch desOrSelf" ptType="node node" st="6 1" cnt="1 0"/>
+            <dgm:constrLst/>
+            <dgm:ruleLst>
+              <dgm:rule type="primFontSz" val="5" fact="NaN" max="NaN"/>
+            </dgm:ruleLst>
+          </dgm:layoutNode>
+        </dgm:layoutNode>
+      </dgm:if>
+      <dgm:else name="Name52"/>
+    </dgm:choose>
+    <dgm:choose name="Name53">
+      <dgm:if name="Name54" axis="ch" ptType="node" func="cnt" op="gte" val="7">
+        <dgm:layoutNode name="comp7">
+          <dgm:alg type="composite"/>
+          <dgm:shape xmlns:r="http://schemas.openxmlformats.org/officeDocument/2006/relationships" r:blip="">
+            <dgm:adjLst/>
+          </dgm:shape>
+          <dgm:presOf/>
+          <dgm:constrLst>
+            <dgm:constr type="w" for="ch" forName="circle7" refType="w"/>
+            <dgm:constr type="h" for="ch" forName="circle7" refType="h"/>
+            <dgm:constr type="ctrX" for="ch" forName="circle7" refType="w" fact="0.5"/>
+            <dgm:constr type="ctrY" for="ch" forName="circle7" refType="h" fact="0.5"/>
+            <dgm:constr type="ctrX" for="ch" forName="c7text" refType="w" fact="0.5"/>
+            <dgm:constr type="ctrY" for="ch" forName="c7text" refType="h" fact="0.5"/>
+            <dgm:constr type="w" for="ch" forName="c7text" refType="w" refFor="ch" refForName="circle7" fact="0.70711"/>
+            <dgm:constr type="h" for="ch" forName="c7text" refType="h" refFor="ch" refForName="circle7" fact="0.5"/>
+          </dgm:constrLst>
+          <dgm:ruleLst/>
+          <dgm:layoutNode name="circle7" styleLbl="node1">
+            <dgm:alg type="sp"/>
+            <dgm:shape xmlns:r="http://schemas.openxmlformats.org/officeDocument/2006/relationships" type="ellipse" r:blip="">
+              <dgm:adjLst/>
+            </dgm:shape>
+            <dgm:presOf axis="ch desOrSelf" ptType="node node" st="7 1" cnt="1 0"/>
+            <dgm:constrLst>
+              <dgm:constr type="h" refType="w"/>
+            </dgm:constrLst>
+            <dgm:ruleLst/>
+          </dgm:layoutNode>
+          <dgm:layoutNode name="c7text">
+            <dgm:varLst>
+              <dgm:bulletEnabled val="1"/>
+            </dgm:varLst>
+            <dgm:alg type="tx"/>
+            <dgm:shape xmlns:r="http://schemas.openxmlformats.org/officeDocument/2006/relationships" type="rect" r:blip="" hideGeom="1">
+              <dgm:adjLst/>
+            </dgm:shape>
+            <dgm:presOf axis="ch desOrSelf" ptType="node node" st="7 1" cnt="1 0"/>
+            <dgm:constrLst/>
+            <dgm:ruleLst>
+              <dgm:rule type="primFontSz" val="5" fact="NaN" max="NaN"/>
+            </dgm:ruleLst>
+          </dgm:layoutNode>
+        </dgm:layoutNode>
+      </dgm:if>
+      <dgm:else name="Name55"/>
+    </dgm:choose>
+  </dgm:layoutNode>
+</dgm:layoutDef>
+</file>
+
+<file path=ppt/diagrams/quickStyle1.xml><?xml version="1.0" encoding="utf-8"?>
+<dgm:styleDef xmlns:dgm="http://schemas.openxmlformats.org/drawingml/2006/diagram" xmlns:a="http://schemas.openxmlformats.org/drawingml/2006/main" uniqueId="urn:microsoft.com/office/officeart/2005/8/quickstyle/simple4">
+  <dgm:title val=""/>
+  <dgm:desc val=""/>
+  <dgm:catLst>
+    <dgm:cat type="simple" pri="10400"/>
+  </dgm:catLst>
+  <dgm:scene3d>
+    <a:camera prst="orthographicFront"/>
+    <a:lightRig rig="threePt" dir="t"/>
+  </dgm:scene3d>
+  <dgm:styleLbl name="node0">
+    <dgm:scene3d>
+      <a:camera prst="orthographicFront"/>
+      <a:lightRig rig="threePt" dir="t"/>
+    </dgm:scene3d>
+    <dgm:sp3d/>
+    <dgm:txPr/>
+    <dgm:style>
+      <a:lnRef idx="0">
+        <a:scrgbClr r="0" g="0" b="0"/>
+      </a:lnRef>
+      <a:fillRef idx="3">
+        <a:scrgbClr r="0" g="0" b="0"/>
+      </a:fillRef>
+      <a:effectRef idx="2">
+        <a:scrgbClr r="0" g="0" b="0"/>
+      </a:effectRef>
+      <a:fontRef idx="minor">
+        <a:schemeClr val="lt1"/>
+      </a:fontRef>
+    </dgm:style>
+  </dgm:styleLbl>
+  <dgm:styleLbl name="lnNode1">
+    <dgm:scene3d>
+      <a:camera prst="orthographicFront"/>
+      <a:lightRig rig="threePt" dir="t"/>
+    </dgm:scene3d>
+    <dgm:sp3d/>
+    <dgm:txPr/>
+    <dgm:style>
+      <a:lnRef idx="1">
+        <a:scrgbClr r="0" g="0" b="0"/>
+      </a:lnRef>
+      <a:fillRef idx="3">
+        <a:scrgbClr r="0" g="0" b="0"/>
+      </a:fillRef>
+      <a:effectRef idx="2">
+        <a:scrgbClr r="0" g="0" b="0"/>
+      </a:effectRef>
+      <a:fontRef idx="minor">
+        <a:schemeClr val="lt1"/>
+      </a:fontRef>
+    </dgm:style>
+  </dgm:styleLbl>
+  <dgm:styleLbl name="vennNode1">
+    <dgm:scene3d>
+      <a:camera prst="orthographicFront"/>
+      <a:lightRig rig="threePt" dir="t"/>
+    </dgm:scene3d>
+    <dgm:sp3d/>
+    <dgm:txPr/>
+    <dgm:style>
+      <a:lnRef idx="0">
+        <a:scrgbClr r="0" g="0" b="0"/>
+      </a:lnRef>
+      <a:fillRef idx="3">
+        <a:scrgbClr r="0" g="0" b="0"/>
+      </a:fillRef>
+      <a:effectRef idx="0">
+        <a:scrgbClr r="0" g="0" b="0"/>
+      </a:effectRef>
+      <a:fontRef idx="minor">
+        <a:schemeClr val="tx1"/>
+      </a:fontRef>
+    </dgm:style>
+  </dgm:styleLbl>
+  <dgm:styleLbl name="alignNode1">
+    <dgm:scene3d>
+      <a:camera prst="orthographicFront"/>
+      <a:lightRig rig="threePt" dir="t"/>
+    </dgm:scene3d>
+    <dgm:sp3d/>
+    <dgm:txPr/>
+    <dgm:style>
+      <a:lnRef idx="1">
+        <a:scrgbClr r="0" g="0" b="0"/>
+      </a:lnRef>
+      <a:fillRef idx="3">
+        <a:scrgbClr r="0" g="0" b="0"/>
+      </a:fillRef>
+      <a:effectRef idx="2">
+        <a:scrgbClr r="0" g="0" b="0"/>
+      </a:effectRef>
+      <a:fontRef idx="minor">
+        <a:schemeClr val="lt1"/>
+      </a:fontRef>
+    </dgm:style>
+  </dgm:styleLbl>
+  <dgm:styleLbl name="node1">
+    <dgm:scene3d>
+      <a:camera prst="orthographicFront"/>
+      <a:lightRig rig="threePt" dir="t"/>
+    </dgm:scene3d>
+    <dgm:sp3d/>
+    <dgm:txPr/>
+    <dgm:style>
+      <a:lnRef idx="0">
+        <a:scrgbClr r="0" g="0" b="0"/>
+      </a:lnRef>
+      <a:fillRef idx="3">
+        <a:scrgbClr r="0" g="0" b="0"/>
+      </a:fillRef>
+      <a:effectRef idx="2">
+        <a:scrgbClr r="0" g="0" b="0"/>
+      </a:effectRef>
+      <a:fontRef idx="minor">
+        <a:schemeClr val="lt1"/>
+      </a:fontRef>
+    </dgm:style>
+  </dgm:styleLbl>
+  <dgm:styleLbl name="node2">
+    <dgm:scene3d>
+      <a:camera prst="orthographicFront"/>
+      <a:lightRig rig="threePt" dir="t"/>
+    </dgm:scene3d>
+    <dgm:sp3d/>
+    <dgm:txPr/>
+    <dgm:style>
+      <a:lnRef idx="0">
+        <a:scrgbClr r="0" g="0" b="0"/>
+      </a:lnRef>
+      <a:fillRef idx="3">
+        <a:scrgbClr r="0" g="0" b="0"/>
+      </a:fillRef>
+      <a:effectRef idx="2">
+        <a:scrgbClr r="0" g="0" b="0"/>
+      </a:effectRef>
+      <a:fontRef idx="minor">
+        <a:schemeClr val="lt1"/>
+      </a:fontRef>
+    </dgm:style>
+  </dgm:styleLbl>
+  <dgm:styleLbl name="node3">
+    <dgm:scene3d>
+      <a:camera prst="orthographicFront"/>
+      <a:lightRig rig="threePt" dir="t"/>
+    </dgm:scene3d>
+    <dgm:sp3d/>
+    <dgm:txPr/>
+    <dgm:style>
+      <a:lnRef idx="0">
+        <a:scrgbClr r="0" g="0" b="0"/>
+      </a:lnRef>
+      <a:fillRef idx="3">
+        <a:scrgbClr r="0" g="0" b="0"/>
+      </a:fillRef>
+      <a:effectRef idx="2">
+        <a:scrgbClr r="0" g="0" b="0"/>
+      </a:effectRef>
+      <a:fontRef idx="minor">
+        <a:schemeClr val="lt1"/>
+      </a:fontRef>
+    </dgm:style>
+  </dgm:styleLbl>
+  <dgm:styleLbl name="node4">
+    <dgm:scene3d>
+      <a:camera prst="orthographicFront"/>
+      <a:lightRig rig="threePt" dir="t"/>
+    </dgm:scene3d>
+    <dgm:sp3d/>
+    <dgm:txPr/>
+    <dgm:style>
+      <a:lnRef idx="0">
+        <a:scrgbClr r="0" g="0" b="0"/>
+      </a:lnRef>
+      <a:fillRef idx="3">
+        <a:scrgbClr r="0" g="0" b="0"/>
+      </a:fillRef>
+      <a:effectRef idx="2">
+        <a:scrgbClr r="0" g="0" b="0"/>
+      </a:effectRef>
+      <a:fontRef idx="minor">
+        <a:schemeClr val="lt1"/>
+      </a:fontRef>
+    </dgm:style>
+  </dgm:styleLbl>
+  <dgm:styleLbl name="fgImgPlace1">
+    <dgm:scene3d>
+      <a:camera prst="orthographicFront"/>
+      <a:lightRig rig="threePt" dir="t"/>
+    </dgm:scene3d>
+    <dgm:sp3d/>
+    <dgm:txPr/>
+    <dgm:style>
+      <a:lnRef idx="0">
+        <a:scrgbClr r="0" g="0" b="0"/>
+      </a:lnRef>
+      <a:fillRef idx="1">
+        <a:scrgbClr r="0" g="0" b="0"/>
+      </a:fillRef>
+      <a:effectRef idx="2">
+        <a:scrgbClr r="0" g="0" b="0"/>
+      </a:effectRef>
+      <a:fontRef idx="minor"/>
+    </dgm:style>
+  </dgm:styleLbl>
+  <dgm:styleLbl name="alignImgPlace1">
+    <dgm:scene3d>
+      <a:camera prst="orthographicFront"/>
+      <a:lightRig rig="threePt" dir="t"/>
+    </dgm:scene3d>
+    <dgm:sp3d/>
+    <dgm:txPr/>
+    <dgm:style>
+      <a:lnRef idx="0">
+        <a:scrgbClr r="0" g="0" b="0"/>
+      </a:lnRef>
+      <a:fillRef idx="1">
+        <a:scrgbClr r="0" g="0" b="0"/>
+      </a:fillRef>
+      <a:effectRef idx="2">
+        <a:scrgbClr r="0" g="0" b="0"/>
+      </a:effectRef>
+      <a:fontRef idx="minor"/>
+    </dgm:style>
+  </dgm:styleLbl>
+  <dgm:styleLbl name="bgImgPlace1">
+    <dgm:scene3d>
+      <a:camera prst="orthographicFront"/>
+      <a:lightRig rig="threePt" dir="t"/>
+    </dgm:scene3d>
+    <dgm:sp3d/>
+    <dgm:txPr/>
+    <dgm:style>
+      <a:lnRef idx="0">
+        <a:scrgbClr r="0" g="0" b="0"/>
+      </a:lnRef>
+      <a:fillRef idx="1">
+        <a:scrgbClr r="0" g="0" b="0"/>
+      </a:fillRef>
+      <a:effectRef idx="2">
+        <a:scrgbClr r="0" g="0" b="0"/>
+      </a:effectRef>
+      <a:fontRef idx="minor"/>
+    </dgm:style>
+  </dgm:styleLbl>
+  <dgm:styleLbl name="sibTrans2D1">
+    <dgm:scene3d>
+      <a:camera prst="orthographicFront"/>
+      <a:lightRig rig="threePt" dir="t"/>
+    </dgm:scene3d>
+    <dgm:sp3d/>
+    <dgm:txPr/>
+    <dgm:style>
+      <a:lnRef idx="0">
+        <a:scrgbClr r="0" g="0" b="0"/>
+      </a:lnRef>
+      <a:fillRef idx="3">
+        <a:scrgbClr r="0" g="0" b="0"/>
+      </a:fillRef>
+      <a:effectRef idx="2">
+        <a:scrgbClr r="0" g="0" b="0"/>
+      </a:effectRef>
+      <a:fontRef idx="minor">
+        <a:schemeClr val="lt1"/>
+      </a:fontRef>
+    </dgm:style>
+  </dgm:styleLbl>
+  <dgm:styleLbl name="fgSibTrans2D1">
+    <dgm:scene3d>
+      <a:camera prst="orthographicFront"/>
+      <a:lightRig rig="threePt" dir="t"/>
+    </dgm:scene3d>
+    <dgm:sp3d/>
+    <dgm:txPr/>
+    <dgm:style>
+      <a:lnRef idx="0">
+        <a:scrgbClr r="0" g="0" b="0"/>
+      </a:lnRef>
+      <a:fillRef idx="3">
+        <a:scrgbClr r="0" g="0" b="0"/>
+      </a:fillRef>
+      <a:effectRef idx="2">
+        <a:scrgbClr r="0" g="0" b="0"/>
+      </a:effectRef>
+      <a:fontRef idx="minor">
+        <a:schemeClr val="lt1"/>
+      </a:fontRef>
+    </dgm:style>
+  </dgm:styleLbl>
+  <dgm:styleLbl name="bgSibTrans2D1">
+    <dgm:scene3d>
+      <a:camera prst="orthographicFront"/>
+      <a:lightRig rig="threePt" dir="t"/>
+    </dgm:scene3d>
+    <dgm:sp3d/>
+    <dgm:txPr/>
+    <dgm:style>
+      <a:lnRef idx="0">
+        <a:scrgbClr r="0" g="0" b="0"/>
+      </a:lnRef>
+      <a:fillRef idx="3">
+        <a:scrgbClr r="0" g="0" b="0"/>
+      </a:fillRef>
+      <a:effectRef idx="2">
+        <a:scrgbClr r="0" g="0" b="0"/>
+      </a:effectRef>
+      <a:fontRef idx="minor">
+        <a:schemeClr val="lt1"/>
+      </a:fontRef>
+    </dgm:style>
+  </dgm:styleLbl>
+  <dgm:styleLbl name="sibTrans1D1">
+    <dgm:scene3d>
+      <a:camera prst="orthographicFront"/>
+      <a:lightRig rig="threePt" dir="t"/>
+    </dgm:scene3d>
+    <dgm:sp3d/>
+    <dgm:txPr/>
+    <dgm:style>
+      <a:lnRef idx="1">
+        <a:scrgbClr r="0" g="0" b="0"/>
+      </a:lnRef>
+      <a:fillRef idx="0">
+        <a:scrgbClr r="0" g="0" b="0"/>
+      </a:fillRef>
+      <a:effectRef idx="0">
+        <a:scrgbClr r="0" g="0" b="0"/>
+      </a:effectRef>
+      <a:fontRef idx="minor"/>
+    </dgm:style>
+  </dgm:styleLbl>
+  <dgm:styleLbl name="callout">
+    <dgm:scene3d>
+      <a:camera prst="orthographicFront"/>
+      <a:lightRig rig="threePt" dir="t"/>
+    </dgm:scene3d>
+    <dgm:sp3d/>
+    <dgm:txPr/>
+    <dgm:style>
+      <a:lnRef idx="2">
+        <a:scrgbClr r="0" g="0" b="0"/>
+      </a:lnRef>
+      <a:fillRef idx="1">
+        <a:scrgbClr r="0" g="0" b="0"/>
+      </a:fillRef>
+      <a:effectRef idx="1">
+        <a:scrgbClr r="0" g="0" b="0"/>
+      </a:effectRef>
+      <a:fontRef idx="minor"/>
+    </dgm:style>
+  </dgm:styleLbl>
+  <dgm:styleLbl name="asst0">
+    <dgm:scene3d>
+      <a:camera prst="orthographicFront"/>
+      <a:lightRig rig="threePt" dir="t"/>
+    </dgm:scene3d>
+    <dgm:sp3d/>
+    <dgm:txPr/>
+    <dgm:style>
+      <a:lnRef idx="0">
+        <a:scrgbClr r="0" g="0" b="0"/>
+      </a:lnRef>
+      <a:fillRef idx="3">
+        <a:scrgbClr r="0" g="0" b="0"/>
+      </a:fillRef>
+      <a:effectRef idx="2">
+        <a:scrgbClr r="0" g="0" b="0"/>
+      </a:effectRef>
+      <a:fontRef idx="minor">
+        <a:schemeClr val="lt1"/>
+      </a:fontRef>
+    </dgm:style>
+  </dgm:styleLbl>
+  <dgm:styleLbl name="asst1">
+    <dgm:scene3d>
+      <a:camera prst="orthographicFront"/>
+      <a:lightRig rig="threePt" dir="t"/>
+    </dgm:scene3d>
+    <dgm:sp3d/>
+    <dgm:txPr/>
+    <dgm:style>
+      <a:lnRef idx="0">
+        <a:scrgbClr r="0" g="0" b="0"/>
+      </a:lnRef>
+      <a:fillRef idx="3">
+        <a:scrgbClr r="0" g="0" b="0"/>
+      </a:fillRef>
+      <a:effectRef idx="2">
+        <a:scrgbClr r="0" g="0" b="0"/>
+      </a:effectRef>
+      <a:fontRef idx="minor">
+        <a:schemeClr val="lt1"/>
+      </a:fontRef>
+    </dgm:style>
+  </dgm:styleLbl>
+  <dgm:styleLbl name="asst2">
+    <dgm:scene3d>
+      <a:camera prst="orthographicFront"/>
+      <a:lightRig rig="threePt" dir="t"/>
+    </dgm:scene3d>
+    <dgm:sp3d/>
+    <dgm:txPr/>
+    <dgm:style>
+      <a:lnRef idx="0">
+        <a:scrgbClr r="0" g="0" b="0"/>
+      </a:lnRef>
+      <a:fillRef idx="3">
+        <a:scrgbClr r="0" g="0" b="0"/>
+      </a:fillRef>
+      <a:effectRef idx="2">
+        <a:scrgbClr r="0" g="0" b="0"/>
+      </a:effectRef>
+      <a:fontRef idx="minor">
+        <a:schemeClr val="lt1"/>
+      </a:fontRef>
+    </dgm:style>
+  </dgm:styleLbl>
+  <dgm:styleLbl name="asst3">
+    <dgm:scene3d>
+      <a:camera prst="orthographicFront"/>
+      <a:lightRig rig="threePt" dir="t"/>
+    </dgm:scene3d>
+    <dgm:sp3d/>
+    <dgm:txPr/>
+    <dgm:style>
+      <a:lnRef idx="0">
+        <a:scrgbClr r="0" g="0" b="0"/>
+      </a:lnRef>
+      <a:fillRef idx="3">
+        <a:scrgbClr r="0" g="0" b="0"/>
+      </a:fillRef>
+      <a:effectRef idx="2">
+        <a:scrgbClr r="0" g="0" b="0"/>
+      </a:effectRef>
+      <a:fontRef idx="minor">
+        <a:schemeClr val="lt1"/>
+      </a:fontRef>
+    </dgm:style>
+  </dgm:styleLbl>
+  <dgm:styleLbl name="asst4">
+    <dgm:scene3d>
+      <a:camera prst="orthographicFront"/>
+      <a:lightRig rig="threePt" dir="t"/>
+    </dgm:scene3d>
+    <dgm:sp3d/>
+    <dgm:txPr/>
+    <dgm:style>
+      <a:lnRef idx="0">
+        <a:scrgbClr r="0" g="0" b="0"/>
+      </a:lnRef>
+      <a:fillRef idx="3">
+        <a:scrgbClr r="0" g="0" b="0"/>
+      </a:fillRef>
+      <a:effectRef idx="2">
+        <a:scrgbClr r="0" g="0" b="0"/>
+      </a:effectRef>
+      <a:fontRef idx="minor">
+        <a:schemeClr val="lt1"/>
+      </a:fontRef>
+    </dgm:style>
+  </dgm:styleLbl>
+  <dgm:styleLbl name="parChTrans2D1">
+    <dgm:scene3d>
+      <a:camera prst="orthographicFront"/>
+      <a:lightRig rig="threePt" dir="t"/>
+    </dgm:scene3d>
+    <dgm:sp3d/>
+    <dgm:txPr/>
+    <dgm:style>
+      <a:lnRef idx="0">
+        <a:scrgbClr r="0" g="0" b="0"/>
+      </a:lnRef>
+      <a:fillRef idx="3">
+        <a:scrgbClr r="0" g="0" b="0"/>
+      </a:fillRef>
+      <a:effectRef idx="2">
+        <a:scrgbClr r="0" g="0" b="0"/>
+      </a:effectRef>
+      <a:fontRef idx="minor">
+        <a:schemeClr val="lt1"/>
+      </a:fontRef>
+    </dgm:style>
+  </dgm:styleLbl>
+  <dgm:styleLbl name="parChTrans2D2">
+    <dgm:scene3d>
+      <a:camera prst="orthographicFront"/>
+      <a:lightRig rig="threePt" dir="t"/>
+    </dgm:scene3d>
+    <dgm:sp3d/>
+    <dgm:txPr/>
+    <dgm:style>
+      <a:lnRef idx="0">
+        <a:scrgbClr r="0" g="0" b="0"/>
+      </a:lnRef>
+      <a:fillRef idx="3">
+        <a:scrgbClr r="0" g="0" b="0"/>
+      </a:fillRef>
+      <a:effectRef idx="2">
+        <a:scrgbClr r="0" g="0" b="0"/>
+      </a:effectRef>
+      <a:fontRef idx="minor">
+        <a:schemeClr val="lt1"/>
+      </a:fontRef>
+    </dgm:style>
+  </dgm:styleLbl>
+  <dgm:styleLbl name="parChTrans2D3">
+    <dgm:scene3d>
+      <a:camera prst="orthographicFront"/>
+      <a:lightRig rig="threePt" dir="t"/>
+    </dgm:scene3d>
+    <dgm:sp3d/>
+    <dgm:txPr/>
+    <dgm:style>
+      <a:lnRef idx="1">
+        <a:scrgbClr r="0" g="0" b="0"/>
+      </a:lnRef>
+      <a:fillRef idx="3">
+        <a:scrgbClr r="0" g="0" b="0"/>
+      </a:fillRef>
+      <a:effectRef idx="2">
+        <a:scrgbClr r="0" g="0" b="0"/>
+      </a:effectRef>
+      <a:fontRef idx="minor">
+        <a:schemeClr val="lt1"/>
+      </a:fontRef>
+    </dgm:style>
+  </dgm:styleLbl>
+  <dgm:styleLbl name="parChTrans2D4">
+    <dgm:scene3d>
+      <a:camera prst="orthographicFront"/>
+      <a:lightRig rig="threePt" dir="t"/>
+    </dgm:scene3d>
+    <dgm:sp3d/>
+    <dgm:txPr/>
+    <dgm:style>
+      <a:lnRef idx="1">
+        <a:scrgbClr r="0" g="0" b="0"/>
+      </a:lnRef>
+      <a:fillRef idx="3">
+        <a:scrgbClr r="0" g="0" b="0"/>
+      </a:fillRef>
+      <a:effectRef idx="2">
+        <a:scrgbClr r="0" g="0" b="0"/>
+      </a:effectRef>
+      <a:fontRef idx="minor">
+        <a:schemeClr val="lt1"/>
+      </a:fontRef>
+    </dgm:style>
+  </dgm:styleLbl>
+  <dgm:styleLbl name="parChTrans1D1">
+    <dgm:scene3d>
+      <a:camera prst="orthographicFront"/>
+      <a:lightRig rig="threePt" dir="t"/>
+    </dgm:scene3d>
+    <dgm:sp3d/>
+    <dgm:txPr/>
+    <dgm:style>
+      <a:lnRef idx="1">
+        <a:scrgbClr r="0" g="0" b="0"/>
+      </a:lnRef>
+      <a:fillRef idx="0">
+        <a:scrgbClr r="0" g="0" b="0"/>
+      </a:fillRef>
+      <a:effectRef idx="0">
+        <a:scrgbClr r="0" g="0" b="0"/>
+      </a:effectRef>
+      <a:fontRef idx="minor"/>
+    </dgm:style>
+  </dgm:styleLbl>
+  <dgm:styleLbl name="parChTrans1D2">
+    <dgm:scene3d>
+      <a:camera prst="orthographicFront"/>
+      <a:lightRig rig="threePt" dir="t"/>
+    </dgm:scene3d>
+    <dgm:sp3d/>
+    <dgm:txPr/>
+    <dgm:style>
+      <a:lnRef idx="1">
+        <a:scrgbClr r="0" g="0" b="0"/>
+      </a:lnRef>
+      <a:fillRef idx="0">
+        <a:scrgbClr r="0" g="0" b="0"/>
+      </a:fillRef>
+      <a:effectRef idx="0">
+        <a:scrgbClr r="0" g="0" b="0"/>
+      </a:effectRef>
+      <a:fontRef idx="minor"/>
+    </dgm:style>
+  </dgm:styleLbl>
+  <dgm:styleLbl name="parChTrans1D3">
+    <dgm:scene3d>
+      <a:camera prst="orthographicFront"/>
+      <a:lightRig rig="threePt" dir="t"/>
+    </dgm:scene3d>
+    <dgm:sp3d/>
+    <dgm:txPr/>
+    <dgm:style>
+      <a:lnRef idx="1">
+        <a:scrgbClr r="0" g="0" b="0"/>
+      </a:lnRef>
+      <a:fillRef idx="0">
+        <a:scrgbClr r="0" g="0" b="0"/>
+      </a:fillRef>
+      <a:effectRef idx="0">
+        <a:scrgbClr r="0" g="0" b="0"/>
+      </a:effectRef>
+      <a:fontRef idx="minor"/>
+    </dgm:style>
+  </dgm:styleLbl>
+  <dgm:styleLbl name="parChTrans1D4">
+    <dgm:scene3d>
+      <a:camera prst="orthographicFront"/>
+      <a:lightRig rig="threePt" dir="t"/>
+    </dgm:scene3d>
+    <dgm:sp3d/>
+    <dgm:txPr/>
+    <dgm:style>
+      <a:lnRef idx="1">
+        <a:scrgbClr r="0" g="0" b="0"/>
+      </a:lnRef>
+      <a:fillRef idx="0">
+        <a:scrgbClr r="0" g="0" b="0"/>
+      </a:fillRef>
+      <a:effectRef idx="0">
+        <a:scrgbClr r="0" g="0" b="0"/>
+      </a:effectRef>
+      <a:fontRef idx="minor"/>
+    </dgm:style>
+  </dgm:styleLbl>
+  <dgm:styleLbl name="fgAcc1">
+    <dgm:scene3d>
+      <a:camera prst="orthographicFront"/>
+      <a:lightRig rig="threePt" dir="t"/>
+    </dgm:scene3d>
+    <dgm:sp3d/>
+    <dgm:txPr/>
+    <dgm:style>
+      <a:lnRef idx="1">
+        <a:scrgbClr r="0" g="0" b="0"/>
+      </a:lnRef>
+      <a:fillRef idx="1">
+        <a:scrgbClr r="0" g="0" b="0"/>
+      </a:fillRef>
+      <a:effectRef idx="0">
+        <a:scrgbClr r="0" g="0" b="0"/>
+      </a:effectRef>
+      <a:fontRef idx="minor"/>
+    </dgm:style>
+  </dgm:styleLbl>
+  <dgm:styleLbl name="conFgAcc1">
+    <dgm:scene3d>
+      <a:camera prst="orthographicFront"/>
+      <a:lightRig rig="threePt" dir="t"/>
+    </dgm:scene3d>
+    <dgm:sp3d/>
+    <dgm:txPr/>
+    <dgm:style>
+      <a:lnRef idx="1">
+        <a:scrgbClr r="0" g="0" b="0"/>
+      </a:lnRef>
+      <a:fillRef idx="1">
+        <a:scrgbClr r="0" g="0" b="0"/>
+      </a:fillRef>
+      <a:effectRef idx="0">
+        <a:scrgbClr r="0" g="0" b="0"/>
+      </a:effectRef>
+      <a:fontRef idx="minor"/>
+    </dgm:style>
+  </dgm:styleLbl>
+  <dgm:styleLbl name="alignAcc1">
+    <dgm:scene3d>
+      <a:camera prst="orthographicFront"/>
+      <a:lightRig rig="threePt" dir="t"/>
+    </dgm:scene3d>
+    <dgm:sp3d/>
+    <dgm:txPr/>
+    <dgm:style>
+      <a:lnRef idx="1">
+        <a:scrgbClr r="0" g="0" b="0"/>
+      </a:lnRef>
+      <a:fillRef idx="1">
+        <a:scrgbClr r="0" g="0" b="0"/>
+      </a:fillRef>
+      <a:effectRef idx="0">
+        <a:scrgbClr r="0" g="0" b="0"/>
+      </a:effectRef>
+      <a:fontRef idx="minor"/>
+    </dgm:style>
+  </dgm:styleLbl>
+  <dgm:styleLbl name="trAlignAcc1">
+    <dgm:scene3d>
+      <a:camera prst="orthographicFront"/>
+      <a:lightRig rig="threePt" dir="t"/>
+    </dgm:scene3d>
+    <dgm:sp3d/>
+    <dgm:txPr/>
+    <dgm:style>
+      <a:lnRef idx="1">
+        <a:scrgbClr r="0" g="0" b="0"/>
+      </a:lnRef>
+      <a:fillRef idx="1">
+        <a:scrgbClr r="0" g="0" b="0"/>
+      </a:fillRef>
+      <a:effectRef idx="0">
+        <a:scrgbClr r="0" g="0" b="0"/>
+      </a:effectRef>
+      <a:fontRef idx="minor"/>
+    </dgm:style>
+  </dgm:styleLbl>
+  <dgm:styleLbl name="bgAcc1">
+    <dgm:scene3d>
+      <a:camera prst="orthographicFront"/>
+      <a:lightRig rig="threePt" dir="t"/>
+    </dgm:scene3d>
+    <dgm:sp3d/>
+    <dgm:txPr/>
+    <dgm:style>
+      <a:lnRef idx="1">
+        <a:scrgbClr r="0" g="0" b="0"/>
+      </a:lnRef>
+      <a:fillRef idx="1">
+        <a:scrgbClr r="0" g="0" b="0"/>
+      </a:fillRef>
+      <a:effectRef idx="0">
+        <a:scrgbClr r="0" g="0" b="0"/>
+      </a:effectRef>
+      <a:fontRef idx="minor"/>
+    </dgm:style>
+  </dgm:styleLbl>
+  <dgm:styleLbl name="solidFgAcc1">
+    <dgm:scene3d>
+      <a:camera prst="orthographicFront"/>
+      <a:lightRig rig="threePt" dir="t"/>
+    </dgm:scene3d>
+    <dgm:sp3d/>
+    <dgm:txPr/>
+    <dgm:style>
+      <a:lnRef idx="1">
+        <a:scrgbClr r="0" g="0" b="0"/>
+      </a:lnRef>
+      <a:fillRef idx="1">
+        <a:scrgbClr r="0" g="0" b="0"/>
+      </a:fillRef>
+      <a:effectRef idx="0">
+        <a:scrgbClr r="0" g="0" b="0"/>
+      </a:effectRef>
+      <a:fontRef idx="minor"/>
+    </dgm:style>
+  </dgm:styleLbl>
+  <dgm:styleLbl name="solidAlignAcc1">
+    <dgm:scene3d>
+      <a:camera prst="orthographicFront"/>
+      <a:lightRig rig="threePt" dir="t"/>
+    </dgm:scene3d>
+    <dgm:sp3d/>
+    <dgm:txPr/>
+    <dgm:style>
+      <a:lnRef idx="1">
+        <a:scrgbClr r="0" g="0" b="0"/>
+      </a:lnRef>
+      <a:fillRef idx="1">
+        <a:scrgbClr r="0" g="0" b="0"/>
+      </a:fillRef>
+      <a:effectRef idx="0">
+        <a:scrgbClr r="0" g="0" b="0"/>
+      </a:effectRef>
+      <a:fontRef idx="minor"/>
+    </dgm:style>
+  </dgm:styleLbl>
+  <dgm:styleLbl name="solidBgAcc1">
+    <dgm:scene3d>
+      <a:camera prst="orthographicFront"/>
+      <a:lightRig rig="threePt" dir="t"/>
+    </dgm:scene3d>
+    <dgm:sp3d/>
+    <dgm:txPr/>
+    <dgm:style>
+      <a:lnRef idx="1">
+        <a:scrgbClr r="0" g="0" b="0"/>
+      </a:lnRef>
+      <a:fillRef idx="1">
+        <a:scrgbClr r="0" g="0" b="0"/>
+      </a:fillRef>
+      <a:effectRef idx="0">
+        <a:scrgbClr r="0" g="0" b="0"/>
+      </a:effectRef>
+      <a:fontRef idx="minor"/>
+    </dgm:style>
+  </dgm:styleLbl>
+  <dgm:styleLbl name="fgAccFollowNode1">
+    <dgm:scene3d>
+      <a:camera prst="orthographicFront"/>
+      <a:lightRig rig="threePt" dir="t"/>
+    </dgm:scene3d>
+    <dgm:sp3d/>
+    <dgm:txPr/>
+    <dgm:style>
+      <a:lnRef idx="1">
+        <a:scrgbClr r="0" g="0" b="0"/>
+      </a:lnRef>
+      <a:fillRef idx="1">
+        <a:scrgbClr r="0" g="0" b="0"/>
+      </a:fillRef>
+      <a:effectRef idx="0">
+        <a:scrgbClr r="0" g="0" b="0"/>
+      </a:effectRef>
+      <a:fontRef idx="minor"/>
+    </dgm:style>
+  </dgm:styleLbl>
+  <dgm:styleLbl name="alignAccFollowNode1">
+    <dgm:scene3d>
+      <a:camera prst="orthographicFront"/>
+      <a:lightRig rig="threePt" dir="t"/>
+    </dgm:scene3d>
+    <dgm:sp3d/>
+    <dgm:txPr/>
+    <dgm:style>
+      <a:lnRef idx="1">
+        <a:scrgbClr r="0" g="0" b="0"/>
+      </a:lnRef>
+      <a:fillRef idx="1">
+        <a:scrgbClr r="0" g="0" b="0"/>
+      </a:fillRef>
+      <a:effectRef idx="0">
+        <a:scrgbClr r="0" g="0" b="0"/>
+      </a:effectRef>
+      <a:fontRef idx="minor"/>
+    </dgm:style>
+  </dgm:styleLbl>
+  <dgm:styleLbl name="bgAccFollowNode1">
+    <dgm:scene3d>
+      <a:camera prst="orthographicFront"/>
+      <a:lightRig rig="threePt" dir="t"/>
+    </dgm:scene3d>
+    <dgm:sp3d/>
+    <dgm:txPr/>
+    <dgm:style>
+      <a:lnRef idx="1">
+        <a:scrgbClr r="0" g="0" b="0"/>
+      </a:lnRef>
+      <a:fillRef idx="1">
+        <a:scrgbClr r="0" g="0" b="0"/>
+      </a:fillRef>
+      <a:effectRef idx="0">
+        <a:scrgbClr r="0" g="0" b="0"/>
+      </a:effectRef>
+      <a:fontRef idx="minor"/>
+    </dgm:style>
+  </dgm:styleLbl>
+  <dgm:styleLbl name="fgAcc0">
+    <dgm:scene3d>
+      <a:camera prst="orthographicFront"/>
+      <a:lightRig rig="threePt" dir="t"/>
+    </dgm:scene3d>
+    <dgm:sp3d/>
+    <dgm:txPr/>
+    <dgm:style>
+      <a:lnRef idx="1">
+        <a:scrgbClr r="0" g="0" b="0"/>
+      </a:lnRef>
+      <a:fillRef idx="1">
+        <a:scrgbClr r="0" g="0" b="0"/>
+      </a:fillRef>
+      <a:effectRef idx="0">
+        <a:scrgbClr r="0" g="0" b="0"/>
+      </a:effectRef>
+      <a:fontRef idx="minor"/>
+    </dgm:style>
+  </dgm:styleLbl>
+  <dgm:styleLbl name="fgAcc2">
+    <dgm:scene3d>
+      <a:camera prst="orthographicFront"/>
+      <a:lightRig rig="threePt" dir="t"/>
+    </dgm:scene3d>
+    <dgm:sp3d/>
+    <dgm:txPr/>
+    <dgm:style>
+      <a:lnRef idx="1">
+        <a:scrgbClr r="0" g="0" b="0"/>
+      </a:lnRef>
+      <a:fillRef idx="1">
+        <a:scrgbClr r="0" g="0" b="0"/>
+      </a:fillRef>
+      <a:effectRef idx="0">
+        <a:scrgbClr r="0" g="0" b="0"/>
+      </a:effectRef>
+      <a:fontRef idx="minor"/>
+    </dgm:style>
+  </dgm:styleLbl>
+  <dgm:styleLbl name="fgAcc3">
+    <dgm:scene3d>
+      <a:camera prst="orthographicFront"/>
+      <a:lightRig rig="threePt" dir="t"/>
+    </dgm:scene3d>
+    <dgm:sp3d/>
+    <dgm:txPr/>
+    <dgm:style>
+      <a:lnRef idx="1">
+        <a:scrgbClr r="0" g="0" b="0"/>
+      </a:lnRef>
+      <a:fillRef idx="1">
+        <a:scrgbClr r="0" g="0" b="0"/>
+      </a:fillRef>
+      <a:effectRef idx="0">
+        <a:scrgbClr r="0" g="0" b="0"/>
+      </a:effectRef>
+      <a:fontRef idx="minor"/>
+    </dgm:style>
+  </dgm:styleLbl>
+  <dgm:styleLbl name="fgAcc4">
+    <dgm:scene3d>
+      <a:camera prst="orthographicFront"/>
+      <a:lightRig rig="threePt" dir="t"/>
+    </dgm:scene3d>
+    <dgm:sp3d/>
+    <dgm:txPr/>
+    <dgm:style>
+      <a:lnRef idx="1">
+        <a:scrgbClr r="0" g="0" b="0"/>
+      </a:lnRef>
+      <a:fillRef idx="1">
+        <a:scrgbClr r="0" g="0" b="0"/>
+      </a:fillRef>
+      <a:effectRef idx="0">
+        <a:scrgbClr r="0" g="0" b="0"/>
+      </a:effectRef>
+      <a:fontRef idx="minor"/>
+    </dgm:style>
+  </dgm:styleLbl>
+  <dgm:styleLbl name="bgShp">
+    <dgm:scene3d>
+      <a:camera prst="orthographicFront"/>
+      <a:lightRig rig="threePt" dir="t"/>
+    </dgm:scene3d>
+    <dgm:sp3d/>
+    <dgm:txPr/>
+    <dgm:style>
+      <a:lnRef idx="0">
+        <a:scrgbClr r="0" g="0" b="0"/>
+      </a:lnRef>
+      <a:fillRef idx="1">
+        <a:scrgbClr r="0" g="0" b="0"/>
+      </a:fillRef>
+      <a:effectRef idx="2">
+        <a:scrgbClr r="0" g="0" b="0"/>
+      </a:effectRef>
+      <a:fontRef idx="minor"/>
+    </dgm:style>
+  </dgm:styleLbl>
+  <dgm:styleLbl name="dkBgShp">
+    <dgm:scene3d>
+      <a:camera prst="orthographicFront"/>
+      <a:lightRig rig="threePt" dir="t"/>
+    </dgm:scene3d>
+    <dgm:sp3d/>
+    <dgm:txPr/>
+    <dgm:style>
+      <a:lnRef idx="0">
+        <a:scrgbClr r="0" g="0" b="0"/>
+      </a:lnRef>
+      <a:fillRef idx="1">
+        <a:scrgbClr r="0" g="0" b="0"/>
+      </a:fillRef>
+      <a:effectRef idx="2">
+        <a:scrgbClr r="0" g="0" b="0"/>
+      </a:effectRef>
+      <a:fontRef idx="minor"/>
+    </dgm:style>
+  </dgm:styleLbl>
+  <dgm:styleLbl name="trBgShp">
+    <dgm:scene3d>
+      <a:camera prst="orthographicFront"/>
+      <a:lightRig rig="threePt" dir="t"/>
+    </dgm:scene3d>
+    <dgm:sp3d/>
+    <dgm:txPr/>
+    <dgm:style>
+      <a:lnRef idx="0">
+        <a:scrgbClr r="0" g="0" b="0"/>
+      </a:lnRef>
+      <a:fillRef idx="1">
+        <a:scrgbClr r="0" g="0" b="0"/>
+      </a:fillRef>
+      <a:effectRef idx="0">
+        <a:scrgbClr r="0" g="0" b="0"/>
+      </a:effectRef>
+      <a:fontRef idx="minor"/>
+    </dgm:style>
+  </dgm:styleLbl>
+  <dgm:styleLbl name="fgShp">
+    <dgm:scene3d>
+      <a:camera prst="orthographicFront"/>
+      <a:lightRig rig="threePt" dir="t"/>
+    </dgm:scene3d>
+    <dgm:sp3d/>
+    <dgm:txPr/>
+    <dgm:style>
+      <a:lnRef idx="0">
+        <a:scrgbClr r="0" g="0" b="0"/>
+      </a:lnRef>
+      <a:fillRef idx="3">
+        <a:scrgbClr r="0" g="0" b="0"/>
+      </a:fillRef>
+      <a:effectRef idx="2">
+        <a:scrgbClr r="0" g="0" b="0"/>
+      </a:effectRef>
+      <a:fontRef idx="minor"/>
+    </dgm:style>
+  </dgm:styleLbl>
+  <dgm:styleLbl name="revTx">
+    <dgm:scene3d>
+      <a:camera prst="orthographicFront"/>
+      <a:lightRig rig="threePt" dir="t"/>
+    </dgm:scene3d>
+    <dgm:sp3d/>
+    <dgm:txPr/>
+    <dgm:style>
+      <a:lnRef idx="0">
+        <a:scrgbClr r="0" g="0" b="0"/>
+      </a:lnRef>
+      <a:fillRef idx="0">
+        <a:scrgbClr r="0" g="0" b="0"/>
+      </a:fillRef>
+      <a:effectRef idx="0">
+        <a:scrgbClr r="0" g="0" b="0"/>
+      </a:effectRef>
+      <a:fontRef idx="minor"/>
+    </dgm:style>
+  </dgm:styleLbl>
+</dgm:styleDef>
 </file>
 
 <file path=ppt/notesMasters/notesMaster1.xml><?xml version="1.0" encoding="utf-8"?>
@@ -36846,7 +39839,7 @@
                 </a:solidFill>
                 <a:sym typeface="Arial"/>
               </a:rPr>
-              <a:t>Project completion and deliverable</a:t>
+              <a:t>Reviews and Project completion</a:t>
             </a:r>
           </a:p>
           <a:p>
@@ -36880,16 +39873,35 @@
                 <a:spcPts val="0"/>
               </a:spcAft>
             </a:pPr>
+            <a:endParaRPr lang="en-US" dirty="0" smtClean="0">
+              <a:solidFill>
+                <a:srgbClr val="3C3C3B"/>
+              </a:solidFill>
+              <a:sym typeface="Arial"/>
+            </a:endParaRPr>
+          </a:p>
+          <a:p>
+            <a:pPr marL="284400" indent="-284400">
+              <a:lnSpc>
+                <a:spcPct val="115000"/>
+              </a:lnSpc>
+              <a:spcBef>
+                <a:spcPts val="300"/>
+              </a:spcBef>
+              <a:spcAft>
+                <a:spcPts val="0"/>
+              </a:spcAft>
+            </a:pPr>
             <a:r>
-              <a:rPr lang="en-US" smtClean="0">
+              <a:rPr lang="en-US" dirty="0" smtClean="0">
                 <a:solidFill>
                   <a:srgbClr val="3C3C3B"/>
                 </a:solidFill>
                 <a:sym typeface="Arial"/>
               </a:rPr>
-              <a:t>Next project ideas</a:t>
+              <a:t>Continuous Market screening</a:t>
             </a:r>
-            <a:endParaRPr lang="en" dirty="0">
+            <a:endParaRPr lang="en-US" dirty="0">
               <a:solidFill>
                 <a:srgbClr val="3C3C3B"/>
               </a:solidFill>
@@ -37047,7 +40059,7 @@
                                         <p:tgtEl>
                                           <p:spTgt spid="499">
                                             <p:txEl>
-                                              <p:pRg st="2" end="2"/>
+                                              <p:pRg st="3" end="3"/>
                                             </p:txEl>
                                           </p:spTgt>
                                         </p:tgtEl>
@@ -37245,15 +40257,6 @@
               </a:rPr>
               <a:t>Executive summary</a:t>
             </a:r>
-            <a:endParaRPr lang="en-GB" sz="1800" dirty="0" smtClean="0">
-              <a:solidFill>
-                <a:srgbClr val="3C3C3B"/>
-              </a:solidFill>
-              <a:latin typeface="Century Gothic"/>
-              <a:ea typeface="Century Gothic"/>
-              <a:cs typeface="Century Gothic"/>
-              <a:sym typeface="Century Gothic"/>
-            </a:endParaRPr>
           </a:p>
           <a:p>
             <a:pPr marL="285750" lvl="0" indent="-285750" rtl="0">
@@ -37274,6 +40277,60 @@
                 <a:sym typeface="Century Gothic"/>
               </a:rPr>
               <a:t>Use case and value proposition refresh</a:t>
+            </a:r>
+          </a:p>
+          <a:p>
+            <a:pPr marL="285750" lvl="0" indent="-285750" rtl="0">
+              <a:spcBef>
+                <a:spcPts val="1800"/>
+              </a:spcBef>
+              <a:buFont typeface="Arial"/>
+              <a:buChar char="•"/>
+            </a:pPr>
+            <a:r>
+              <a:rPr lang="en-GB" sz="1800" dirty="0" smtClean="0">
+                <a:solidFill>
+                  <a:srgbClr val="3C3C3B"/>
+                </a:solidFill>
+                <a:latin typeface="Century Gothic"/>
+                <a:ea typeface="Century Gothic"/>
+                <a:cs typeface="Century Gothic"/>
+                <a:sym typeface="Century Gothic"/>
+              </a:rPr>
+              <a:t>Getting the right data for the job</a:t>
+            </a:r>
+          </a:p>
+          <a:p>
+            <a:pPr marL="285750" lvl="0" indent="-285750" rtl="0">
+              <a:spcBef>
+                <a:spcPts val="1800"/>
+              </a:spcBef>
+              <a:buFont typeface="Arial"/>
+              <a:buChar char="•"/>
+            </a:pPr>
+            <a:r>
+              <a:rPr lang="en-GB" sz="1800" dirty="0" smtClean="0">
+                <a:solidFill>
+                  <a:srgbClr val="3C3C3B"/>
+                </a:solidFill>
+                <a:latin typeface="Century Gothic"/>
+                <a:ea typeface="Century Gothic"/>
+                <a:cs typeface="Century Gothic"/>
+                <a:sym typeface="Century Gothic"/>
+              </a:rPr>
+              <a:t>M</a:t>
+            </a:r>
+            <a:r>
+              <a:rPr lang="en-GB" sz="1800" dirty="0" smtClean="0">
+                <a:solidFill>
+                  <a:srgbClr val="3C3C3B"/>
+                </a:solidFill>
+                <a:latin typeface="Century Gothic"/>
+                <a:ea typeface="Century Gothic"/>
+                <a:cs typeface="Century Gothic"/>
+                <a:sym typeface="Century Gothic"/>
+              </a:rPr>
+              <a:t>ethodology and Demo</a:t>
             </a:r>
             <a:endParaRPr lang="en-GB" sz="1800" dirty="0" smtClean="0">
               <a:solidFill>
@@ -37303,7 +40360,7 @@
                 <a:cs typeface="Century Gothic"/>
                 <a:sym typeface="Century Gothic"/>
               </a:rPr>
-              <a:t>Getting the right data for the job</a:t>
+              <a:t>Key findings</a:t>
             </a:r>
           </a:p>
           <a:p>
@@ -37324,59 +40381,8 @@
                 <a:cs typeface="Century Gothic"/>
                 <a:sym typeface="Century Gothic"/>
               </a:rPr>
-              <a:t>The methodology</a:t>
-            </a:r>
-          </a:p>
-          <a:p>
-            <a:pPr marL="285750" lvl="0" indent="-285750" rtl="0">
-              <a:spcBef>
-                <a:spcPts val="1800"/>
-              </a:spcBef>
-              <a:buFont typeface="Arial"/>
-              <a:buChar char="•"/>
-            </a:pPr>
-            <a:r>
-              <a:rPr lang="en-GB" sz="1800" dirty="0" smtClean="0">
-                <a:solidFill>
-                  <a:srgbClr val="3C3C3B"/>
-                </a:solidFill>
-                <a:latin typeface="Century Gothic"/>
-                <a:ea typeface="Century Gothic"/>
-                <a:cs typeface="Century Gothic"/>
-                <a:sym typeface="Century Gothic"/>
-              </a:rPr>
-              <a:t>Key findings</a:t>
-            </a:r>
-          </a:p>
-          <a:p>
-            <a:pPr marL="285750" lvl="0" indent="-285750" rtl="0">
-              <a:spcBef>
-                <a:spcPts val="1800"/>
-              </a:spcBef>
-              <a:buFont typeface="Arial"/>
-              <a:buChar char="•"/>
-            </a:pPr>
-            <a:r>
-              <a:rPr lang="en-GB" sz="1800" dirty="0" smtClean="0">
-                <a:solidFill>
-                  <a:srgbClr val="3C3C3B"/>
-                </a:solidFill>
-                <a:latin typeface="Century Gothic"/>
-                <a:ea typeface="Century Gothic"/>
-                <a:cs typeface="Century Gothic"/>
-                <a:sym typeface="Century Gothic"/>
-              </a:rPr>
               <a:t>Recommendations</a:t>
             </a:r>
-            <a:endParaRPr lang="en-GB" sz="1800" dirty="0" smtClean="0">
-              <a:solidFill>
-                <a:srgbClr val="3C3C3B"/>
-              </a:solidFill>
-              <a:latin typeface="Century Gothic"/>
-              <a:ea typeface="Century Gothic"/>
-              <a:cs typeface="Century Gothic"/>
-              <a:sym typeface="Century Gothic"/>
-            </a:endParaRPr>
           </a:p>
           <a:p>
             <a:pPr marL="285750" lvl="0" indent="-285750" rtl="0">
@@ -37502,7 +40508,7 @@
         </p:nvSpPr>
         <p:spPr>
           <a:xfrm>
-            <a:off x="457199" y="1159950"/>
+            <a:off x="590872" y="1159950"/>
             <a:ext cx="8229600" cy="3624600"/>
           </a:xfrm>
           <a:prstGeom prst="rect">
@@ -37532,7 +40538,33 @@
             </a:pPr>
             <a:r>
               <a:rPr lang="en-US" dirty="0" smtClean="0"/>
-              <a:t>The project progressed as plan </a:t>
+              <a:t>The project progressed as </a:t>
+            </a:r>
+            <a:r>
+              <a:rPr lang="en-US" dirty="0" smtClean="0"/>
+              <a:t>planned.</a:t>
+            </a:r>
+            <a:endParaRPr lang="en-US" dirty="0" smtClean="0"/>
+          </a:p>
+          <a:p>
+            <a:pPr marL="285750" indent="-285750">
+              <a:lnSpc>
+                <a:spcPct val="100000"/>
+              </a:lnSpc>
+              <a:spcBef>
+                <a:spcPts val="1800"/>
+              </a:spcBef>
+              <a:spcAft>
+                <a:spcPts val="0"/>
+              </a:spcAft>
+            </a:pPr>
+            <a:r>
+              <a:rPr lang="en-US" dirty="0" smtClean="0"/>
+              <a:t>We have selected and </a:t>
+            </a:r>
+            <a:r>
+              <a:rPr lang="en-US" dirty="0" smtClean="0"/>
+              <a:t>ingested the relevant data, as well as developed a feed ingestion service for future updates. </a:t>
             </a:r>
           </a:p>
           <a:p>
@@ -37549,7 +40581,37 @@
             </a:pPr>
             <a:r>
               <a:rPr lang="en-US" dirty="0" smtClean="0"/>
-              <a:t>We have selected and ingested data from FAA, ADS-B exchange, </a:t>
+              <a:t>Explored </a:t>
+            </a:r>
+            <a:r>
+              <a:rPr lang="en-US" dirty="0" smtClean="0"/>
+              <a:t>the data and find a reliable </a:t>
+            </a:r>
+            <a:r>
+              <a:rPr lang="en-US" dirty="0" smtClean="0"/>
+              <a:t>methodology.</a:t>
+            </a:r>
+            <a:endParaRPr lang="en-US" dirty="0" smtClean="0"/>
+          </a:p>
+          <a:p>
+            <a:pPr marL="285750" indent="-285750">
+              <a:lnSpc>
+                <a:spcPct val="100000"/>
+              </a:lnSpc>
+              <a:spcBef>
+                <a:spcPts val="1800"/>
+              </a:spcBef>
+              <a:spcAft>
+                <a:spcPts val="0"/>
+              </a:spcAft>
+            </a:pPr>
+            <a:r>
+              <a:rPr lang="en-US" dirty="0" smtClean="0"/>
+              <a:t>Ready for intermediate results and </a:t>
+            </a:r>
+            <a:r>
+              <a:rPr lang="en-US" dirty="0" smtClean="0"/>
+              <a:t>feedback.</a:t>
             </a:r>
           </a:p>
           <a:p>
@@ -37566,11 +40628,36 @@
             </a:pPr>
             <a:r>
               <a:rPr lang="en-US" dirty="0" smtClean="0"/>
-              <a:t>Explored the data and find a reliable methodology</a:t>
+              <a:t>Current</a:t>
+            </a:r>
+            <a:r>
+              <a:rPr lang="en-US" dirty="0" smtClean="0"/>
+              <a:t> Results for non ADS-B population show that: </a:t>
             </a:r>
           </a:p>
           <a:p>
-            <a:pPr marL="285750" indent="-285750">
+            <a:pPr marL="573088" lvl="1" indent="-285750">
+              <a:lnSpc>
+                <a:spcPct val="100000"/>
+              </a:lnSpc>
+              <a:spcBef>
+                <a:spcPts val="1800"/>
+              </a:spcBef>
+              <a:spcAft>
+                <a:spcPts val="0"/>
+              </a:spcAft>
+            </a:pPr>
+            <a:r>
+              <a:rPr lang="en-US" dirty="0" err="1" smtClean="0"/>
+              <a:t>Xxxx</a:t>
+            </a:r>
+            <a:r>
+              <a:rPr lang="en-US" dirty="0" smtClean="0"/>
+              <a:t> $ for the aircrafts x and y (2 *  15.000$ transponders). X % of </a:t>
+            </a:r>
+          </a:p>
+          <a:p>
+            <a:pPr marL="573088" lvl="1" indent="-285750">
               <a:lnSpc>
                 <a:spcPct val="100000"/>
               </a:lnSpc>
@@ -37583,30 +40670,9 @@
             </a:pPr>
             <a:r>
               <a:rPr lang="en-US" dirty="0" smtClean="0"/>
-              <a:t>Ready for intermediate results and discussion</a:t>
+              <a:t>Targeting airlines x and y only</a:t>
             </a:r>
-          </a:p>
-          <a:p>
-            <a:pPr marL="285750" indent="-285750">
-              <a:lnSpc>
-                <a:spcPct val="100000"/>
-              </a:lnSpc>
-              <a:spcBef>
-                <a:spcPts val="1800"/>
-              </a:spcBef>
-              <a:spcAft>
-                <a:spcPts val="0"/>
-              </a:spcAft>
-            </a:pPr>
-            <a:r>
-              <a:rPr lang="en-US" dirty="0" smtClean="0"/>
-              <a:t>Finalize the proje</a:t>
-            </a:r>
-            <a:r>
-              <a:rPr lang="en-US" dirty="0" smtClean="0"/>
-              <a:t>ct after this review</a:t>
-            </a:r>
-            <a:endParaRPr dirty="0"/>
+            <a:endParaRPr lang="en-US" dirty="0" smtClean="0"/>
           </a:p>
         </p:txBody>
       </p:sp>
@@ -37655,11 +40721,7 @@
             </a:pPr>
             <a:r>
               <a:rPr lang="en-GB" dirty="0" smtClean="0"/>
-              <a:t>Executive </a:t>
-            </a:r>
-            <a:r>
-              <a:rPr lang="en-GB" dirty="0" smtClean="0"/>
-              <a:t>Summary after week 1</a:t>
+              <a:t>Executive Summary after week 1</a:t>
             </a:r>
             <a:endParaRPr lang="en" dirty="0"/>
           </a:p>
@@ -37906,6 +40968,68 @@
                                           <p:spTgt spid="596">
                                             <p:txEl>
                                               <p:pRg st="4" end="4"/>
+                                            </p:txEl>
+                                          </p:spTgt>
+                                        </p:tgtEl>
+                                        <p:attrNameLst>
+                                          <p:attrName>style.visibility</p:attrName>
+                                        </p:attrNameLst>
+                                      </p:cBhvr>
+                                      <p:to>
+                                        <p:strVal val="visible"/>
+                                      </p:to>
+                                    </p:set>
+                                  </p:childTnLst>
+                                </p:cTn>
+                              </p:par>
+                              <p:par>
+                                <p:cTn id="23" presetID="1" presetClass="entr" presetSubtype="0" fill="hold" grpId="0" nodeType="withEffect">
+                                  <p:stCondLst>
+                                    <p:cond delay="0"/>
+                                  </p:stCondLst>
+                                  <p:childTnLst>
+                                    <p:set>
+                                      <p:cBhvr>
+                                        <p:cTn id="24" dur="1" fill="hold">
+                                          <p:stCondLst>
+                                            <p:cond delay="0"/>
+                                          </p:stCondLst>
+                                        </p:cTn>
+                                        <p:tgtEl>
+                                          <p:spTgt spid="596">
+                                            <p:txEl>
+                                              <p:pRg st="5" end="5"/>
+                                            </p:txEl>
+                                          </p:spTgt>
+                                        </p:tgtEl>
+                                        <p:attrNameLst>
+                                          <p:attrName>style.visibility</p:attrName>
+                                        </p:attrNameLst>
+                                      </p:cBhvr>
+                                      <p:to>
+                                        <p:strVal val="visible"/>
+                                      </p:to>
+                                    </p:set>
+                                  </p:childTnLst>
+                                </p:cTn>
+                              </p:par>
+                              <p:par>
+                                <p:cTn id="25" presetID="1" presetClass="entr" presetSubtype="0" fill="hold" grpId="0" nodeType="withEffect">
+                                  <p:stCondLst>
+                                    <p:cond delay="0"/>
+                                  </p:stCondLst>
+                                  <p:childTnLst>
+                                    <p:set>
+                                      <p:cBhvr>
+                                        <p:cTn id="26" dur="1" fill="hold">
+                                          <p:stCondLst>
+                                            <p:cond delay="0"/>
+                                          </p:stCondLst>
+                                        </p:cTn>
+                                        <p:tgtEl>
+                                          <p:spTgt spid="596">
+                                            <p:txEl>
+                                              <p:pRg st="6" end="6"/>
                                             </p:txEl>
                                           </p:spTgt>
                                         </p:tgtEl>
@@ -39659,7 +42783,7 @@
         <p:spPr>
           <a:xfrm>
             <a:off x="457200" y="1245552"/>
-            <a:ext cx="1810544" cy="966157"/>
+            <a:ext cx="2026568" cy="1038166"/>
           </a:xfrm>
           <a:prstGeom prst="flowChartInputOutput">
             <a:avLst/>
@@ -39690,19 +42814,9 @@
                 <a:latin typeface="Century Gothic"/>
                 <a:cs typeface="Century Gothic"/>
               </a:rPr>
-              <a:t>ADS-B</a:t>
+              <a:t>Bureau of Transportation Statistics</a:t>
             </a:r>
-          </a:p>
-          <a:p>
-            <a:pPr algn="ctr"/>
-            <a:r>
-              <a:rPr lang="en-US" dirty="0" smtClean="0">
-                <a:latin typeface="Century Gothic"/>
-                <a:cs typeface="Century Gothic"/>
-              </a:rPr>
-              <a:t>Exchange</a:t>
-            </a:r>
-            <a:endParaRPr lang="en-US" dirty="0">
+            <a:endParaRPr lang="en-US" dirty="0" smtClean="0">
               <a:latin typeface="Century Gothic"/>
               <a:cs typeface="Century Gothic"/>
             </a:endParaRPr>
@@ -39717,7 +42831,7 @@
         </p:nvSpPr>
         <p:spPr>
           <a:xfrm>
-            <a:off x="3320655" y="1236236"/>
+            <a:off x="3419872" y="1245553"/>
             <a:ext cx="1584176" cy="966156"/>
           </a:xfrm>
           <a:prstGeom prst="flowChartInputOutput">
@@ -39761,7 +42875,7 @@
         <p:spPr>
           <a:xfrm>
             <a:off x="6156176" y="1245552"/>
-            <a:ext cx="1440160" cy="966157"/>
+            <a:ext cx="2016224" cy="966157"/>
           </a:xfrm>
           <a:prstGeom prst="flowChartInputOutput">
             <a:avLst/>
@@ -39787,6 +42901,10 @@
           <a:lstStyle/>
           <a:p>
             <a:pPr algn="ctr"/>
+            <a:r>
+              <a:rPr lang="en-US" smtClean="0"/>
+              <a:t>ADSB Exchange</a:t>
+            </a:r>
             <a:endParaRPr lang="en-US" dirty="0"/>
           </a:p>
         </p:txBody>
@@ -39799,8 +42917,8 @@
         </p:nvSpPr>
         <p:spPr>
           <a:xfrm>
-            <a:off x="683568" y="2643758"/>
-            <a:ext cx="1368152" cy="523220"/>
+            <a:off x="395534" y="2689924"/>
+            <a:ext cx="2088234" cy="1384995"/>
           </a:xfrm>
           <a:prstGeom prst="rect">
             <a:avLst/>
@@ -39813,11 +42931,32 @@
           </a:bodyPr>
           <a:lstStyle/>
           <a:p>
+            <a:pPr marL="285750" indent="-285750">
+              <a:buFontTx/>
+              <a:buChar char="-"/>
+            </a:pPr>
             <a:r>
-              <a:rPr lang="en-US" smtClean="0"/>
-              <a:t>To do add the field we use</a:t>
+              <a:rPr lang="en-US" dirty="0" smtClean="0"/>
+              <a:t>List of all aircrafts with types and airlines</a:t>
             </a:r>
-            <a:endParaRPr lang="en-US"/>
+          </a:p>
+          <a:p>
+            <a:pPr marL="285750" indent="-285750">
+              <a:buFontTx/>
+              <a:buChar char="-"/>
+            </a:pPr>
+            <a:r>
+              <a:rPr lang="en-US" dirty="0" smtClean="0"/>
+              <a:t>Data from the last 7 years</a:t>
+            </a:r>
+            <a:endParaRPr lang="en-US" dirty="0" smtClean="0"/>
+          </a:p>
+          <a:p>
+            <a:pPr marL="285750" indent="-285750">
+              <a:buFontTx/>
+              <a:buChar char="-"/>
+            </a:pPr>
+            <a:endParaRPr lang="en-US" dirty="0"/>
           </a:p>
         </p:txBody>
       </p:sp>
@@ -39829,8 +42968,8 @@
         </p:nvSpPr>
         <p:spPr>
           <a:xfrm>
-            <a:off x="3309761" y="2643758"/>
-            <a:ext cx="1368152" cy="523220"/>
+            <a:off x="3309760" y="2643758"/>
+            <a:ext cx="2126336" cy="738664"/>
           </a:xfrm>
           <a:prstGeom prst="rect">
             <a:avLst/>
@@ -39843,11 +42982,14 @@
           </a:bodyPr>
           <a:lstStyle/>
           <a:p>
+            <a:pPr marL="285750" indent="-285750">
+              <a:buFontTx/>
+              <a:buChar char="-"/>
+            </a:pPr>
             <a:r>
-              <a:rPr lang="en-US" smtClean="0"/>
-              <a:t>To do add the field we use</a:t>
+              <a:rPr lang="en-US" dirty="0" smtClean="0"/>
+              <a:t>List of all aircrafts types (US, International)</a:t>
             </a:r>
-            <a:endParaRPr lang="en-US"/>
           </a:p>
         </p:txBody>
       </p:sp>
@@ -39860,7 +43002,7 @@
         <p:spPr>
           <a:xfrm>
             <a:off x="6084168" y="2583627"/>
-            <a:ext cx="1368152" cy="523220"/>
+            <a:ext cx="2232248" cy="1600438"/>
           </a:xfrm>
           <a:prstGeom prst="rect">
             <a:avLst/>
@@ -39873,10 +43015,113 @@
           </a:bodyPr>
           <a:lstStyle/>
           <a:p>
+            <a:pPr marL="285750" indent="-285750">
+              <a:buFontTx/>
+              <a:buChar char="-"/>
+            </a:pPr>
             <a:r>
-              <a:rPr lang="en-US" smtClean="0"/>
-              <a:t>To do add the field we use</a:t>
+              <a:rPr lang="en-US" dirty="0" smtClean="0"/>
+              <a:t>List of ADS-B equipped with aircraft</a:t>
             </a:r>
+          </a:p>
+          <a:p>
+            <a:pPr marL="285750" indent="-285750">
+              <a:buFontTx/>
+              <a:buChar char="-"/>
+            </a:pPr>
+            <a:r>
+              <a:rPr lang="en-US" dirty="0" smtClean="0"/>
+              <a:t>7 days: 14 to 20 March 2017 (20 GB per day)</a:t>
+            </a:r>
+          </a:p>
+          <a:p>
+            <a:pPr marL="285750" indent="-285750">
+              <a:buFontTx/>
+              <a:buChar char="-"/>
+            </a:pPr>
+            <a:r>
+              <a:rPr lang="en-US" dirty="0" smtClean="0"/>
+              <a:t>Feed ingestion services</a:t>
+            </a:r>
+          </a:p>
+        </p:txBody>
+      </p:sp>
+      <p:sp>
+        <p:nvSpPr>
+          <p:cNvPr id="3" name="Plus 2"/>
+          <p:cNvSpPr/>
+          <p:nvPr/>
+        </p:nvSpPr>
+        <p:spPr>
+          <a:xfrm>
+            <a:off x="2624178" y="1465085"/>
+            <a:ext cx="449721" cy="527091"/>
+          </a:xfrm>
+          <a:prstGeom prst="mathPlus">
+            <a:avLst/>
+          </a:prstGeom>
+        </p:spPr>
+        <p:style>
+          <a:lnRef idx="2">
+            <a:schemeClr val="accent1">
+              <a:shade val="50000"/>
+            </a:schemeClr>
+          </a:lnRef>
+          <a:fillRef idx="1">
+            <a:schemeClr val="accent1"/>
+          </a:fillRef>
+          <a:effectRef idx="0">
+            <a:schemeClr val="accent1"/>
+          </a:effectRef>
+          <a:fontRef idx="minor">
+            <a:schemeClr val="lt1"/>
+          </a:fontRef>
+        </p:style>
+        <p:txBody>
+          <a:bodyPr rtlCol="0" anchor="ctr"/>
+          <a:lstStyle/>
+          <a:p>
+            <a:pPr algn="ctr"/>
+            <a:endParaRPr lang="en-US"/>
+          </a:p>
+        </p:txBody>
+      </p:sp>
+      <p:sp>
+        <p:nvSpPr>
+          <p:cNvPr id="13" name="Plus 12"/>
+          <p:cNvSpPr/>
+          <p:nvPr/>
+        </p:nvSpPr>
+        <p:spPr>
+          <a:xfrm>
+            <a:off x="5350021" y="1465084"/>
+            <a:ext cx="449721" cy="527091"/>
+          </a:xfrm>
+          <a:prstGeom prst="mathPlus">
+            <a:avLst/>
+          </a:prstGeom>
+        </p:spPr>
+        <p:style>
+          <a:lnRef idx="2">
+            <a:schemeClr val="accent1">
+              <a:shade val="50000"/>
+            </a:schemeClr>
+          </a:lnRef>
+          <a:fillRef idx="1">
+            <a:schemeClr val="accent1"/>
+          </a:fillRef>
+          <a:effectRef idx="0">
+            <a:schemeClr val="accent1"/>
+          </a:effectRef>
+          <a:fontRef idx="minor">
+            <a:schemeClr val="lt1"/>
+          </a:fontRef>
+        </p:style>
+        <p:txBody>
+          <a:bodyPr rtlCol="0" anchor="ctr"/>
+          <a:lstStyle/>
+          <a:p>
+            <a:pPr algn="ctr"/>
             <a:endParaRPr lang="en-US"/>
           </a:p>
         </p:txBody>
@@ -40091,8 +43336,8 @@
         </p:nvSpPr>
         <p:spPr>
           <a:xfrm>
-            <a:off x="457199" y="1159950"/>
-            <a:ext cx="8229600" cy="3624600"/>
+            <a:off x="179512" y="1159950"/>
+            <a:ext cx="3600400" cy="3624600"/>
           </a:xfrm>
           <a:prstGeom prst="rect">
             <a:avLst/>
@@ -40108,7 +43353,7 @@
           </a:bodyPr>
           <a:lstStyle/>
           <a:p>
-            <a:pPr marL="284400" indent="-284400">
+            <a:pPr marL="0" indent="0">
               <a:lnSpc>
                 <a:spcPct val="115000"/>
               </a:lnSpc>
@@ -40118,6 +43363,7 @@
               <a:spcAft>
                 <a:spcPts val="0"/>
               </a:spcAft>
+              <a:buNone/>
             </a:pPr>
             <a:r>
               <a:rPr lang="en-US" dirty="0" smtClean="0">
@@ -40126,9 +43372,99 @@
                 </a:solidFill>
                 <a:sym typeface="Arial"/>
               </a:rPr>
-              <a:t>Explain how we got the results (show all the data there?)</a:t>
+              <a:t>Assumptions:</a:t>
             </a:r>
-            <a:endParaRPr lang="en" dirty="0">
+          </a:p>
+          <a:p>
+            <a:pPr marL="573088" lvl="1" indent="-285750">
+              <a:lnSpc>
+                <a:spcPct val="115000"/>
+              </a:lnSpc>
+              <a:spcBef>
+                <a:spcPts val="300"/>
+              </a:spcBef>
+              <a:spcAft>
+                <a:spcPts val="0"/>
+              </a:spcAft>
+              <a:buFont typeface="Arial" charset="0"/>
+              <a:buChar char="•"/>
+            </a:pPr>
+            <a:r>
+              <a:rPr lang="en-US" dirty="0" smtClean="0">
+                <a:solidFill>
+                  <a:srgbClr val="3C3C3B"/>
+                </a:solidFill>
+                <a:sym typeface="Arial"/>
+              </a:rPr>
+              <a:t>Most of </a:t>
+            </a:r>
+            <a:r>
+              <a:rPr lang="en-US" dirty="0" smtClean="0">
+                <a:solidFill>
+                  <a:srgbClr val="3C3C3B"/>
+                </a:solidFill>
+                <a:sym typeface="Arial"/>
+              </a:rPr>
+              <a:t>active ADS-B aircrafts are captured in a week of ADS-B exchange data</a:t>
+            </a:r>
+          </a:p>
+          <a:p>
+            <a:pPr marL="573088" lvl="1" indent="-285750">
+              <a:lnSpc>
+                <a:spcPct val="115000"/>
+              </a:lnSpc>
+              <a:spcBef>
+                <a:spcPts val="300"/>
+              </a:spcBef>
+              <a:spcAft>
+                <a:spcPts val="0"/>
+              </a:spcAft>
+              <a:buFont typeface="Arial" charset="0"/>
+              <a:buChar char="•"/>
+            </a:pPr>
+            <a:r>
+              <a:rPr lang="en-US" dirty="0" smtClean="0">
+                <a:solidFill>
+                  <a:srgbClr val="3C3C3B"/>
+                </a:solidFill>
+                <a:sym typeface="Arial"/>
+              </a:rPr>
+              <a:t>ADS-B are turned on when installed</a:t>
+            </a:r>
+          </a:p>
+          <a:p>
+            <a:pPr marL="573088" lvl="1" indent="-285750">
+              <a:lnSpc>
+                <a:spcPct val="115000"/>
+              </a:lnSpc>
+              <a:spcBef>
+                <a:spcPts val="300"/>
+              </a:spcBef>
+              <a:spcAft>
+                <a:spcPts val="0"/>
+              </a:spcAft>
+              <a:buFont typeface="Arial" charset="0"/>
+              <a:buChar char="•"/>
+            </a:pPr>
+            <a:r>
+              <a:rPr lang="en-US" dirty="0" smtClean="0">
+                <a:solidFill>
+                  <a:srgbClr val="3C3C3B"/>
+                </a:solidFill>
+                <a:sym typeface="Arial"/>
+              </a:rPr>
+              <a:t>All active aircrafts</a:t>
+            </a:r>
+            <a:r>
+              <a:rPr lang="en-US" dirty="0" smtClean="0">
+                <a:solidFill>
+                  <a:srgbClr val="3C3C3B"/>
+                </a:solidFill>
+                <a:sym typeface="Arial"/>
+              </a:rPr>
+              <a:t> are identified from the delay data</a:t>
+            </a:r>
+            <a:endParaRPr lang="en-US" dirty="0">
               <a:solidFill>
                 <a:srgbClr val="3C3C3B"/>
               </a:solidFill>
@@ -40188,6 +43524,28 @@
           </a:p>
         </p:txBody>
       </p:sp>
+      <p:graphicFrame>
+        <p:nvGraphicFramePr>
+          <p:cNvPr id="2" name="Diagram 1"/>
+          <p:cNvGraphicFramePr/>
+          <p:nvPr>
+            <p:extLst>
+              <p:ext uri="{D42A27DB-BD31-4B8C-83A1-F6EECF244321}">
+                <p14:modId xmlns:p14="http://schemas.microsoft.com/office/powerpoint/2010/main" val="2043938348"/>
+              </p:ext>
+            </p:extLst>
+          </p:nvPr>
+        </p:nvGraphicFramePr>
+        <p:xfrm>
+          <a:off x="2915816" y="940250"/>
+          <a:ext cx="6096000" cy="4064000"/>
+        </p:xfrm>
+        <a:graphic>
+          <a:graphicData uri="http://schemas.openxmlformats.org/drawingml/2006/diagram">
+            <dgm:relIds xmlns:dgm="http://schemas.openxmlformats.org/drawingml/2006/diagram" xmlns:r="http://schemas.openxmlformats.org/officeDocument/2006/relationships" r:dm="rId3" r:lo="rId4" r:qs="rId5" r:cs="rId6"/>
+          </a:graphicData>
+        </a:graphic>
+      </p:graphicFrame>
     </p:spTree>
   </p:cSld>
   <p:clrMapOvr>
@@ -40233,6 +43591,99 @@
                                           <p:spTgt spid="499">
                                             <p:txEl>
                                               <p:pRg st="0" end="0"/>
+                                            </p:txEl>
+                                          </p:spTgt>
+                                        </p:tgtEl>
+                                        <p:attrNameLst>
+                                          <p:attrName>style.visibility</p:attrName>
+                                        </p:attrNameLst>
+                                      </p:cBhvr>
+                                      <p:to>
+                                        <p:strVal val="visible"/>
+                                      </p:to>
+                                    </p:set>
+                                  </p:childTnLst>
+                                </p:cTn>
+                              </p:par>
+                              <p:par>
+                                <p:cTn id="7" presetID="1" presetClass="entr" presetSubtype="0" fill="hold" grpId="0" nodeType="withEffect">
+                                  <p:stCondLst>
+                                    <p:cond delay="0"/>
+                                  </p:stCondLst>
+                                  <p:childTnLst>
+                                    <p:set>
+                                      <p:cBhvr>
+                                        <p:cTn id="8" dur="1" fill="hold">
+                                          <p:stCondLst>
+                                            <p:cond delay="0"/>
+                                          </p:stCondLst>
+                                        </p:cTn>
+                                        <p:tgtEl>
+                                          <p:spTgt spid="499">
+                                            <p:txEl>
+                                              <p:pRg st="1" end="1"/>
+                                            </p:txEl>
+                                          </p:spTgt>
+                                        </p:tgtEl>
+                                        <p:attrNameLst>
+                                          <p:attrName>style.visibility</p:attrName>
+                                        </p:attrNameLst>
+                                      </p:cBhvr>
+                                      <p:to>
+                                        <p:strVal val="visible"/>
+                                      </p:to>
+                                    </p:set>
+                                  </p:childTnLst>
+                                </p:cTn>
+                              </p:par>
+                              <p:par>
+                                <p:cTn id="9" presetID="1" presetClass="entr" presetSubtype="0" fill="hold" grpId="0" nodeType="withEffect">
+                                  <p:stCondLst>
+                                    <p:cond delay="0"/>
+                                  </p:stCondLst>
+                                  <p:childTnLst>
+                                    <p:set>
+                                      <p:cBhvr>
+                                        <p:cTn id="10" dur="1" fill="hold">
+                                          <p:stCondLst>
+                                            <p:cond delay="0"/>
+                                          </p:stCondLst>
+                                        </p:cTn>
+                                        <p:tgtEl>
+                                          <p:spTgt spid="499">
+                                            <p:txEl>
+                                              <p:pRg st="2" end="2"/>
+                                            </p:txEl>
+                                          </p:spTgt>
+                                        </p:tgtEl>
+                                        <p:attrNameLst>
+                                          <p:attrName>style.visibility</p:attrName>
+                                        </p:attrNameLst>
+                                      </p:cBhvr>
+                                      <p:to>
+                                        <p:strVal val="visible"/>
+                                      </p:to>
+                                    </p:set>
+                                  </p:childTnLst>
+                                </p:cTn>
+                              </p:par>
+                              <p:par>
+                                <p:cTn id="11" presetID="1" presetClass="entr" presetSubtype="0" fill="hold" grpId="0" nodeType="withEffect">
+                                  <p:stCondLst>
+                                    <p:cond delay="0"/>
+                                  </p:stCondLst>
+                                  <p:childTnLst>
+                                    <p:set>
+                                      <p:cBhvr>
+                                        <p:cTn id="12" dur="1" fill="hold">
+                                          <p:stCondLst>
+                                            <p:cond delay="0"/>
+                                          </p:stCondLst>
+                                        </p:cTn>
+                                        <p:tgtEl>
+                                          <p:spTgt spid="499">
+                                            <p:txEl>
+                                              <p:pRg st="3" end="3"/>
                                             </p:txEl>
                                           </p:spTgt>
                                         </p:tgtEl>
@@ -40569,8 +44020,68 @@
                 </a:solidFill>
                 <a:sym typeface="Arial"/>
               </a:rPr>
-              <a:t>Our business analysis of the situation</a:t>
+              <a:t>Our business analysis of </a:t>
             </a:r>
+            <a:r>
+              <a:rPr lang="en-US" dirty="0" smtClean="0">
+                <a:solidFill>
+                  <a:srgbClr val="3C3C3B"/>
+                </a:solidFill>
+                <a:sym typeface="Arial"/>
+              </a:rPr>
+              <a:t>the current situation</a:t>
+            </a:r>
+          </a:p>
+          <a:p>
+            <a:pPr marL="284400" indent="-284400">
+              <a:lnSpc>
+                <a:spcPct val="115000"/>
+              </a:lnSpc>
+              <a:spcBef>
+                <a:spcPts val="300"/>
+              </a:spcBef>
+              <a:spcAft>
+                <a:spcPts val="0"/>
+              </a:spcAft>
+            </a:pPr>
+            <a:endParaRPr lang="en-US" dirty="0">
+              <a:solidFill>
+                <a:srgbClr val="3C3C3B"/>
+              </a:solidFill>
+              <a:sym typeface="Arial"/>
+            </a:endParaRPr>
+          </a:p>
+          <a:p>
+            <a:pPr marL="284400" indent="-284400">
+              <a:lnSpc>
+                <a:spcPct val="115000"/>
+              </a:lnSpc>
+              <a:spcBef>
+                <a:spcPts val="300"/>
+              </a:spcBef>
+              <a:spcAft>
+                <a:spcPts val="0"/>
+              </a:spcAft>
+            </a:pPr>
+            <a:endParaRPr lang="en-US" dirty="0" smtClean="0">
+              <a:solidFill>
+                <a:srgbClr val="3C3C3B"/>
+              </a:solidFill>
+              <a:sym typeface="Arial"/>
+            </a:endParaRPr>
+          </a:p>
+          <a:p>
+            <a:pPr marL="284400" indent="-284400">
+              <a:lnSpc>
+                <a:spcPct val="115000"/>
+              </a:lnSpc>
+              <a:spcBef>
+                <a:spcPts val="300"/>
+              </a:spcBef>
+              <a:spcAft>
+                <a:spcPts val="0"/>
+              </a:spcAft>
+            </a:pPr>
             <a:endParaRPr lang="en" dirty="0">
               <a:solidFill>
                 <a:srgbClr val="3C3C3B"/>

--- a/TeamMamoot/Skynet-Adsb-Market-DataAnalysis.pptx
+++ b/TeamMamoot/Skynet-Adsb-Market-DataAnalysis.pptx
@@ -8,7 +8,7 @@
     <p:sldMasterId id="2147483741" r:id="rId4"/>
   </p:sldMasterIdLst>
   <p:notesMasterIdLst>
-    <p:notesMasterId r:id="rId16"/>
+    <p:notesMasterId r:id="rId17"/>
   </p:notesMasterIdLst>
   <p:sldIdLst>
     <p:sldId id="256" r:id="rId5"/>
@@ -17,11 +17,12 @@
     <p:sldId id="281" r:id="rId8"/>
     <p:sldId id="259" r:id="rId9"/>
     <p:sldId id="262" r:id="rId10"/>
-    <p:sldId id="260" r:id="rId11"/>
-    <p:sldId id="282" r:id="rId12"/>
-    <p:sldId id="283" r:id="rId13"/>
-    <p:sldId id="284" r:id="rId14"/>
-    <p:sldId id="276" r:id="rId15"/>
+    <p:sldId id="285" r:id="rId11"/>
+    <p:sldId id="260" r:id="rId12"/>
+    <p:sldId id="282" r:id="rId13"/>
+    <p:sldId id="283" r:id="rId14"/>
+    <p:sldId id="284" r:id="rId15"/>
+    <p:sldId id="276" r:id="rId16"/>
   </p:sldIdLst>
   <p:sldSz cx="9144000" cy="5143500" type="screen16x9"/>
   <p:notesSz cx="6858000" cy="9144000"/>
@@ -229,7 +230,7 @@
   </p:defaultTextStyle>
   <p:extLst>
     <p:ext uri="{EFAFB233-063F-42B5-8137-9DF3F51BA10A}">
-      <p15:sldGuideLst xmlns:p15="http://schemas.microsoft.com/office/powerpoint/2012/main">
+      <p15:sldGuideLst xmlns:p15="http://schemas.microsoft.com/office/powerpoint/2012/main" xmlns="">
         <p15:guide id="1" orient="horz" pos="1620">
           <p15:clr>
             <a:srgbClr val="A4A3A4"/>
@@ -1126,6 +1127,14 @@
         </dgm:presLayoutVars>
       </dgm:prSet>
       <dgm:spPr/>
+      <dgm:t>
+        <a:bodyPr/>
+        <a:lstStyle/>
+        <a:p>
+          <a:pPr latinLnBrk="1"/>
+          <a:endParaRPr lang="ko-KR" altLang="en-US"/>
+        </a:p>
+      </dgm:t>
     </dgm:pt>
     <dgm:pt modelId="{34A3AF70-EE04-BA45-BEB0-C91662A54475}" type="pres">
       <dgm:prSet presAssocID="{EF0527FB-EAE4-6244-8998-70E5E79564FE}" presName="comp1" presStyleCnt="0"/>
@@ -1219,8 +1228,8 @@
     </dgm:pt>
   </dgm:ptLst>
   <dgm:cxnLst>
+    <dgm:cxn modelId="{DD46359C-FDD5-4743-AA54-0828DC02EAAA}" type="presOf" srcId="{56A06512-A339-594D-9EC5-C4ACB60D9ACC}" destId="{D63BA300-80C4-3643-8C46-3B90C33B04B5}" srcOrd="0" destOrd="0" presId="urn:microsoft.com/office/officeart/2005/8/layout/venn2"/>
     <dgm:cxn modelId="{322B01FA-9006-CD40-A562-BE4CEDA90956}" type="presOf" srcId="{EF0527FB-EAE4-6244-8998-70E5E79564FE}" destId="{C5A099BA-E49A-334F-9321-71BB5C1943BE}" srcOrd="0" destOrd="0" presId="urn:microsoft.com/office/officeart/2005/8/layout/venn2"/>
-    <dgm:cxn modelId="{DD46359C-FDD5-4743-AA54-0828DC02EAAA}" type="presOf" srcId="{56A06512-A339-594D-9EC5-C4ACB60D9ACC}" destId="{D63BA300-80C4-3643-8C46-3B90C33B04B5}" srcOrd="0" destOrd="0" presId="urn:microsoft.com/office/officeart/2005/8/layout/venn2"/>
     <dgm:cxn modelId="{14410490-4245-CD48-A028-25715B4EE6A6}" srcId="{EF0527FB-EAE4-6244-8998-70E5E79564FE}" destId="{BC1DAB9D-9A0B-B749-BCC3-D9BE53A43149}" srcOrd="1" destOrd="0" parTransId="{54C53801-D450-F549-9F14-E558EF75EEA9}" sibTransId="{CF3F6D79-ECC5-1242-8258-AD745C06E483}"/>
     <dgm:cxn modelId="{93D5791D-1FC3-CF4A-A0DC-33DCACC31A47}" type="presOf" srcId="{BC1DAB9D-9A0B-B749-BCC3-D9BE53A43149}" destId="{F5547317-EB4B-4844-A4FB-1075CB9718EC}" srcOrd="0" destOrd="0" presId="urn:microsoft.com/office/officeart/2005/8/layout/venn2"/>
     <dgm:cxn modelId="{EC2B6C57-7BC3-994D-AA72-8FB056967EF3}" type="presOf" srcId="{6C4EEADB-6928-DB4F-9C25-5B45F64CD0CD}" destId="{824C4372-46F9-6E48-97BE-0E380859CAAF}" srcOrd="1" destOrd="0" presId="urn:microsoft.com/office/officeart/2005/8/layout/venn2"/>
@@ -3775,6 +3784,185 @@
     </p:spTree>
     <p:extLst>
       <p:ext uri="{BB962C8B-B14F-4D97-AF65-F5344CB8AC3E}">
+        <p14:creationId xmlns:p14="http://schemas.microsoft.com/office/powerpoint/2010/main" val="1235054983"/>
+      </p:ext>
+    </p:extLst>
+  </p:cSld>
+  <p:clrMapOvr>
+    <a:masterClrMapping/>
+  </p:clrMapOvr>
+</p:notes>
+</file>
+
+<file path=ppt/notesSlides/notesSlide11.xml><?xml version="1.0" encoding="utf-8"?>
+<p:notes xmlns:a="http://schemas.openxmlformats.org/drawingml/2006/main" xmlns:r="http://schemas.openxmlformats.org/officeDocument/2006/relationships" xmlns:p="http://schemas.openxmlformats.org/presentationml/2006/main" showMasterSp="0" showMasterPhAnim="0">
+  <p:cSld>
+    <p:spTree>
+      <p:nvGrpSpPr>
+        <p:cNvPr id="1" name="Shape 494"/>
+        <p:cNvGrpSpPr/>
+        <p:nvPr/>
+      </p:nvGrpSpPr>
+      <p:grpSpPr>
+        <a:xfrm>
+          <a:off x="0" y="0"/>
+          <a:ext cx="0" cy="0"/>
+          <a:chOff x="0" y="0"/>
+          <a:chExt cx="0" cy="0"/>
+        </a:xfrm>
+      </p:grpSpPr>
+      <p:sp>
+        <p:nvSpPr>
+          <p:cNvPr id="495" name="Shape 495"/>
+          <p:cNvSpPr>
+            <a:spLocks noGrp="1" noRot="1" noChangeAspect="1"/>
+          </p:cNvSpPr>
+          <p:nvPr>
+            <p:ph type="sldImg" idx="2"/>
+          </p:nvPr>
+        </p:nvSpPr>
+        <p:spPr>
+          <a:xfrm>
+            <a:off x="381000" y="685800"/>
+            <a:ext cx="6096000" cy="3429000"/>
+          </a:xfrm>
+          <a:custGeom>
+            <a:avLst/>
+            <a:gdLst/>
+            <a:ahLst/>
+            <a:cxnLst/>
+            <a:rect l="0" t="0" r="0" b="0"/>
+            <a:pathLst>
+              <a:path w="120000" h="120000" extrusionOk="0">
+                <a:moveTo>
+                  <a:pt x="0" y="0"/>
+                </a:moveTo>
+                <a:lnTo>
+                  <a:pt x="120000" y="0"/>
+                </a:lnTo>
+                <a:lnTo>
+                  <a:pt x="120000" y="120000"/>
+                </a:lnTo>
+                <a:lnTo>
+                  <a:pt x="0" y="120000"/>
+                </a:lnTo>
+                <a:close/>
+              </a:path>
+            </a:pathLst>
+          </a:custGeom>
+          <a:noFill/>
+          <a:ln w="12700" cap="flat" cmpd="sng">
+            <a:solidFill>
+              <a:srgbClr val="000000"/>
+            </a:solidFill>
+            <a:prstDash val="solid"/>
+            <a:round/>
+            <a:headEnd type="none" w="med" len="med"/>
+            <a:tailEnd type="none" w="med" len="med"/>
+          </a:ln>
+        </p:spPr>
+      </p:sp>
+      <p:sp>
+        <p:nvSpPr>
+          <p:cNvPr id="496" name="Shape 496"/>
+          <p:cNvSpPr txBox="1">
+            <a:spLocks noGrp="1"/>
+          </p:cNvSpPr>
+          <p:nvPr>
+            <p:ph type="body" idx="1"/>
+          </p:nvPr>
+        </p:nvSpPr>
+        <p:spPr>
+          <a:xfrm>
+            <a:off x="685800" y="4343400"/>
+            <a:ext cx="5486400" cy="4114800"/>
+          </a:xfrm>
+          <a:prstGeom prst="rect">
+            <a:avLst/>
+          </a:prstGeom>
+          <a:noFill/>
+          <a:ln>
+            <a:noFill/>
+          </a:ln>
+        </p:spPr>
+        <p:txBody>
+          <a:bodyPr lIns="91425" tIns="45700" rIns="91425" bIns="45700" anchor="t" anchorCtr="0">
+            <a:noAutofit/>
+          </a:bodyPr>
+          <a:lstStyle/>
+          <a:p>
+            <a:pPr marL="0" marR="0" lvl="0" indent="0" algn="l" rtl="0">
+              <a:spcBef>
+                <a:spcPts val="0"/>
+              </a:spcBef>
+              <a:buNone/>
+            </a:pPr>
+            <a:endParaRPr sz="1200" b="0" i="0" u="none" strike="noStrike" cap="none" dirty="0">
+              <a:solidFill>
+                <a:schemeClr val="dk1"/>
+              </a:solidFill>
+              <a:latin typeface="Calibri"/>
+              <a:ea typeface="Calibri"/>
+              <a:cs typeface="Calibri"/>
+              <a:sym typeface="Calibri"/>
+            </a:endParaRPr>
+          </a:p>
+        </p:txBody>
+      </p:sp>
+      <p:sp>
+        <p:nvSpPr>
+          <p:cNvPr id="497" name="Shape 497"/>
+          <p:cNvSpPr txBox="1">
+            <a:spLocks noGrp="1"/>
+          </p:cNvSpPr>
+          <p:nvPr>
+            <p:ph type="ftr" idx="11"/>
+          </p:nvPr>
+        </p:nvSpPr>
+        <p:spPr>
+          <a:xfrm>
+            <a:off x="0" y="8685213"/>
+            <a:ext cx="2971800" cy="457200"/>
+          </a:xfrm>
+          <a:prstGeom prst="rect">
+            <a:avLst/>
+          </a:prstGeom>
+          <a:noFill/>
+          <a:ln>
+            <a:noFill/>
+          </a:ln>
+        </p:spPr>
+        <p:txBody>
+          <a:bodyPr lIns="91425" tIns="45700" rIns="91425" bIns="45700" anchor="b" anchorCtr="0">
+            <a:noAutofit/>
+          </a:bodyPr>
+          <a:lstStyle/>
+          <a:p>
+            <a:pPr marL="0" marR="0" lvl="0" indent="0" algn="l" rtl="0">
+              <a:spcBef>
+                <a:spcPts val="0"/>
+              </a:spcBef>
+              <a:buSzPct val="25000"/>
+              <a:buNone/>
+            </a:pPr>
+            <a:r>
+              <a:rPr lang="en" sz="1200">
+                <a:solidFill>
+                  <a:srgbClr val="000000"/>
+                </a:solidFill>
+                <a:latin typeface="Calibri"/>
+                <a:ea typeface="Calibri"/>
+                <a:cs typeface="Calibri"/>
+                <a:sym typeface="Calibri"/>
+              </a:rPr>
+              <a:t>© 2015 Think Big, a Teradata Company</a:t>
+            </a:r>
+          </a:p>
+        </p:txBody>
+      </p:sp>
+    </p:spTree>
+    <p:extLst>
+      <p:ext uri="{BB962C8B-B14F-4D97-AF65-F5344CB8AC3E}">
         <p14:creationId xmlns:p14="http://schemas.microsoft.com/office/powerpoint/2010/main" val="1339270088"/>
       </p:ext>
     </p:extLst>
@@ -3785,7 +3973,7 @@
 </p:notes>
 </file>
 
-<file path=ppt/notesSlides/notesSlide11.xml><?xml version="1.0" encoding="utf-8"?>
+<file path=ppt/notesSlides/notesSlide12.xml><?xml version="1.0" encoding="utf-8"?>
 <p:notes xmlns:a="http://schemas.openxmlformats.org/drawingml/2006/main" xmlns:r="http://schemas.openxmlformats.org/officeDocument/2006/relationships" xmlns:p="http://schemas.openxmlformats.org/presentationml/2006/main" showMasterSp="0" showMasterPhAnim="0">
   <p:cSld>
     <p:spTree>
@@ -5014,6 +5202,23 @@
               </a:spcBef>
               <a:buNone/>
             </a:pPr>
+            <a:endParaRPr lang="en-US" sz="1200" b="0" i="0" u="none" strike="noStrike" cap="none" dirty="0" smtClean="0">
+              <a:solidFill>
+                <a:schemeClr val="dk1"/>
+              </a:solidFill>
+              <a:latin typeface="Calibri"/>
+              <a:ea typeface="Calibri"/>
+              <a:cs typeface="Calibri"/>
+              <a:sym typeface="Calibri"/>
+            </a:endParaRPr>
+          </a:p>
+          <a:p>
+            <a:pPr marL="0" marR="0" lvl="0" indent="0" algn="l" rtl="0">
+              <a:spcBef>
+                <a:spcPts val="0"/>
+              </a:spcBef>
+              <a:buNone/>
+            </a:pPr>
             <a:endParaRPr sz="1200" b="0" i="0" u="none" strike="noStrike" cap="none" dirty="0">
               <a:solidFill>
                 <a:schemeClr val="dk1"/>
@@ -5078,6 +5283,11 @@
         </p:txBody>
       </p:sp>
     </p:spTree>
+    <p:extLst>
+      <p:ext uri="{BB962C8B-B14F-4D97-AF65-F5344CB8AC3E}">
+        <p14:creationId xmlns:p14="http://schemas.microsoft.com/office/powerpoint/2010/main" val="929987932"/>
+      </p:ext>
+    </p:extLst>
   </p:cSld>
   <p:clrMapOvr>
     <a:masterClrMapping/>
@@ -5252,11 +5462,6 @@
         </p:txBody>
       </p:sp>
     </p:spTree>
-    <p:extLst>
-      <p:ext uri="{BB962C8B-B14F-4D97-AF65-F5344CB8AC3E}">
-        <p14:creationId xmlns:p14="http://schemas.microsoft.com/office/powerpoint/2010/main" val="929987932"/>
-      </p:ext>
-    </p:extLst>
   </p:cSld>
   <p:clrMapOvr>
     <a:masterClrMapping/>
@@ -5433,7 +5638,7 @@
     </p:spTree>
     <p:extLst>
       <p:ext uri="{BB962C8B-B14F-4D97-AF65-F5344CB8AC3E}">
-        <p14:creationId xmlns:p14="http://schemas.microsoft.com/office/powerpoint/2010/main" val="1235054983"/>
+        <p14:creationId xmlns:p14="http://schemas.microsoft.com/office/powerpoint/2010/main" val="929987932"/>
       </p:ext>
     </p:extLst>
   </p:cSld>
@@ -39839,6 +40044,281 @@
                 </a:solidFill>
                 <a:sym typeface="Arial"/>
               </a:rPr>
+              <a:t>Our business analysis of the current situation</a:t>
+            </a:r>
+          </a:p>
+          <a:p>
+            <a:pPr marL="284400" indent="-284400">
+              <a:lnSpc>
+                <a:spcPct val="115000"/>
+              </a:lnSpc>
+              <a:spcBef>
+                <a:spcPts val="300"/>
+              </a:spcBef>
+              <a:spcAft>
+                <a:spcPts val="0"/>
+              </a:spcAft>
+            </a:pPr>
+            <a:endParaRPr lang="en-US" dirty="0">
+              <a:solidFill>
+                <a:srgbClr val="3C3C3B"/>
+              </a:solidFill>
+              <a:sym typeface="Arial"/>
+            </a:endParaRPr>
+          </a:p>
+          <a:p>
+            <a:pPr marL="284400" indent="-284400">
+              <a:lnSpc>
+                <a:spcPct val="115000"/>
+              </a:lnSpc>
+              <a:spcBef>
+                <a:spcPts val="300"/>
+              </a:spcBef>
+              <a:spcAft>
+                <a:spcPts val="0"/>
+              </a:spcAft>
+            </a:pPr>
+            <a:endParaRPr lang="en-US" dirty="0" smtClean="0">
+              <a:solidFill>
+                <a:srgbClr val="3C3C3B"/>
+              </a:solidFill>
+              <a:sym typeface="Arial"/>
+            </a:endParaRPr>
+          </a:p>
+          <a:p>
+            <a:pPr marL="284400" indent="-284400">
+              <a:lnSpc>
+                <a:spcPct val="115000"/>
+              </a:lnSpc>
+              <a:spcBef>
+                <a:spcPts val="300"/>
+              </a:spcBef>
+              <a:spcAft>
+                <a:spcPts val="0"/>
+              </a:spcAft>
+            </a:pPr>
+            <a:endParaRPr lang="en" dirty="0">
+              <a:solidFill>
+                <a:srgbClr val="3C3C3B"/>
+              </a:solidFill>
+              <a:sym typeface="Arial"/>
+            </a:endParaRPr>
+          </a:p>
+        </p:txBody>
+      </p:sp>
+      <p:sp>
+        <p:nvSpPr>
+          <p:cNvPr id="500" name="Shape 500"/>
+          <p:cNvSpPr txBox="1">
+            <a:spLocks noGrp="1"/>
+          </p:cNvSpPr>
+          <p:nvPr>
+            <p:ph type="title"/>
+          </p:nvPr>
+        </p:nvSpPr>
+        <p:spPr>
+          <a:xfrm>
+            <a:off x="457200" y="173734"/>
+            <a:ext cx="7229700" cy="699900"/>
+          </a:xfrm>
+          <a:prstGeom prst="rect">
+            <a:avLst/>
+          </a:prstGeom>
+          <a:noFill/>
+          <a:ln>
+            <a:noFill/>
+          </a:ln>
+        </p:spPr>
+        <p:txBody>
+          <a:bodyPr lIns="0" tIns="0" rIns="0" bIns="0" anchor="b" anchorCtr="0">
+            <a:noAutofit/>
+          </a:bodyPr>
+          <a:lstStyle/>
+          <a:p>
+            <a:pPr marL="0" marR="0" lvl="0" indent="0" algn="l" rtl="0">
+              <a:lnSpc>
+                <a:spcPct val="95000"/>
+              </a:lnSpc>
+              <a:spcBef>
+                <a:spcPts val="0"/>
+              </a:spcBef>
+              <a:buClr>
+                <a:schemeClr val="accent1"/>
+              </a:buClr>
+              <a:buSzPct val="25000"/>
+              <a:buFont typeface="Century Gothic"/>
+              <a:buNone/>
+            </a:pPr>
+            <a:r>
+              <a:rPr lang="en-US" dirty="0" smtClean="0"/>
+              <a:t>Recommendations</a:t>
+            </a:r>
+            <a:endParaRPr lang="en" dirty="0"/>
+          </a:p>
+        </p:txBody>
+      </p:sp>
+    </p:spTree>
+    <p:extLst>
+      <p:ext uri="{BB962C8B-B14F-4D97-AF65-F5344CB8AC3E}">
+        <p14:creationId xmlns:p14="http://schemas.microsoft.com/office/powerpoint/2010/main" val="921190258"/>
+      </p:ext>
+    </p:extLst>
+  </p:cSld>
+  <p:clrMapOvr>
+    <a:masterClrMapping/>
+  </p:clrMapOvr>
+  <p:transition spd="med">
+    <p:fade/>
+  </p:transition>
+  <p:timing>
+    <p:tnLst>
+      <p:par>
+        <p:cTn id="1" dur="indefinite" restart="never" nodeType="tmRoot">
+          <p:childTnLst>
+            <p:seq concurrent="1" nextAc="seek">
+              <p:cTn id="2" dur="indefinite" nodeType="mainSeq">
+                <p:childTnLst>
+                  <p:par>
+                    <p:cTn id="3" fill="hold">
+                      <p:stCondLst>
+                        <p:cond delay="indefinite"/>
+                      </p:stCondLst>
+                      <p:childTnLst>
+                        <p:par>
+                          <p:cTn id="4" fill="hold">
+                            <p:stCondLst>
+                              <p:cond delay="0"/>
+                            </p:stCondLst>
+                            <p:childTnLst>
+                              <p:par>
+                                <p:cTn id="5" presetID="1" presetClass="entr" presetSubtype="0" fill="hold" grpId="0" nodeType="clickEffect">
+                                  <p:stCondLst>
+                                    <p:cond delay="0"/>
+                                  </p:stCondLst>
+                                  <p:childTnLst>
+                                    <p:set>
+                                      <p:cBhvr>
+                                        <p:cTn id="6" dur="1" fill="hold">
+                                          <p:stCondLst>
+                                            <p:cond delay="0"/>
+                                          </p:stCondLst>
+                                        </p:cTn>
+                                        <p:tgtEl>
+                                          <p:spTgt spid="499">
+                                            <p:txEl>
+                                              <p:pRg st="0" end="0"/>
+                                            </p:txEl>
+                                          </p:spTgt>
+                                        </p:tgtEl>
+                                        <p:attrNameLst>
+                                          <p:attrName>style.visibility</p:attrName>
+                                        </p:attrNameLst>
+                                      </p:cBhvr>
+                                      <p:to>
+                                        <p:strVal val="visible"/>
+                                      </p:to>
+                                    </p:set>
+                                  </p:childTnLst>
+                                </p:cTn>
+                              </p:par>
+                            </p:childTnLst>
+                          </p:cTn>
+                        </p:par>
+                      </p:childTnLst>
+                    </p:cTn>
+                  </p:par>
+                </p:childTnLst>
+              </p:cTn>
+              <p:prevCondLst>
+                <p:cond evt="onPrev" delay="0">
+                  <p:tgtEl>
+                    <p:sldTgt/>
+                  </p:tgtEl>
+                </p:cond>
+              </p:prevCondLst>
+              <p:nextCondLst>
+                <p:cond evt="onNext" delay="0">
+                  <p:tgtEl>
+                    <p:sldTgt/>
+                  </p:tgtEl>
+                </p:cond>
+              </p:nextCondLst>
+            </p:seq>
+          </p:childTnLst>
+        </p:cTn>
+      </p:par>
+    </p:tnLst>
+    <p:bldLst>
+      <p:bldP spid="499" grpId="0" build="p"/>
+    </p:bldLst>
+  </p:timing>
+</p:sld>
+</file>
+
+<file path=ppt/slides/slide11.xml><?xml version="1.0" encoding="utf-8"?>
+<p:sld xmlns:a="http://schemas.openxmlformats.org/drawingml/2006/main" xmlns:r="http://schemas.openxmlformats.org/officeDocument/2006/relationships" xmlns:p="http://schemas.openxmlformats.org/presentationml/2006/main">
+  <p:cSld>
+    <p:spTree>
+      <p:nvGrpSpPr>
+        <p:cNvPr id="1" name="Shape 498"/>
+        <p:cNvGrpSpPr/>
+        <p:nvPr/>
+      </p:nvGrpSpPr>
+      <p:grpSpPr>
+        <a:xfrm>
+          <a:off x="0" y="0"/>
+          <a:ext cx="0" cy="0"/>
+          <a:chOff x="0" y="0"/>
+          <a:chExt cx="0" cy="0"/>
+        </a:xfrm>
+      </p:grpSpPr>
+      <p:sp>
+        <p:nvSpPr>
+          <p:cNvPr id="499" name="Shape 499"/>
+          <p:cNvSpPr txBox="1">
+            <a:spLocks noGrp="1"/>
+          </p:cNvSpPr>
+          <p:nvPr>
+            <p:ph type="body" idx="1"/>
+          </p:nvPr>
+        </p:nvSpPr>
+        <p:spPr>
+          <a:xfrm>
+            <a:off x="457199" y="1159950"/>
+            <a:ext cx="8229600" cy="3624600"/>
+          </a:xfrm>
+          <a:prstGeom prst="rect">
+            <a:avLst/>
+          </a:prstGeom>
+          <a:noFill/>
+          <a:ln>
+            <a:noFill/>
+          </a:ln>
+        </p:spPr>
+        <p:txBody>
+          <a:bodyPr lIns="0" tIns="0" rIns="0" bIns="0" anchor="t" anchorCtr="0">
+            <a:noAutofit/>
+          </a:bodyPr>
+          <a:lstStyle/>
+          <a:p>
+            <a:pPr marL="284400" indent="-284400">
+              <a:lnSpc>
+                <a:spcPct val="115000"/>
+              </a:lnSpc>
+              <a:spcBef>
+                <a:spcPts val="300"/>
+              </a:spcBef>
+              <a:spcAft>
+                <a:spcPts val="0"/>
+              </a:spcAft>
+            </a:pPr>
+            <a:r>
+              <a:rPr lang="en-US" dirty="0" smtClean="0">
+                <a:solidFill>
+                  <a:srgbClr val="3C3C3B"/>
+                </a:solidFill>
+                <a:sym typeface="Arial"/>
+              </a:rPr>
               <a:t>Reviews and Project completion</a:t>
             </a:r>
           </a:p>
@@ -40108,7 +40588,7 @@
 </p:sld>
 </file>
 
-<file path=ppt/slides/slide11.xml><?xml version="1.0" encoding="utf-8"?>
+<file path=ppt/slides/slide12.xml><?xml version="1.0" encoding="utf-8"?>
 <p:sld xmlns:a="http://schemas.openxmlformats.org/drawingml/2006/main" xmlns:r="http://schemas.openxmlformats.org/officeDocument/2006/relationships" xmlns:p="http://schemas.openxmlformats.org/presentationml/2006/main">
   <p:cSld>
     <p:spTree>
@@ -40318,29 +40798,8 @@
                 <a:cs typeface="Century Gothic"/>
                 <a:sym typeface="Century Gothic"/>
               </a:rPr>
-              <a:t>M</a:t>
+              <a:t>Methodology and Demo</a:t>
             </a:r>
-            <a:r>
-              <a:rPr lang="en-GB" sz="1800" dirty="0" smtClean="0">
-                <a:solidFill>
-                  <a:srgbClr val="3C3C3B"/>
-                </a:solidFill>
-                <a:latin typeface="Century Gothic"/>
-                <a:ea typeface="Century Gothic"/>
-                <a:cs typeface="Century Gothic"/>
-                <a:sym typeface="Century Gothic"/>
-              </a:rPr>
-              <a:t>ethodology and Demo</a:t>
-            </a:r>
-            <a:endParaRPr lang="en-GB" sz="1800" dirty="0" smtClean="0">
-              <a:solidFill>
-                <a:srgbClr val="3C3C3B"/>
-              </a:solidFill>
-              <a:latin typeface="Century Gothic"/>
-              <a:ea typeface="Century Gothic"/>
-              <a:cs typeface="Century Gothic"/>
-              <a:sym typeface="Century Gothic"/>
-            </a:endParaRPr>
           </a:p>
           <a:p>
             <a:pPr marL="285750" lvl="0" indent="-285750" rtl="0">
@@ -40538,33 +40997,7 @@
             </a:pPr>
             <a:r>
               <a:rPr lang="en-US" dirty="0" smtClean="0"/>
-              <a:t>The project progressed as </a:t>
-            </a:r>
-            <a:r>
-              <a:rPr lang="en-US" dirty="0" smtClean="0"/>
-              <a:t>planned.</a:t>
-            </a:r>
-            <a:endParaRPr lang="en-US" dirty="0" smtClean="0"/>
-          </a:p>
-          <a:p>
-            <a:pPr marL="285750" indent="-285750">
-              <a:lnSpc>
-                <a:spcPct val="100000"/>
-              </a:lnSpc>
-              <a:spcBef>
-                <a:spcPts val="1800"/>
-              </a:spcBef>
-              <a:spcAft>
-                <a:spcPts val="0"/>
-              </a:spcAft>
-            </a:pPr>
-            <a:r>
-              <a:rPr lang="en-US" dirty="0" smtClean="0"/>
-              <a:t>We have selected and </a:t>
-            </a:r>
-            <a:r>
-              <a:rPr lang="en-US" dirty="0" smtClean="0"/>
-              <a:t>ingested the relevant data, as well as developed a feed ingestion service for future updates. </a:t>
+              <a:t>The project progressed as planned.</a:t>
             </a:r>
           </a:p>
           <a:p>
@@ -40581,37 +41014,7 @@
             </a:pPr>
             <a:r>
               <a:rPr lang="en-US" dirty="0" smtClean="0"/>
-              <a:t>Explored </a:t>
-            </a:r>
-            <a:r>
-              <a:rPr lang="en-US" dirty="0" smtClean="0"/>
-              <a:t>the data and find a reliable </a:t>
-            </a:r>
-            <a:r>
-              <a:rPr lang="en-US" dirty="0" smtClean="0"/>
-              <a:t>methodology.</a:t>
-            </a:r>
-            <a:endParaRPr lang="en-US" dirty="0" smtClean="0"/>
-          </a:p>
-          <a:p>
-            <a:pPr marL="285750" indent="-285750">
-              <a:lnSpc>
-                <a:spcPct val="100000"/>
-              </a:lnSpc>
-              <a:spcBef>
-                <a:spcPts val="1800"/>
-              </a:spcBef>
-              <a:spcAft>
-                <a:spcPts val="0"/>
-              </a:spcAft>
-            </a:pPr>
-            <a:r>
-              <a:rPr lang="en-US" dirty="0" smtClean="0"/>
-              <a:t>Ready for intermediate results and </a:t>
-            </a:r>
-            <a:r>
-              <a:rPr lang="en-US" dirty="0" smtClean="0"/>
-              <a:t>feedback.</a:t>
+              <a:t>We have selected and ingested the relevant data, as well as developed a feed ingestion service for future updates. </a:t>
             </a:r>
           </a:p>
           <a:p>
@@ -40628,11 +41031,41 @@
             </a:pPr>
             <a:r>
               <a:rPr lang="en-US" dirty="0" smtClean="0"/>
-              <a:t>Current</a:t>
+              <a:t>Explored the data and find a reliable methodology.</a:t>
             </a:r>
+          </a:p>
+          <a:p>
+            <a:pPr marL="285750" indent="-285750">
+              <a:lnSpc>
+                <a:spcPct val="100000"/>
+              </a:lnSpc>
+              <a:spcBef>
+                <a:spcPts val="1800"/>
+              </a:spcBef>
+              <a:spcAft>
+                <a:spcPts val="0"/>
+              </a:spcAft>
+            </a:pPr>
             <a:r>
               <a:rPr lang="en-US" dirty="0" smtClean="0"/>
-              <a:t> Results for non ADS-B population show that: </a:t>
+              <a:t>Ready for intermediate results and feedback.</a:t>
+            </a:r>
+          </a:p>
+          <a:p>
+            <a:pPr marL="285750" indent="-285750">
+              <a:lnSpc>
+                <a:spcPct val="100000"/>
+              </a:lnSpc>
+              <a:spcBef>
+                <a:spcPts val="1800"/>
+              </a:spcBef>
+              <a:spcAft>
+                <a:spcPts val="0"/>
+              </a:spcAft>
+            </a:pPr>
+            <a:r>
+              <a:rPr lang="en-US" dirty="0" smtClean="0"/>
+              <a:t>Current Results for non ADS-B population show that: </a:t>
             </a:r>
           </a:p>
           <a:p>
@@ -40672,7 +41105,6 @@
               <a:rPr lang="en-US" dirty="0" smtClean="0"/>
               <a:t>Targeting airlines x and y only</a:t>
             </a:r>
-            <a:endParaRPr lang="en-US" dirty="0" smtClean="0"/>
           </a:p>
         </p:txBody>
       </p:sp>
@@ -42816,10 +43248,6 @@
               </a:rPr>
               <a:t>Bureau of Transportation Statistics</a:t>
             </a:r>
-            <a:endParaRPr lang="en-US" dirty="0" smtClean="0">
-              <a:latin typeface="Century Gothic"/>
-              <a:cs typeface="Century Gothic"/>
-            </a:endParaRPr>
           </a:p>
         </p:txBody>
       </p:sp>
@@ -42949,7 +43377,6 @@
               <a:rPr lang="en-US" dirty="0" smtClean="0"/>
               <a:t>Data from the last 7 years</a:t>
             </a:r>
-            <a:endParaRPr lang="en-US" dirty="0" smtClean="0"/>
           </a:p>
           <a:p>
             <a:pPr marL="285750" indent="-285750">
@@ -43326,6 +43753,1651 @@
       </p:grpSpPr>
       <p:sp>
         <p:nvSpPr>
+          <p:cNvPr id="500" name="Shape 500"/>
+          <p:cNvSpPr txBox="1">
+            <a:spLocks noGrp="1"/>
+          </p:cNvSpPr>
+          <p:nvPr>
+            <p:ph type="title"/>
+          </p:nvPr>
+        </p:nvSpPr>
+        <p:spPr>
+          <a:xfrm>
+            <a:off x="457200" y="173734"/>
+            <a:ext cx="7229700" cy="699900"/>
+          </a:xfrm>
+          <a:prstGeom prst="rect">
+            <a:avLst/>
+          </a:prstGeom>
+          <a:noFill/>
+          <a:ln>
+            <a:noFill/>
+          </a:ln>
+        </p:spPr>
+        <p:txBody>
+          <a:bodyPr lIns="0" tIns="0" rIns="0" bIns="0" anchor="b" anchorCtr="0">
+            <a:noAutofit/>
+          </a:bodyPr>
+          <a:lstStyle/>
+          <a:p>
+            <a:pPr marL="0" marR="0" lvl="0" indent="0" algn="l" rtl="0">
+              <a:lnSpc>
+                <a:spcPct val="95000"/>
+              </a:lnSpc>
+              <a:spcBef>
+                <a:spcPts val="0"/>
+              </a:spcBef>
+              <a:buClr>
+                <a:schemeClr val="accent1"/>
+              </a:buClr>
+              <a:buSzPct val="25000"/>
+              <a:buFont typeface="Century Gothic"/>
+              <a:buNone/>
+            </a:pPr>
+            <a:r>
+              <a:rPr lang="en-US" dirty="0" smtClean="0"/>
+              <a:t>Architecture</a:t>
+            </a:r>
+            <a:endParaRPr lang="en" dirty="0"/>
+          </a:p>
+        </p:txBody>
+      </p:sp>
+      <p:sp>
+        <p:nvSpPr>
+          <p:cNvPr id="85" name="오각형 114"/>
+          <p:cNvSpPr/>
+          <p:nvPr/>
+        </p:nvSpPr>
+        <p:spPr>
+          <a:xfrm>
+            <a:off x="683568" y="1110382"/>
+            <a:ext cx="1392399" cy="320211"/>
+          </a:xfrm>
+          <a:prstGeom prst="homePlate">
+            <a:avLst/>
+          </a:prstGeom>
+          <a:solidFill>
+            <a:schemeClr val="accent1"/>
+          </a:solidFill>
+          <a:ln w="25400" cap="flat" cmpd="sng" algn="ctr">
+            <a:noFill/>
+            <a:prstDash val="solid"/>
+          </a:ln>
+          <a:effectLst/>
+        </p:spPr>
+        <p:txBody>
+          <a:bodyPr lIns="36000" tIns="36000" rIns="36000" bIns="36000" rtlCol="0" anchor="ctr"/>
+          <a:lstStyle/>
+          <a:p>
+            <a:pPr algn="ctr" fontAlgn="base">
+              <a:spcBef>
+                <a:spcPct val="0"/>
+              </a:spcBef>
+              <a:spcAft>
+                <a:spcPct val="0"/>
+              </a:spcAft>
+              <a:defRPr/>
+            </a:pPr>
+            <a:r>
+              <a:rPr lang="ko-KR" altLang="en-US" sz="1200" b="1" dirty="0" smtClean="0">
+                <a:solidFill>
+                  <a:prstClr val="white"/>
+                </a:solidFill>
+                <a:latin typeface="맑은 고딕" panose="020B0503020000020004" pitchFamily="50" charset="-127"/>
+                <a:ea typeface="맑은 고딕"/>
+              </a:rPr>
+              <a:t>데이터 원천</a:t>
+            </a:r>
+          </a:p>
+        </p:txBody>
+      </p:sp>
+      <p:sp>
+        <p:nvSpPr>
+          <p:cNvPr id="86" name="갈매기형 수장 115"/>
+          <p:cNvSpPr/>
+          <p:nvPr/>
+        </p:nvSpPr>
+        <p:spPr>
+          <a:xfrm>
+            <a:off x="2249487" y="1110382"/>
+            <a:ext cx="1392399" cy="320211"/>
+          </a:xfrm>
+          <a:prstGeom prst="chevron">
+            <a:avLst/>
+          </a:prstGeom>
+          <a:solidFill>
+            <a:schemeClr val="accent1"/>
+          </a:solidFill>
+          <a:ln w="25400" cap="flat" cmpd="sng" algn="ctr">
+            <a:noFill/>
+            <a:prstDash val="solid"/>
+          </a:ln>
+          <a:effectLst/>
+        </p:spPr>
+        <p:txBody>
+          <a:bodyPr rtlCol="0" anchor="ctr"/>
+          <a:lstStyle/>
+          <a:p>
+            <a:pPr algn="ctr" fontAlgn="base">
+              <a:spcBef>
+                <a:spcPct val="0"/>
+              </a:spcBef>
+              <a:spcAft>
+                <a:spcPct val="0"/>
+              </a:spcAft>
+              <a:defRPr/>
+            </a:pPr>
+            <a:r>
+              <a:rPr lang="en-US" altLang="ko-KR" sz="1200" b="1" dirty="0" smtClean="0">
+                <a:solidFill>
+                  <a:prstClr val="white"/>
+                </a:solidFill>
+                <a:latin typeface="맑은 고딕" panose="020B0503020000020004" pitchFamily="50" charset="-127"/>
+                <a:ea typeface="맑은 고딕"/>
+              </a:rPr>
+              <a:t>Ingest</a:t>
+            </a:r>
+            <a:endParaRPr lang="ko-KR" altLang="en-US" sz="1200" b="1" dirty="0" smtClean="0">
+              <a:solidFill>
+                <a:prstClr val="white"/>
+              </a:solidFill>
+              <a:latin typeface="맑은 고딕" panose="020B0503020000020004" pitchFamily="50" charset="-127"/>
+              <a:ea typeface="맑은 고딕"/>
+            </a:endParaRPr>
+          </a:p>
+        </p:txBody>
+      </p:sp>
+      <p:sp>
+        <p:nvSpPr>
+          <p:cNvPr id="87" name="갈매기형 수장 117"/>
+          <p:cNvSpPr/>
+          <p:nvPr/>
+        </p:nvSpPr>
+        <p:spPr>
+          <a:xfrm>
+            <a:off x="3753652" y="1110382"/>
+            <a:ext cx="4562764" cy="320211"/>
+          </a:xfrm>
+          <a:prstGeom prst="chevron">
+            <a:avLst/>
+          </a:prstGeom>
+          <a:solidFill>
+            <a:schemeClr val="accent1"/>
+          </a:solidFill>
+          <a:ln w="25400" cap="flat" cmpd="sng" algn="ctr">
+            <a:noFill/>
+            <a:prstDash val="solid"/>
+          </a:ln>
+          <a:effectLst/>
+        </p:spPr>
+        <p:txBody>
+          <a:bodyPr rtlCol="0" anchor="ctr"/>
+          <a:lstStyle/>
+          <a:p>
+            <a:pPr algn="ctr" fontAlgn="base">
+              <a:spcBef>
+                <a:spcPct val="0"/>
+              </a:spcBef>
+              <a:spcAft>
+                <a:spcPct val="0"/>
+              </a:spcAft>
+              <a:defRPr/>
+            </a:pPr>
+            <a:r>
+              <a:rPr lang="en-US" altLang="ko-KR" sz="1200" b="1" dirty="0" smtClean="0">
+                <a:solidFill>
+                  <a:prstClr val="white"/>
+                </a:solidFill>
+                <a:latin typeface="맑은 고딕" panose="020B0503020000020004" pitchFamily="50" charset="-127"/>
+                <a:ea typeface="맑은 고딕"/>
+              </a:rPr>
+              <a:t>Data Lake</a:t>
+            </a:r>
+            <a:endParaRPr lang="en-US" altLang="ko-KR" sz="1200" b="1" dirty="0" smtClean="0">
+              <a:solidFill>
+                <a:prstClr val="white"/>
+              </a:solidFill>
+              <a:latin typeface="맑은 고딕" panose="020B0503020000020004" pitchFamily="50" charset="-127"/>
+              <a:ea typeface="맑은 고딕"/>
+            </a:endParaRPr>
+          </a:p>
+        </p:txBody>
+      </p:sp>
+      <p:sp>
+        <p:nvSpPr>
+          <p:cNvPr id="90" name="오각형 114"/>
+          <p:cNvSpPr/>
+          <p:nvPr/>
+        </p:nvSpPr>
+        <p:spPr>
+          <a:xfrm>
+            <a:off x="611560" y="1120542"/>
+            <a:ext cx="1329131" cy="320211"/>
+          </a:xfrm>
+          <a:prstGeom prst="homePlate">
+            <a:avLst/>
+          </a:prstGeom>
+          <a:solidFill>
+            <a:schemeClr val="accent1"/>
+          </a:solidFill>
+          <a:ln w="25400" cap="flat" cmpd="sng" algn="ctr">
+            <a:noFill/>
+            <a:prstDash val="solid"/>
+          </a:ln>
+          <a:effectLst/>
+        </p:spPr>
+        <p:txBody>
+          <a:bodyPr lIns="36000" tIns="36000" rIns="36000" bIns="36000" rtlCol="0" anchor="ctr"/>
+          <a:lstStyle/>
+          <a:p>
+            <a:pPr algn="ctr" fontAlgn="base">
+              <a:spcBef>
+                <a:spcPct val="0"/>
+              </a:spcBef>
+              <a:spcAft>
+                <a:spcPct val="0"/>
+              </a:spcAft>
+              <a:defRPr/>
+            </a:pPr>
+            <a:r>
+              <a:rPr lang="en-US" altLang="ko-KR" sz="1200" b="1" dirty="0" smtClean="0">
+                <a:solidFill>
+                  <a:prstClr val="white"/>
+                </a:solidFill>
+                <a:latin typeface="맑은 고딕" panose="020B0503020000020004" pitchFamily="50" charset="-127"/>
+                <a:ea typeface="맑은 고딕"/>
+              </a:rPr>
+              <a:t>SOURCE</a:t>
+            </a:r>
+            <a:endParaRPr lang="ko-KR" altLang="en-US" sz="1200" b="1" dirty="0" smtClean="0">
+              <a:solidFill>
+                <a:prstClr val="white"/>
+              </a:solidFill>
+              <a:latin typeface="맑은 고딕" panose="020B0503020000020004" pitchFamily="50" charset="-127"/>
+              <a:ea typeface="맑은 고딕"/>
+            </a:endParaRPr>
+          </a:p>
+        </p:txBody>
+      </p:sp>
+      <p:sp>
+        <p:nvSpPr>
+          <p:cNvPr id="95" name="직사각형 110"/>
+          <p:cNvSpPr/>
+          <p:nvPr/>
+        </p:nvSpPr>
+        <p:spPr>
+          <a:xfrm>
+            <a:off x="754835" y="1591919"/>
+            <a:ext cx="1055265" cy="1617939"/>
+          </a:xfrm>
+          <a:prstGeom prst="rect">
+            <a:avLst/>
+          </a:prstGeom>
+          <a:solidFill>
+            <a:sysClr val="window" lastClr="FFFFFF">
+              <a:lumMod val="95000"/>
+            </a:sysClr>
+          </a:solidFill>
+          <a:ln w="9525">
+            <a:solidFill>
+              <a:sysClr val="window" lastClr="FFFFFF">
+                <a:lumMod val="65000"/>
+              </a:sysClr>
+            </a:solidFill>
+            <a:miter lim="800000"/>
+            <a:headEnd/>
+            <a:tailEnd/>
+          </a:ln>
+          <a:effectLst/>
+        </p:spPr>
+        <p:txBody>
+          <a:bodyPr wrap="square" lIns="0" tIns="91440" rIns="0" bIns="91440" rtlCol="0" anchor="ctr">
+            <a:prstTxWarp prst="textNoShape">
+              <a:avLst/>
+            </a:prstTxWarp>
+            <a:noAutofit/>
+          </a:bodyPr>
+          <a:lstStyle/>
+          <a:p>
+            <a:pPr algn="ctr" fontAlgn="base">
+              <a:spcBef>
+                <a:spcPct val="0"/>
+              </a:spcBef>
+              <a:spcAft>
+                <a:spcPct val="0"/>
+              </a:spcAft>
+            </a:pPr>
+            <a:r>
+              <a:rPr lang="en-US" altLang="ko-KR" sz="1000" b="1" dirty="0">
+                <a:latin typeface="Arial" panose="020B0604020202020204" pitchFamily="34" charset="0"/>
+                <a:cs typeface="Arial" panose="020B0604020202020204" pitchFamily="34" charset="0"/>
+              </a:rPr>
+              <a:t>AIRCRAFT </a:t>
+            </a:r>
+            <a:r>
+              <a:rPr lang="en-US" altLang="ko-KR" sz="1000" b="1" dirty="0" smtClean="0">
+                <a:latin typeface="Arial" panose="020B0604020202020204" pitchFamily="34" charset="0"/>
+                <a:cs typeface="Arial" panose="020B0604020202020204" pitchFamily="34" charset="0"/>
+              </a:rPr>
+              <a:t>REGISTRATION</a:t>
+            </a:r>
+          </a:p>
+          <a:p>
+            <a:pPr algn="ctr" fontAlgn="base">
+              <a:spcBef>
+                <a:spcPct val="0"/>
+              </a:spcBef>
+              <a:spcAft>
+                <a:spcPct val="0"/>
+              </a:spcAft>
+            </a:pPr>
+            <a:r>
+              <a:rPr lang="en-US" altLang="ko-KR" sz="1100" b="1" dirty="0" smtClean="0">
+                <a:solidFill>
+                  <a:srgbClr val="3C3C3B"/>
+                </a:solidFill>
+                <a:latin typeface="Arial" panose="020B0604020202020204" pitchFamily="34" charset="0"/>
+                <a:ea typeface="맑은 고딕" panose="020B0503020000020004" pitchFamily="50" charset="-127"/>
+                <a:cs typeface="Arial" panose="020B0604020202020204" pitchFamily="34" charset="0"/>
+              </a:rPr>
+              <a:t>(Text)</a:t>
+            </a:r>
+            <a:endParaRPr kumimoji="0" lang="ko-KR" altLang="en-US" sz="1100" b="1" i="0" u="none" strike="noStrike" kern="0" cap="none" spc="0" normalizeH="0" baseline="0" noProof="0" dirty="0" smtClean="0">
+              <a:ln>
+                <a:noFill/>
+              </a:ln>
+              <a:solidFill>
+                <a:srgbClr val="3C3C3B"/>
+              </a:solidFill>
+              <a:effectLst/>
+              <a:uLnTx/>
+              <a:uFillTx/>
+              <a:latin typeface="Arial" panose="020B0604020202020204" pitchFamily="34" charset="0"/>
+              <a:ea typeface="맑은 고딕" panose="020B0503020000020004" pitchFamily="50" charset="-127"/>
+              <a:cs typeface="Arial" panose="020B0604020202020204" pitchFamily="34" charset="0"/>
+            </a:endParaRPr>
+          </a:p>
+        </p:txBody>
+      </p:sp>
+      <p:sp>
+        <p:nvSpPr>
+          <p:cNvPr id="120" name="Rectangle 119"/>
+          <p:cNvSpPr/>
+          <p:nvPr/>
+        </p:nvSpPr>
+        <p:spPr bwMode="auto">
+          <a:xfrm>
+            <a:off x="657308" y="1491630"/>
+            <a:ext cx="1208734" cy="3443137"/>
+          </a:xfrm>
+          <a:prstGeom prst="rect">
+            <a:avLst/>
+          </a:prstGeom>
+          <a:noFill/>
+          <a:ln>
+            <a:solidFill>
+              <a:srgbClr val="3C3C3B"/>
+            </a:solidFill>
+          </a:ln>
+          <a:effectLst/>
+          <a:extLst/>
+        </p:spPr>
+        <p:txBody>
+          <a:bodyPr wrap="none" rtlCol="0" anchor="ctr"/>
+          <a:lstStyle/>
+          <a:p>
+            <a:pPr marL="0" marR="0" lvl="0" indent="0" algn="ctr" defTabSz="914400" eaLnBrk="1" fontAlgn="auto" latinLnBrk="1" hangingPunct="1">
+              <a:lnSpc>
+                <a:spcPct val="100000"/>
+              </a:lnSpc>
+              <a:spcBef>
+                <a:spcPts val="0"/>
+              </a:spcBef>
+              <a:spcAft>
+                <a:spcPts val="0"/>
+              </a:spcAft>
+              <a:buClrTx/>
+              <a:buSzTx/>
+              <a:buFontTx/>
+              <a:buNone/>
+              <a:tabLst/>
+              <a:defRPr/>
+            </a:pPr>
+            <a:endParaRPr kumimoji="0" lang="ko-KR" altLang="en-US" sz="1800" b="0" i="0" u="none" strike="noStrike" kern="1200" cap="none" spc="0" normalizeH="0" baseline="0" noProof="0" dirty="0" smtClean="0">
+              <a:ln>
+                <a:noFill/>
+              </a:ln>
+              <a:solidFill>
+                <a:srgbClr val="3C3C3B"/>
+              </a:solidFill>
+              <a:effectLst/>
+              <a:uLnTx/>
+              <a:uFillTx/>
+              <a:latin typeface="맑은 고딕" pitchFamily="50" charset="-127"/>
+              <a:ea typeface="맑은 고딕" pitchFamily="50" charset="-127"/>
+            </a:endParaRPr>
+          </a:p>
+        </p:txBody>
+      </p:sp>
+      <p:sp>
+        <p:nvSpPr>
+          <p:cNvPr id="134" name="직사각형 110"/>
+          <p:cNvSpPr/>
+          <p:nvPr/>
+        </p:nvSpPr>
+        <p:spPr>
+          <a:xfrm>
+            <a:off x="749559" y="3392119"/>
+            <a:ext cx="1065817" cy="537819"/>
+          </a:xfrm>
+          <a:prstGeom prst="rect">
+            <a:avLst/>
+          </a:prstGeom>
+          <a:solidFill>
+            <a:sysClr val="window" lastClr="FFFFFF">
+              <a:lumMod val="95000"/>
+            </a:sysClr>
+          </a:solidFill>
+          <a:ln w="9525">
+            <a:solidFill>
+              <a:sysClr val="window" lastClr="FFFFFF">
+                <a:lumMod val="65000"/>
+              </a:sysClr>
+            </a:solidFill>
+            <a:miter lim="800000"/>
+            <a:headEnd/>
+            <a:tailEnd/>
+          </a:ln>
+          <a:effectLst/>
+        </p:spPr>
+        <p:txBody>
+          <a:bodyPr wrap="square" lIns="0" tIns="91440" rIns="0" bIns="91440" rtlCol="0" anchor="ctr">
+            <a:prstTxWarp prst="textNoShape">
+              <a:avLst/>
+            </a:prstTxWarp>
+            <a:noAutofit/>
+          </a:bodyPr>
+          <a:lstStyle/>
+          <a:p>
+            <a:pPr algn="ctr"/>
+            <a:r>
+              <a:rPr lang="en-US" altLang="ko-KR" sz="1100" b="1" dirty="0" smtClean="0">
+                <a:latin typeface="Arial" panose="020B0604020202020204" pitchFamily="34" charset="0"/>
+                <a:cs typeface="Arial" panose="020B0604020202020204" pitchFamily="34" charset="0"/>
+              </a:rPr>
+              <a:t>Flight Data</a:t>
+            </a:r>
+          </a:p>
+          <a:p>
+            <a:pPr algn="ctr"/>
+            <a:r>
+              <a:rPr kumimoji="0" lang="en-US" altLang="ko-KR" sz="1100" b="1" i="0" u="none" strike="noStrike" kern="0" cap="none" spc="0" normalizeH="0" baseline="0" noProof="0" dirty="0" smtClean="0">
+                <a:ln>
+                  <a:noFill/>
+                </a:ln>
+                <a:solidFill>
+                  <a:srgbClr val="3C3C3B"/>
+                </a:solidFill>
+                <a:effectLst/>
+                <a:uLnTx/>
+                <a:uFillTx/>
+                <a:latin typeface="Arial" panose="020B0604020202020204" pitchFamily="34" charset="0"/>
+                <a:ea typeface="맑은 고딕" panose="020B0503020000020004" pitchFamily="50" charset="-127"/>
+                <a:cs typeface="Arial" panose="020B0604020202020204" pitchFamily="34" charset="0"/>
+              </a:rPr>
+              <a:t>(parquet)</a:t>
+            </a:r>
+            <a:endParaRPr kumimoji="0" lang="ko-KR" altLang="en-US" sz="1100" b="1" i="0" u="none" strike="noStrike" kern="0" cap="none" spc="0" normalizeH="0" baseline="0" noProof="0" dirty="0" smtClean="0">
+              <a:ln>
+                <a:noFill/>
+              </a:ln>
+              <a:solidFill>
+                <a:srgbClr val="3C3C3B"/>
+              </a:solidFill>
+              <a:effectLst/>
+              <a:uLnTx/>
+              <a:uFillTx/>
+              <a:latin typeface="Arial" panose="020B0604020202020204" pitchFamily="34" charset="0"/>
+              <a:ea typeface="맑은 고딕" panose="020B0503020000020004" pitchFamily="50" charset="-127"/>
+              <a:cs typeface="Arial" panose="020B0604020202020204" pitchFamily="34" charset="0"/>
+            </a:endParaRPr>
+          </a:p>
+        </p:txBody>
+      </p:sp>
+      <p:sp>
+        <p:nvSpPr>
+          <p:cNvPr id="136" name="직사각형 110"/>
+          <p:cNvSpPr/>
+          <p:nvPr/>
+        </p:nvSpPr>
+        <p:spPr>
+          <a:xfrm>
+            <a:off x="749559" y="4116442"/>
+            <a:ext cx="1065817" cy="715837"/>
+          </a:xfrm>
+          <a:prstGeom prst="rect">
+            <a:avLst/>
+          </a:prstGeom>
+          <a:solidFill>
+            <a:sysClr val="window" lastClr="FFFFFF">
+              <a:lumMod val="95000"/>
+            </a:sysClr>
+          </a:solidFill>
+          <a:ln w="9525">
+            <a:solidFill>
+              <a:sysClr val="window" lastClr="FFFFFF">
+                <a:lumMod val="65000"/>
+              </a:sysClr>
+            </a:solidFill>
+            <a:miter lim="800000"/>
+            <a:headEnd/>
+            <a:tailEnd/>
+          </a:ln>
+          <a:effectLst/>
+        </p:spPr>
+        <p:txBody>
+          <a:bodyPr wrap="square" lIns="0" tIns="91440" rIns="0" bIns="91440" rtlCol="0" anchor="ctr">
+            <a:prstTxWarp prst="textNoShape">
+              <a:avLst/>
+            </a:prstTxWarp>
+            <a:noAutofit/>
+          </a:bodyPr>
+          <a:lstStyle/>
+          <a:p>
+            <a:pPr algn="ctr"/>
+            <a:r>
+              <a:rPr lang="en-US" altLang="ko-KR" sz="1100" b="1" dirty="0" smtClean="0">
+                <a:latin typeface="Arial" panose="020B0604020202020204" pitchFamily="34" charset="0"/>
+                <a:cs typeface="Arial" panose="020B0604020202020204" pitchFamily="34" charset="0"/>
+              </a:rPr>
+              <a:t>ADSB</a:t>
+            </a:r>
+          </a:p>
+          <a:p>
+            <a:pPr algn="ctr"/>
+            <a:r>
+              <a:rPr lang="en-US" altLang="ko-KR" sz="1100" b="1" dirty="0" smtClean="0">
+                <a:latin typeface="Arial" panose="020B0604020202020204" pitchFamily="34" charset="0"/>
+                <a:cs typeface="Arial" panose="020B0604020202020204" pitchFamily="34" charset="0"/>
+              </a:rPr>
+              <a:t>Exchange</a:t>
+            </a:r>
+            <a:endParaRPr lang="en-US" altLang="ko-KR" sz="1100" b="1" dirty="0">
+              <a:solidFill>
+                <a:srgbClr val="3C3C3B"/>
+              </a:solidFill>
+              <a:latin typeface="Arial" panose="020B0604020202020204" pitchFamily="34" charset="0"/>
+              <a:ea typeface="맑은 고딕" panose="020B0503020000020004" pitchFamily="50" charset="-127"/>
+              <a:cs typeface="Arial" panose="020B0604020202020204" pitchFamily="34" charset="0"/>
+            </a:endParaRPr>
+          </a:p>
+          <a:p>
+            <a:pPr algn="ctr"/>
+            <a:r>
+              <a:rPr kumimoji="0" lang="en-US" altLang="ko-KR" sz="1100" b="1" i="0" u="none" strike="noStrike" kern="0" cap="none" spc="0" normalizeH="0" baseline="0" noProof="0" dirty="0" smtClean="0">
+                <a:ln>
+                  <a:noFill/>
+                </a:ln>
+                <a:solidFill>
+                  <a:srgbClr val="3C3C3B"/>
+                </a:solidFill>
+                <a:effectLst/>
+                <a:uLnTx/>
+                <a:uFillTx/>
+                <a:latin typeface="Arial" panose="020B0604020202020204" pitchFamily="34" charset="0"/>
+                <a:ea typeface="맑은 고딕" panose="020B0503020000020004" pitchFamily="50" charset="-127"/>
+                <a:cs typeface="Arial" panose="020B0604020202020204" pitchFamily="34" charset="0"/>
+              </a:rPr>
+              <a:t>(</a:t>
+            </a:r>
+            <a:r>
+              <a:rPr kumimoji="0" lang="en-US" altLang="ko-KR" sz="1100" b="1" i="0" u="none" strike="noStrike" kern="0" cap="none" spc="0" normalizeH="0" baseline="0" noProof="0" dirty="0" err="1" smtClean="0">
+                <a:ln>
+                  <a:noFill/>
+                </a:ln>
+                <a:solidFill>
+                  <a:srgbClr val="3C3C3B"/>
+                </a:solidFill>
+                <a:effectLst/>
+                <a:uLnTx/>
+                <a:uFillTx/>
+                <a:latin typeface="Arial" panose="020B0604020202020204" pitchFamily="34" charset="0"/>
+                <a:ea typeface="맑은 고딕" panose="020B0503020000020004" pitchFamily="50" charset="-127"/>
+                <a:cs typeface="Arial" panose="020B0604020202020204" pitchFamily="34" charset="0"/>
+              </a:rPr>
+              <a:t>Json</a:t>
+            </a:r>
+            <a:r>
+              <a:rPr kumimoji="0" lang="en-US" altLang="ko-KR" sz="1100" b="1" i="0" u="none" strike="noStrike" kern="0" cap="none" spc="0" normalizeH="0" baseline="0" noProof="0" dirty="0" smtClean="0">
+                <a:ln>
+                  <a:noFill/>
+                </a:ln>
+                <a:solidFill>
+                  <a:srgbClr val="3C3C3B"/>
+                </a:solidFill>
+                <a:effectLst/>
+                <a:uLnTx/>
+                <a:uFillTx/>
+                <a:latin typeface="Arial" panose="020B0604020202020204" pitchFamily="34" charset="0"/>
+                <a:ea typeface="맑은 고딕" panose="020B0503020000020004" pitchFamily="50" charset="-127"/>
+                <a:cs typeface="Arial" panose="020B0604020202020204" pitchFamily="34" charset="0"/>
+              </a:rPr>
+              <a:t>)</a:t>
+            </a:r>
+            <a:endParaRPr kumimoji="0" lang="ko-KR" altLang="en-US" sz="1100" b="1" i="0" u="none" strike="noStrike" kern="0" cap="none" spc="0" normalizeH="0" baseline="0" noProof="0" dirty="0" smtClean="0">
+              <a:ln>
+                <a:noFill/>
+              </a:ln>
+              <a:solidFill>
+                <a:srgbClr val="3C3C3B"/>
+              </a:solidFill>
+              <a:effectLst/>
+              <a:uLnTx/>
+              <a:uFillTx/>
+              <a:latin typeface="Arial" panose="020B0604020202020204" pitchFamily="34" charset="0"/>
+              <a:ea typeface="맑은 고딕" panose="020B0503020000020004" pitchFamily="50" charset="-127"/>
+              <a:cs typeface="Arial" panose="020B0604020202020204" pitchFamily="34" charset="0"/>
+            </a:endParaRPr>
+          </a:p>
+        </p:txBody>
+      </p:sp>
+      <p:sp>
+        <p:nvSpPr>
+          <p:cNvPr id="137" name="Rectangle 136"/>
+          <p:cNvSpPr/>
+          <p:nvPr/>
+        </p:nvSpPr>
+        <p:spPr bwMode="auto">
+          <a:xfrm>
+            <a:off x="2265730" y="1491630"/>
+            <a:ext cx="1297611" cy="3443137"/>
+          </a:xfrm>
+          <a:prstGeom prst="rect">
+            <a:avLst/>
+          </a:prstGeom>
+          <a:noFill/>
+          <a:ln>
+            <a:solidFill>
+              <a:srgbClr val="3C3C3B"/>
+            </a:solidFill>
+          </a:ln>
+          <a:effectLst/>
+          <a:extLst/>
+        </p:spPr>
+        <p:txBody>
+          <a:bodyPr wrap="none" rtlCol="0" anchor="ctr"/>
+          <a:lstStyle/>
+          <a:p>
+            <a:pPr marL="0" marR="0" lvl="0" indent="0" algn="ctr" defTabSz="914400" eaLnBrk="1" fontAlgn="auto" latinLnBrk="1" hangingPunct="1">
+              <a:lnSpc>
+                <a:spcPct val="100000"/>
+              </a:lnSpc>
+              <a:spcBef>
+                <a:spcPts val="0"/>
+              </a:spcBef>
+              <a:spcAft>
+                <a:spcPts val="0"/>
+              </a:spcAft>
+              <a:buClrTx/>
+              <a:buSzTx/>
+              <a:buFontTx/>
+              <a:buNone/>
+              <a:tabLst/>
+              <a:defRPr/>
+            </a:pPr>
+            <a:endParaRPr kumimoji="0" lang="ko-KR" altLang="en-US" sz="1800" b="0" i="0" u="none" strike="noStrike" kern="1200" cap="none" spc="0" normalizeH="0" baseline="0" noProof="0" dirty="0" smtClean="0">
+              <a:ln>
+                <a:noFill/>
+              </a:ln>
+              <a:solidFill>
+                <a:srgbClr val="3C3C3B"/>
+              </a:solidFill>
+              <a:effectLst/>
+              <a:uLnTx/>
+              <a:uFillTx/>
+              <a:latin typeface="맑은 고딕" pitchFamily="50" charset="-127"/>
+              <a:ea typeface="맑은 고딕" pitchFamily="50" charset="-127"/>
+            </a:endParaRPr>
+          </a:p>
+        </p:txBody>
+      </p:sp>
+      <p:sp>
+        <p:nvSpPr>
+          <p:cNvPr id="138" name="직사각형 110"/>
+          <p:cNvSpPr/>
+          <p:nvPr/>
+        </p:nvSpPr>
+        <p:spPr>
+          <a:xfrm>
+            <a:off x="2427275" y="1581759"/>
+            <a:ext cx="974519" cy="3240359"/>
+          </a:xfrm>
+          <a:prstGeom prst="rect">
+            <a:avLst/>
+          </a:prstGeom>
+          <a:solidFill>
+            <a:sysClr val="window" lastClr="FFFFFF">
+              <a:lumMod val="95000"/>
+            </a:sysClr>
+          </a:solidFill>
+          <a:ln w="9525">
+            <a:solidFill>
+              <a:sysClr val="window" lastClr="FFFFFF">
+                <a:lumMod val="65000"/>
+              </a:sysClr>
+            </a:solidFill>
+            <a:miter lim="800000"/>
+            <a:headEnd/>
+            <a:tailEnd/>
+          </a:ln>
+          <a:effectLst/>
+        </p:spPr>
+        <p:txBody>
+          <a:bodyPr wrap="square" lIns="0" tIns="91440" rIns="0" bIns="91440" rtlCol="0" anchor="ctr">
+            <a:prstTxWarp prst="textNoShape">
+              <a:avLst/>
+            </a:prstTxWarp>
+            <a:noAutofit/>
+          </a:bodyPr>
+          <a:lstStyle/>
+          <a:p>
+            <a:pPr algn="ctr" fontAlgn="base">
+              <a:spcBef>
+                <a:spcPct val="0"/>
+              </a:spcBef>
+              <a:spcAft>
+                <a:spcPct val="0"/>
+              </a:spcAft>
+            </a:pPr>
+            <a:r>
+              <a:rPr lang="en-US" altLang="ko-KR" sz="1100" b="1" dirty="0" smtClean="0">
+                <a:latin typeface="Arial" panose="020B0604020202020204" pitchFamily="34" charset="0"/>
+                <a:cs typeface="Arial" panose="020B0604020202020204" pitchFamily="34" charset="0"/>
+              </a:rPr>
+              <a:t>Batch</a:t>
+            </a:r>
+          </a:p>
+          <a:p>
+            <a:pPr algn="ctr" fontAlgn="base">
+              <a:spcBef>
+                <a:spcPct val="0"/>
+              </a:spcBef>
+              <a:spcAft>
+                <a:spcPct val="0"/>
+              </a:spcAft>
+            </a:pPr>
+            <a:r>
+              <a:rPr kumimoji="0" lang="en-US" altLang="ko-KR" sz="1100" b="1" i="0" u="none" strike="noStrike" kern="0" cap="none" spc="0" normalizeH="0" baseline="0" noProof="0" dirty="0" smtClean="0">
+                <a:ln>
+                  <a:noFill/>
+                </a:ln>
+                <a:solidFill>
+                  <a:srgbClr val="3C3C3B"/>
+                </a:solidFill>
+                <a:effectLst/>
+                <a:uLnTx/>
+                <a:uFillTx/>
+                <a:latin typeface="Arial" panose="020B0604020202020204" pitchFamily="34" charset="0"/>
+                <a:ea typeface="맑은 고딕" panose="020B0503020000020004" pitchFamily="50" charset="-127"/>
+                <a:cs typeface="Arial" panose="020B0604020202020204" pitchFamily="34" charset="0"/>
+              </a:rPr>
+              <a:t>(Bash</a:t>
+            </a:r>
+            <a:r>
+              <a:rPr kumimoji="0" lang="en-US" altLang="ko-KR" sz="1100" b="1" i="0" u="none" strike="noStrike" kern="0" cap="none" spc="0" normalizeH="0" noProof="0" dirty="0" smtClean="0">
+                <a:ln>
+                  <a:noFill/>
+                </a:ln>
+                <a:solidFill>
+                  <a:srgbClr val="3C3C3B"/>
+                </a:solidFill>
+                <a:effectLst/>
+                <a:uLnTx/>
+                <a:uFillTx/>
+                <a:latin typeface="Arial" panose="020B0604020202020204" pitchFamily="34" charset="0"/>
+                <a:ea typeface="맑은 고딕" panose="020B0503020000020004" pitchFamily="50" charset="-127"/>
+                <a:cs typeface="Arial" panose="020B0604020202020204" pitchFamily="34" charset="0"/>
+              </a:rPr>
+              <a:t> Shell)</a:t>
+            </a:r>
+            <a:endParaRPr kumimoji="0" lang="ko-KR" altLang="en-US" sz="1100" b="1" i="0" u="none" strike="noStrike" kern="0" cap="none" spc="0" normalizeH="0" baseline="0" noProof="0" dirty="0" smtClean="0">
+              <a:ln>
+                <a:noFill/>
+              </a:ln>
+              <a:solidFill>
+                <a:srgbClr val="3C3C3B"/>
+              </a:solidFill>
+              <a:effectLst/>
+              <a:uLnTx/>
+              <a:uFillTx/>
+              <a:latin typeface="Arial" panose="020B0604020202020204" pitchFamily="34" charset="0"/>
+              <a:ea typeface="맑은 고딕" panose="020B0503020000020004" pitchFamily="50" charset="-127"/>
+              <a:cs typeface="Arial" panose="020B0604020202020204" pitchFamily="34" charset="0"/>
+            </a:endParaRPr>
+          </a:p>
+        </p:txBody>
+      </p:sp>
+      <p:sp>
+        <p:nvSpPr>
+          <p:cNvPr id="139" name="Right Arrow 42"/>
+          <p:cNvSpPr/>
+          <p:nvPr/>
+        </p:nvSpPr>
+        <p:spPr bwMode="auto">
+          <a:xfrm>
+            <a:off x="1904360" y="1851624"/>
+            <a:ext cx="437558" cy="292695"/>
+          </a:xfrm>
+          <a:prstGeom prst="rightArrow">
+            <a:avLst/>
+          </a:prstGeom>
+          <a:solidFill>
+            <a:schemeClr val="bg1">
+              <a:lumMod val="50000"/>
+              <a:alpha val="67999"/>
+            </a:schemeClr>
+          </a:solidFill>
+          <a:ln>
+            <a:noFill/>
+          </a:ln>
+          <a:effectLst/>
+          <a:extLst/>
+        </p:spPr>
+        <p:txBody>
+          <a:bodyPr wrap="none" rtlCol="0" anchor="ctr"/>
+          <a:lstStyle/>
+          <a:p>
+            <a:pPr algn="ctr"/>
+            <a:endParaRPr lang="ko-KR" altLang="en-US" dirty="0">
+              <a:latin typeface="맑은 고딕" pitchFamily="50" charset="-127"/>
+              <a:ea typeface="맑은 고딕" pitchFamily="50" charset="-127"/>
+            </a:endParaRPr>
+          </a:p>
+        </p:txBody>
+      </p:sp>
+      <p:sp>
+        <p:nvSpPr>
+          <p:cNvPr id="140" name="Right Arrow 42"/>
+          <p:cNvSpPr/>
+          <p:nvPr/>
+        </p:nvSpPr>
+        <p:spPr bwMode="auto">
+          <a:xfrm>
+            <a:off x="1904360" y="2475448"/>
+            <a:ext cx="437558" cy="292695"/>
+          </a:xfrm>
+          <a:prstGeom prst="rightArrow">
+            <a:avLst/>
+          </a:prstGeom>
+          <a:solidFill>
+            <a:schemeClr val="bg1">
+              <a:lumMod val="50000"/>
+              <a:alpha val="67999"/>
+            </a:schemeClr>
+          </a:solidFill>
+          <a:ln>
+            <a:noFill/>
+          </a:ln>
+          <a:effectLst/>
+          <a:extLst/>
+        </p:spPr>
+        <p:txBody>
+          <a:bodyPr wrap="none" rtlCol="0" anchor="ctr"/>
+          <a:lstStyle/>
+          <a:p>
+            <a:pPr algn="ctr"/>
+            <a:endParaRPr lang="ko-KR" altLang="en-US" dirty="0">
+              <a:latin typeface="맑은 고딕" pitchFamily="50" charset="-127"/>
+              <a:ea typeface="맑은 고딕" pitchFamily="50" charset="-127"/>
+            </a:endParaRPr>
+          </a:p>
+        </p:txBody>
+      </p:sp>
+      <p:sp>
+        <p:nvSpPr>
+          <p:cNvPr id="141" name="Right Arrow 42"/>
+          <p:cNvSpPr/>
+          <p:nvPr/>
+        </p:nvSpPr>
+        <p:spPr bwMode="auto">
+          <a:xfrm>
+            <a:off x="1904360" y="3099272"/>
+            <a:ext cx="437558" cy="292695"/>
+          </a:xfrm>
+          <a:prstGeom prst="rightArrow">
+            <a:avLst/>
+          </a:prstGeom>
+          <a:solidFill>
+            <a:schemeClr val="bg1">
+              <a:lumMod val="50000"/>
+              <a:alpha val="67999"/>
+            </a:schemeClr>
+          </a:solidFill>
+          <a:ln>
+            <a:noFill/>
+          </a:ln>
+          <a:effectLst/>
+          <a:extLst/>
+        </p:spPr>
+        <p:txBody>
+          <a:bodyPr wrap="none" rtlCol="0" anchor="ctr"/>
+          <a:lstStyle/>
+          <a:p>
+            <a:pPr algn="ctr"/>
+            <a:endParaRPr lang="ko-KR" altLang="en-US" dirty="0">
+              <a:latin typeface="맑은 고딕" pitchFamily="50" charset="-127"/>
+              <a:ea typeface="맑은 고딕" pitchFamily="50" charset="-127"/>
+            </a:endParaRPr>
+          </a:p>
+        </p:txBody>
+      </p:sp>
+      <p:sp>
+        <p:nvSpPr>
+          <p:cNvPr id="142" name="Right Arrow 42"/>
+          <p:cNvSpPr/>
+          <p:nvPr/>
+        </p:nvSpPr>
+        <p:spPr bwMode="auto">
+          <a:xfrm>
+            <a:off x="1904360" y="3723096"/>
+            <a:ext cx="437558" cy="292695"/>
+          </a:xfrm>
+          <a:prstGeom prst="rightArrow">
+            <a:avLst/>
+          </a:prstGeom>
+          <a:solidFill>
+            <a:schemeClr val="bg1">
+              <a:lumMod val="50000"/>
+              <a:alpha val="67999"/>
+            </a:schemeClr>
+          </a:solidFill>
+          <a:ln>
+            <a:noFill/>
+          </a:ln>
+          <a:effectLst/>
+          <a:extLst/>
+        </p:spPr>
+        <p:txBody>
+          <a:bodyPr wrap="none" rtlCol="0" anchor="ctr"/>
+          <a:lstStyle/>
+          <a:p>
+            <a:pPr algn="ctr"/>
+            <a:endParaRPr lang="ko-KR" altLang="en-US" dirty="0">
+              <a:latin typeface="맑은 고딕" pitchFamily="50" charset="-127"/>
+              <a:ea typeface="맑은 고딕" pitchFamily="50" charset="-127"/>
+            </a:endParaRPr>
+          </a:p>
+        </p:txBody>
+      </p:sp>
+      <p:sp>
+        <p:nvSpPr>
+          <p:cNvPr id="143" name="Right Arrow 42"/>
+          <p:cNvSpPr/>
+          <p:nvPr/>
+        </p:nvSpPr>
+        <p:spPr bwMode="auto">
+          <a:xfrm>
+            <a:off x="1904360" y="4346920"/>
+            <a:ext cx="437558" cy="292695"/>
+          </a:xfrm>
+          <a:prstGeom prst="rightArrow">
+            <a:avLst/>
+          </a:prstGeom>
+          <a:solidFill>
+            <a:schemeClr val="bg1">
+              <a:lumMod val="50000"/>
+              <a:alpha val="67999"/>
+            </a:schemeClr>
+          </a:solidFill>
+          <a:ln>
+            <a:noFill/>
+          </a:ln>
+          <a:effectLst/>
+          <a:extLst/>
+        </p:spPr>
+        <p:txBody>
+          <a:bodyPr wrap="none" rtlCol="0" anchor="ctr"/>
+          <a:lstStyle/>
+          <a:p>
+            <a:pPr algn="ctr"/>
+            <a:endParaRPr lang="ko-KR" altLang="en-US" dirty="0">
+              <a:latin typeface="맑은 고딕" pitchFamily="50" charset="-127"/>
+              <a:ea typeface="맑은 고딕" pitchFamily="50" charset="-127"/>
+            </a:endParaRPr>
+          </a:p>
+        </p:txBody>
+      </p:sp>
+      <p:sp>
+        <p:nvSpPr>
+          <p:cNvPr id="145" name="직사각형 111"/>
+          <p:cNvSpPr/>
+          <p:nvPr/>
+        </p:nvSpPr>
+        <p:spPr>
+          <a:xfrm>
+            <a:off x="4007104" y="4332116"/>
+            <a:ext cx="4211044" cy="531316"/>
+          </a:xfrm>
+          <a:prstGeom prst="rect">
+            <a:avLst/>
+          </a:prstGeom>
+          <a:solidFill>
+            <a:schemeClr val="bg1">
+              <a:lumMod val="95000"/>
+            </a:schemeClr>
+          </a:solidFill>
+          <a:ln w="9525">
+            <a:solidFill>
+              <a:schemeClr val="bg1">
+                <a:lumMod val="65000"/>
+              </a:schemeClr>
+            </a:solidFill>
+            <a:miter lim="800000"/>
+            <a:headEnd/>
+            <a:tailEnd/>
+          </a:ln>
+          <a:effectLst/>
+        </p:spPr>
+        <p:txBody>
+          <a:bodyPr wrap="square" lIns="0" tIns="91440" rIns="0" bIns="91440" rtlCol="0" anchor="ctr">
+            <a:prstTxWarp prst="textNoShape">
+              <a:avLst/>
+            </a:prstTxWarp>
+            <a:noAutofit/>
+          </a:bodyPr>
+          <a:lstStyle/>
+          <a:p>
+            <a:pPr algn="ctr" fontAlgn="base" latinLnBrk="0">
+              <a:spcBef>
+                <a:spcPct val="0"/>
+              </a:spcBef>
+              <a:spcAft>
+                <a:spcPct val="0"/>
+              </a:spcAft>
+            </a:pPr>
+            <a:r>
+              <a:rPr lang="en-US" altLang="ko-KR" sz="1200" b="1" kern="0" dirty="0" smtClean="0">
+                <a:solidFill>
+                  <a:srgbClr val="3C3C3B"/>
+                </a:solidFill>
+                <a:latin typeface="맑은 고딕" panose="020B0503020000020004" pitchFamily="50" charset="-127"/>
+                <a:ea typeface="맑은 고딕" panose="020B0503020000020004" pitchFamily="50" charset="-127"/>
+              </a:rPr>
+              <a:t>HDFS</a:t>
+            </a:r>
+          </a:p>
+          <a:p>
+            <a:pPr algn="ctr" fontAlgn="base" latinLnBrk="0">
+              <a:spcBef>
+                <a:spcPct val="0"/>
+              </a:spcBef>
+              <a:spcAft>
+                <a:spcPct val="0"/>
+              </a:spcAft>
+            </a:pPr>
+            <a:r>
+              <a:rPr lang="en-US" altLang="ko-KR" sz="1200" b="1" dirty="0" smtClean="0">
+                <a:solidFill>
+                  <a:srgbClr val="3C3C3B"/>
+                </a:solidFill>
+                <a:latin typeface="맑은 고딕" panose="020B0503020000020004" pitchFamily="50" charset="-127"/>
+                <a:ea typeface="맑은 고딕" panose="020B0503020000020004" pitchFamily="50" charset="-127"/>
+              </a:rPr>
+              <a:t>(</a:t>
+            </a:r>
+            <a:r>
+              <a:rPr lang="en-US" altLang="ko-KR" sz="1200" b="1" dirty="0" err="1" smtClean="0">
+                <a:solidFill>
+                  <a:srgbClr val="3C3C3B"/>
+                </a:solidFill>
+                <a:latin typeface="맑은 고딕" panose="020B0503020000020004" pitchFamily="50" charset="-127"/>
+                <a:ea typeface="맑은 고딕" panose="020B0503020000020004" pitchFamily="50" charset="-127"/>
+              </a:rPr>
+              <a:t>Hadoop</a:t>
+            </a:r>
+            <a:r>
+              <a:rPr lang="en-US" altLang="ko-KR" sz="1200" b="1" dirty="0" smtClean="0">
+                <a:solidFill>
+                  <a:srgbClr val="3C3C3B"/>
+                </a:solidFill>
+                <a:latin typeface="맑은 고딕" panose="020B0503020000020004" pitchFamily="50" charset="-127"/>
+                <a:ea typeface="맑은 고딕" panose="020B0503020000020004" pitchFamily="50" charset="-127"/>
+              </a:rPr>
+              <a:t> Distributed File System)</a:t>
+            </a:r>
+            <a:endParaRPr lang="ko-KR" altLang="en-US" sz="1200" b="1" kern="0" dirty="0">
+              <a:solidFill>
+                <a:srgbClr val="3C3C3B"/>
+              </a:solidFill>
+              <a:latin typeface="맑은 고딕" panose="020B0503020000020004" pitchFamily="50" charset="-127"/>
+              <a:ea typeface="맑은 고딕" panose="020B0503020000020004" pitchFamily="50" charset="-127"/>
+            </a:endParaRPr>
+          </a:p>
+        </p:txBody>
+      </p:sp>
+      <p:sp>
+        <p:nvSpPr>
+          <p:cNvPr id="146" name="직사각형 111"/>
+          <p:cNvSpPr/>
+          <p:nvPr/>
+        </p:nvSpPr>
+        <p:spPr>
+          <a:xfrm>
+            <a:off x="4007104" y="3684044"/>
+            <a:ext cx="4211044" cy="531316"/>
+          </a:xfrm>
+          <a:prstGeom prst="rect">
+            <a:avLst/>
+          </a:prstGeom>
+          <a:solidFill>
+            <a:schemeClr val="bg1">
+              <a:lumMod val="95000"/>
+            </a:schemeClr>
+          </a:solidFill>
+          <a:ln w="9525">
+            <a:solidFill>
+              <a:schemeClr val="bg1">
+                <a:lumMod val="65000"/>
+              </a:schemeClr>
+            </a:solidFill>
+            <a:miter lim="800000"/>
+            <a:headEnd/>
+            <a:tailEnd/>
+          </a:ln>
+          <a:effectLst/>
+        </p:spPr>
+        <p:txBody>
+          <a:bodyPr wrap="square" lIns="0" tIns="91440" rIns="0" bIns="91440" rtlCol="0" anchor="ctr">
+            <a:prstTxWarp prst="textNoShape">
+              <a:avLst/>
+            </a:prstTxWarp>
+            <a:noAutofit/>
+          </a:bodyPr>
+          <a:lstStyle/>
+          <a:p>
+            <a:pPr algn="ctr" fontAlgn="base" latinLnBrk="0">
+              <a:spcBef>
+                <a:spcPct val="0"/>
+              </a:spcBef>
+              <a:spcAft>
+                <a:spcPct val="0"/>
+              </a:spcAft>
+            </a:pPr>
+            <a:r>
+              <a:rPr lang="en-US" altLang="ko-KR" sz="1200" b="1" kern="0" dirty="0" smtClean="0">
+                <a:solidFill>
+                  <a:srgbClr val="3C3C3B"/>
+                </a:solidFill>
+                <a:latin typeface="맑은 고딕" panose="020B0503020000020004" pitchFamily="50" charset="-127"/>
+                <a:ea typeface="맑은 고딕" panose="020B0503020000020004" pitchFamily="50" charset="-127"/>
+              </a:rPr>
+              <a:t>YARN : Data Operation System</a:t>
+            </a:r>
+          </a:p>
+          <a:p>
+            <a:pPr algn="ctr" fontAlgn="base" latinLnBrk="0">
+              <a:spcBef>
+                <a:spcPct val="0"/>
+              </a:spcBef>
+              <a:spcAft>
+                <a:spcPct val="0"/>
+              </a:spcAft>
+            </a:pPr>
+            <a:r>
+              <a:rPr lang="en-US" altLang="ko-KR" sz="1200" b="1" dirty="0" smtClean="0">
+                <a:solidFill>
+                  <a:srgbClr val="3C3C3B"/>
+                </a:solidFill>
+                <a:latin typeface="맑은 고딕" panose="020B0503020000020004" pitchFamily="50" charset="-127"/>
+                <a:ea typeface="맑은 고딕" panose="020B0503020000020004" pitchFamily="50" charset="-127"/>
+              </a:rPr>
+              <a:t>(Cluster Resource Management)</a:t>
+            </a:r>
+            <a:endParaRPr lang="ko-KR" altLang="en-US" sz="1200" b="1" kern="0" dirty="0">
+              <a:solidFill>
+                <a:srgbClr val="3C3C3B"/>
+              </a:solidFill>
+              <a:latin typeface="맑은 고딕" panose="020B0503020000020004" pitchFamily="50" charset="-127"/>
+              <a:ea typeface="맑은 고딕" panose="020B0503020000020004" pitchFamily="50" charset="-127"/>
+            </a:endParaRPr>
+          </a:p>
+        </p:txBody>
+      </p:sp>
+      <p:sp>
+        <p:nvSpPr>
+          <p:cNvPr id="148" name="Right Arrow 42"/>
+          <p:cNvSpPr/>
+          <p:nvPr/>
+        </p:nvSpPr>
+        <p:spPr bwMode="auto">
+          <a:xfrm>
+            <a:off x="3492762" y="4411987"/>
+            <a:ext cx="462534" cy="292695"/>
+          </a:xfrm>
+          <a:prstGeom prst="rightArrow">
+            <a:avLst/>
+          </a:prstGeom>
+          <a:solidFill>
+            <a:schemeClr val="bg1">
+              <a:lumMod val="50000"/>
+              <a:alpha val="67999"/>
+            </a:schemeClr>
+          </a:solidFill>
+          <a:ln>
+            <a:noFill/>
+          </a:ln>
+          <a:effectLst/>
+          <a:extLst/>
+        </p:spPr>
+        <p:txBody>
+          <a:bodyPr wrap="none" rtlCol="0" anchor="ctr"/>
+          <a:lstStyle/>
+          <a:p>
+            <a:pPr algn="ctr"/>
+            <a:endParaRPr lang="ko-KR" altLang="en-US" dirty="0">
+              <a:latin typeface="맑은 고딕" pitchFamily="50" charset="-127"/>
+              <a:ea typeface="맑은 고딕" pitchFamily="50" charset="-127"/>
+            </a:endParaRPr>
+          </a:p>
+        </p:txBody>
+      </p:sp>
+      <p:sp>
+        <p:nvSpPr>
+          <p:cNvPr id="149" name="Rectangle 148"/>
+          <p:cNvSpPr/>
+          <p:nvPr/>
+        </p:nvSpPr>
+        <p:spPr bwMode="auto">
+          <a:xfrm>
+            <a:off x="3825660" y="1518769"/>
+            <a:ext cx="4490756" cy="3443137"/>
+          </a:xfrm>
+          <a:prstGeom prst="rect">
+            <a:avLst/>
+          </a:prstGeom>
+          <a:noFill/>
+          <a:ln>
+            <a:solidFill>
+              <a:srgbClr val="3C3C3B"/>
+            </a:solidFill>
+          </a:ln>
+          <a:effectLst/>
+          <a:extLst/>
+        </p:spPr>
+        <p:txBody>
+          <a:bodyPr wrap="none" rtlCol="0" anchor="ctr"/>
+          <a:lstStyle/>
+          <a:p>
+            <a:pPr marL="0" marR="0" lvl="0" indent="0" algn="ctr" defTabSz="914400" eaLnBrk="1" fontAlgn="auto" latinLnBrk="1" hangingPunct="1">
+              <a:lnSpc>
+                <a:spcPct val="100000"/>
+              </a:lnSpc>
+              <a:spcBef>
+                <a:spcPts val="0"/>
+              </a:spcBef>
+              <a:spcAft>
+                <a:spcPts val="0"/>
+              </a:spcAft>
+              <a:buClrTx/>
+              <a:buSzTx/>
+              <a:buFontTx/>
+              <a:buNone/>
+              <a:tabLst/>
+              <a:defRPr/>
+            </a:pPr>
+            <a:endParaRPr kumimoji="0" lang="ko-KR" altLang="en-US" sz="1800" b="0" i="0" u="none" strike="noStrike" kern="1200" cap="none" spc="0" normalizeH="0" baseline="0" noProof="0" dirty="0" smtClean="0">
+              <a:ln>
+                <a:noFill/>
+              </a:ln>
+              <a:solidFill>
+                <a:srgbClr val="3C3C3B"/>
+              </a:solidFill>
+              <a:effectLst/>
+              <a:uLnTx/>
+              <a:uFillTx/>
+              <a:latin typeface="맑은 고딕" pitchFamily="50" charset="-127"/>
+              <a:ea typeface="맑은 고딕" pitchFamily="50" charset="-127"/>
+            </a:endParaRPr>
+          </a:p>
+        </p:txBody>
+      </p:sp>
+      <p:sp>
+        <p:nvSpPr>
+          <p:cNvPr id="150" name="직사각형 110"/>
+          <p:cNvSpPr/>
+          <p:nvPr/>
+        </p:nvSpPr>
+        <p:spPr>
+          <a:xfrm>
+            <a:off x="3955744" y="1622399"/>
+            <a:ext cx="1335790" cy="1944216"/>
+          </a:xfrm>
+          <a:prstGeom prst="rect">
+            <a:avLst/>
+          </a:prstGeom>
+          <a:solidFill>
+            <a:schemeClr val="bg1">
+              <a:lumMod val="95000"/>
+            </a:schemeClr>
+          </a:solidFill>
+          <a:ln w="9525">
+            <a:solidFill>
+              <a:schemeClr val="bg1">
+                <a:lumMod val="65000"/>
+              </a:schemeClr>
+            </a:solidFill>
+            <a:miter lim="800000"/>
+            <a:headEnd/>
+            <a:tailEnd/>
+          </a:ln>
+          <a:effectLst/>
+        </p:spPr>
+        <p:txBody>
+          <a:bodyPr wrap="square" lIns="0" tIns="91440" rIns="0" bIns="91440" rtlCol="0" anchor="ctr">
+            <a:prstTxWarp prst="textNoShape">
+              <a:avLst/>
+            </a:prstTxWarp>
+            <a:noAutofit/>
+          </a:bodyPr>
+          <a:lstStyle/>
+          <a:p>
+            <a:pPr algn="ctr" fontAlgn="base" latinLnBrk="0">
+              <a:spcBef>
+                <a:spcPct val="0"/>
+              </a:spcBef>
+              <a:spcAft>
+                <a:spcPct val="0"/>
+              </a:spcAft>
+            </a:pPr>
+            <a:r>
+              <a:rPr lang="en-US" altLang="ko-KR" sz="1200" b="1" kern="0" dirty="0" smtClean="0">
+                <a:solidFill>
+                  <a:srgbClr val="3C3C3B"/>
+                </a:solidFill>
+                <a:latin typeface="맑은 고딕" panose="020B0503020000020004" pitchFamily="50" charset="-127"/>
+                <a:ea typeface="맑은 고딕" panose="020B0503020000020004" pitchFamily="50" charset="-127"/>
+              </a:rPr>
+              <a:t>SQL</a:t>
+            </a:r>
+          </a:p>
+          <a:p>
+            <a:pPr algn="ctr" fontAlgn="base" latinLnBrk="0">
+              <a:spcBef>
+                <a:spcPct val="0"/>
+              </a:spcBef>
+              <a:spcAft>
+                <a:spcPct val="0"/>
+              </a:spcAft>
+            </a:pPr>
+            <a:r>
+              <a:rPr lang="en-US" altLang="ko-KR" sz="1200" b="1" dirty="0" smtClean="0">
+                <a:solidFill>
+                  <a:srgbClr val="3C3C3B"/>
+                </a:solidFill>
+                <a:latin typeface="맑은 고딕" panose="020B0503020000020004" pitchFamily="50" charset="-127"/>
+                <a:ea typeface="맑은 고딕" panose="020B0503020000020004" pitchFamily="50" charset="-127"/>
+              </a:rPr>
+              <a:t>Hive</a:t>
+            </a:r>
+            <a:endParaRPr lang="ko-KR" altLang="en-US" sz="1200" b="1" kern="0" dirty="0">
+              <a:solidFill>
+                <a:srgbClr val="3C3C3B"/>
+              </a:solidFill>
+              <a:latin typeface="맑은 고딕" panose="020B0503020000020004" pitchFamily="50" charset="-127"/>
+              <a:ea typeface="맑은 고딕" panose="020B0503020000020004" pitchFamily="50" charset="-127"/>
+            </a:endParaRPr>
+          </a:p>
+        </p:txBody>
+      </p:sp>
+      <p:sp>
+        <p:nvSpPr>
+          <p:cNvPr id="151" name="직사각형 110"/>
+          <p:cNvSpPr/>
+          <p:nvPr/>
+        </p:nvSpPr>
+        <p:spPr>
+          <a:xfrm>
+            <a:off x="5425744" y="1617830"/>
+            <a:ext cx="1335790" cy="1944216"/>
+          </a:xfrm>
+          <a:prstGeom prst="rect">
+            <a:avLst/>
+          </a:prstGeom>
+          <a:solidFill>
+            <a:schemeClr val="bg1">
+              <a:lumMod val="95000"/>
+            </a:schemeClr>
+          </a:solidFill>
+          <a:ln w="9525">
+            <a:solidFill>
+              <a:schemeClr val="bg1">
+                <a:lumMod val="65000"/>
+              </a:schemeClr>
+            </a:solidFill>
+            <a:miter lim="800000"/>
+            <a:headEnd/>
+            <a:tailEnd/>
+          </a:ln>
+          <a:effectLst/>
+        </p:spPr>
+        <p:txBody>
+          <a:bodyPr wrap="square" lIns="0" tIns="91440" rIns="0" bIns="91440" rtlCol="0" anchor="ctr">
+            <a:prstTxWarp prst="textNoShape">
+              <a:avLst/>
+            </a:prstTxWarp>
+            <a:noAutofit/>
+          </a:bodyPr>
+          <a:lstStyle/>
+          <a:p>
+            <a:pPr algn="ctr" fontAlgn="base" latinLnBrk="0">
+              <a:spcBef>
+                <a:spcPct val="0"/>
+              </a:spcBef>
+              <a:spcAft>
+                <a:spcPct val="0"/>
+              </a:spcAft>
+            </a:pPr>
+            <a:r>
+              <a:rPr lang="en-US" altLang="ko-KR" sz="1200" b="1" dirty="0" smtClean="0">
+                <a:solidFill>
+                  <a:srgbClr val="3C3C3B"/>
+                </a:solidFill>
+                <a:latin typeface="맑은 고딕" panose="020B0503020000020004" pitchFamily="50" charset="-127"/>
+                <a:ea typeface="맑은 고딕" panose="020B0503020000020004" pitchFamily="50" charset="-127"/>
+              </a:rPr>
+              <a:t>In-Memory</a:t>
+            </a:r>
+          </a:p>
+          <a:p>
+            <a:pPr algn="ctr" fontAlgn="base" latinLnBrk="0">
+              <a:spcBef>
+                <a:spcPct val="0"/>
+              </a:spcBef>
+              <a:spcAft>
+                <a:spcPct val="0"/>
+              </a:spcAft>
+            </a:pPr>
+            <a:r>
+              <a:rPr lang="en-US" altLang="ko-KR" sz="1200" b="1" kern="0" dirty="0" smtClean="0">
+                <a:solidFill>
+                  <a:srgbClr val="3C3C3B"/>
+                </a:solidFill>
+                <a:latin typeface="맑은 고딕" panose="020B0503020000020004" pitchFamily="50" charset="-127"/>
+                <a:ea typeface="맑은 고딕" panose="020B0503020000020004" pitchFamily="50" charset="-127"/>
+              </a:rPr>
+              <a:t>Spark</a:t>
+            </a:r>
+          </a:p>
+        </p:txBody>
+      </p:sp>
+      <p:sp>
+        <p:nvSpPr>
+          <p:cNvPr id="152" name="직사각형 110"/>
+          <p:cNvSpPr/>
+          <p:nvPr/>
+        </p:nvSpPr>
+        <p:spPr>
+          <a:xfrm>
+            <a:off x="6903984" y="1586395"/>
+            <a:ext cx="1335790" cy="1944216"/>
+          </a:xfrm>
+          <a:prstGeom prst="rect">
+            <a:avLst/>
+          </a:prstGeom>
+          <a:solidFill>
+            <a:schemeClr val="bg1">
+              <a:lumMod val="95000"/>
+            </a:schemeClr>
+          </a:solidFill>
+          <a:ln w="9525">
+            <a:solidFill>
+              <a:schemeClr val="bg1">
+                <a:lumMod val="65000"/>
+              </a:schemeClr>
+            </a:solidFill>
+            <a:miter lim="800000"/>
+            <a:headEnd/>
+            <a:tailEnd/>
+          </a:ln>
+          <a:effectLst/>
+        </p:spPr>
+        <p:txBody>
+          <a:bodyPr wrap="square" lIns="0" tIns="91440" rIns="0" bIns="91440" rtlCol="0" anchor="ctr">
+            <a:prstTxWarp prst="textNoShape">
+              <a:avLst/>
+            </a:prstTxWarp>
+            <a:noAutofit/>
+          </a:bodyPr>
+          <a:lstStyle/>
+          <a:p>
+            <a:pPr algn="ctr" fontAlgn="base" latinLnBrk="0">
+              <a:spcBef>
+                <a:spcPct val="0"/>
+              </a:spcBef>
+              <a:spcAft>
+                <a:spcPct val="0"/>
+              </a:spcAft>
+            </a:pPr>
+            <a:r>
+              <a:rPr lang="en-US" altLang="ko-KR" sz="1200" b="1" dirty="0" smtClean="0">
+                <a:solidFill>
+                  <a:srgbClr val="3C3C3B"/>
+                </a:solidFill>
+                <a:latin typeface="맑은 고딕" panose="020B0503020000020004" pitchFamily="50" charset="-127"/>
+                <a:ea typeface="맑은 고딕" panose="020B0503020000020004" pitchFamily="50" charset="-127"/>
+              </a:rPr>
+              <a:t>Other</a:t>
+            </a:r>
+          </a:p>
+          <a:p>
+            <a:pPr algn="ctr" fontAlgn="base" latinLnBrk="0">
+              <a:spcBef>
+                <a:spcPct val="0"/>
+              </a:spcBef>
+              <a:spcAft>
+                <a:spcPct val="0"/>
+              </a:spcAft>
+            </a:pPr>
+            <a:r>
+              <a:rPr lang="en-US" altLang="ko-KR" sz="1200" b="1" kern="0" dirty="0" err="1" smtClean="0">
+                <a:solidFill>
+                  <a:srgbClr val="3C3C3B"/>
+                </a:solidFill>
+                <a:latin typeface="맑은 고딕" panose="020B0503020000020004" pitchFamily="50" charset="-127"/>
+                <a:ea typeface="맑은 고딕" panose="020B0503020000020004" pitchFamily="50" charset="-127"/>
+              </a:rPr>
+              <a:t>Zeppline</a:t>
+            </a:r>
+            <a:endParaRPr lang="en-US" altLang="ko-KR" sz="1200" b="1" kern="0" dirty="0" smtClean="0">
+              <a:solidFill>
+                <a:srgbClr val="3C3C3B"/>
+              </a:solidFill>
+              <a:latin typeface="맑은 고딕" panose="020B0503020000020004" pitchFamily="50" charset="-127"/>
+              <a:ea typeface="맑은 고딕" panose="020B0503020000020004" pitchFamily="50" charset="-127"/>
+            </a:endParaRPr>
+          </a:p>
+        </p:txBody>
+      </p:sp>
+      <p:sp>
+        <p:nvSpPr>
+          <p:cNvPr id="153" name="Right Arrow 42"/>
+          <p:cNvSpPr/>
+          <p:nvPr/>
+        </p:nvSpPr>
+        <p:spPr bwMode="auto">
+          <a:xfrm>
+            <a:off x="3492762" y="2415090"/>
+            <a:ext cx="462534" cy="292695"/>
+          </a:xfrm>
+          <a:prstGeom prst="rightArrow">
+            <a:avLst/>
+          </a:prstGeom>
+          <a:solidFill>
+            <a:schemeClr val="bg1">
+              <a:lumMod val="50000"/>
+              <a:alpha val="67999"/>
+            </a:schemeClr>
+          </a:solidFill>
+          <a:ln>
+            <a:noFill/>
+          </a:ln>
+          <a:effectLst/>
+          <a:extLst/>
+        </p:spPr>
+        <p:txBody>
+          <a:bodyPr wrap="none" rtlCol="0" anchor="ctr"/>
+          <a:lstStyle/>
+          <a:p>
+            <a:pPr algn="ctr"/>
+            <a:endParaRPr lang="ko-KR" altLang="en-US" dirty="0">
+              <a:latin typeface="맑은 고딕" pitchFamily="50" charset="-127"/>
+              <a:ea typeface="맑은 고딕" pitchFamily="50" charset="-127"/>
+            </a:endParaRPr>
+          </a:p>
+        </p:txBody>
+      </p:sp>
+    </p:spTree>
+    <p:extLst>
+      <p:ext uri="{BB962C8B-B14F-4D97-AF65-F5344CB8AC3E}">
+        <p14:creationId xmlns:p14="http://schemas.microsoft.com/office/powerpoint/2010/main" val="3178854338"/>
+      </p:ext>
+    </p:extLst>
+  </p:cSld>
+  <p:clrMapOvr>
+    <a:masterClrMapping/>
+  </p:clrMapOvr>
+  <p:transition spd="med">
+    <p:fade/>
+  </p:transition>
+  <p:timing>
+    <p:tnLst>
+      <p:par>
+        <p:cTn id="1" dur="indefinite" restart="never" nodeType="tmRoot"/>
+      </p:par>
+    </p:tnLst>
+  </p:timing>
+</p:sld>
+</file>
+
+<file path=ppt/slides/slide8.xml><?xml version="1.0" encoding="utf-8"?>
+<p:sld xmlns:a="http://schemas.openxmlformats.org/drawingml/2006/main" xmlns:r="http://schemas.openxmlformats.org/officeDocument/2006/relationships" xmlns:p="http://schemas.openxmlformats.org/presentationml/2006/main">
+  <p:cSld>
+    <p:spTree>
+      <p:nvGrpSpPr>
+        <p:cNvPr id="1" name="Shape 498"/>
+        <p:cNvGrpSpPr/>
+        <p:nvPr/>
+      </p:nvGrpSpPr>
+      <p:grpSpPr>
+        <a:xfrm>
+          <a:off x="0" y="0"/>
+          <a:ext cx="0" cy="0"/>
+          <a:chOff x="0" y="0"/>
+          <a:chExt cx="0" cy="0"/>
+        </a:xfrm>
+      </p:grpSpPr>
+      <p:sp>
+        <p:nvSpPr>
           <p:cNvPr id="499" name="Shape 499"/>
           <p:cNvSpPr txBox="1">
             <a:spLocks noGrp="1"/>
@@ -43396,16 +45468,7 @@
                 </a:solidFill>
                 <a:sym typeface="Arial"/>
               </a:rPr>
-              <a:t>Most of </a:t>
-            </a:r>
-            <a:r>
-              <a:rPr lang="en-US" dirty="0" smtClean="0">
-                <a:solidFill>
-                  <a:srgbClr val="3C3C3B"/>
-                </a:solidFill>
-                <a:sym typeface="Arial"/>
-              </a:rPr>
-              <a:t>active ADS-B aircrafts are captured in a week of ADS-B exchange data</a:t>
+              <a:t>Most of active ADS-B aircrafts are captured in a week of ADS-B exchange data</a:t>
             </a:r>
           </a:p>
           <a:p>
@@ -43453,16 +45516,7 @@
                 </a:solidFill>
                 <a:sym typeface="Arial"/>
               </a:rPr>
-              <a:t>All active aircrafts</a:t>
-            </a:r>
-            <a:r>
-              <a:rPr lang="en-US" dirty="0" smtClean="0">
-                <a:solidFill>
-                  <a:srgbClr val="3C3C3B"/>
-                </a:solidFill>
-                <a:sym typeface="Arial"/>
-              </a:rPr>
-              <a:t> are identified from the delay data</a:t>
+              <a:t>All active aircrafts are identified from the delay data</a:t>
             </a:r>
             <a:endParaRPr lang="en-US" dirty="0">
               <a:solidFill>
@@ -43732,230 +45786,6 @@
 </p:sld>
 </file>
 
-<file path=ppt/slides/slide8.xml><?xml version="1.0" encoding="utf-8"?>
-<p:sld xmlns:a="http://schemas.openxmlformats.org/drawingml/2006/main" xmlns:r="http://schemas.openxmlformats.org/officeDocument/2006/relationships" xmlns:p="http://schemas.openxmlformats.org/presentationml/2006/main">
-  <p:cSld>
-    <p:spTree>
-      <p:nvGrpSpPr>
-        <p:cNvPr id="1" name="Shape 498"/>
-        <p:cNvGrpSpPr/>
-        <p:nvPr/>
-      </p:nvGrpSpPr>
-      <p:grpSpPr>
-        <a:xfrm>
-          <a:off x="0" y="0"/>
-          <a:ext cx="0" cy="0"/>
-          <a:chOff x="0" y="0"/>
-          <a:chExt cx="0" cy="0"/>
-        </a:xfrm>
-      </p:grpSpPr>
-      <p:sp>
-        <p:nvSpPr>
-          <p:cNvPr id="499" name="Shape 499"/>
-          <p:cNvSpPr txBox="1">
-            <a:spLocks noGrp="1"/>
-          </p:cNvSpPr>
-          <p:nvPr>
-            <p:ph type="body" idx="1"/>
-          </p:nvPr>
-        </p:nvSpPr>
-        <p:spPr>
-          <a:xfrm>
-            <a:off x="457199" y="1159950"/>
-            <a:ext cx="8229600" cy="3624600"/>
-          </a:xfrm>
-          <a:prstGeom prst="rect">
-            <a:avLst/>
-          </a:prstGeom>
-          <a:noFill/>
-          <a:ln>
-            <a:noFill/>
-          </a:ln>
-        </p:spPr>
-        <p:txBody>
-          <a:bodyPr lIns="0" tIns="0" rIns="0" bIns="0" anchor="t" anchorCtr="0">
-            <a:noAutofit/>
-          </a:bodyPr>
-          <a:lstStyle/>
-          <a:p>
-            <a:pPr marL="284400" indent="-284400">
-              <a:lnSpc>
-                <a:spcPct val="115000"/>
-              </a:lnSpc>
-              <a:spcBef>
-                <a:spcPts val="300"/>
-              </a:spcBef>
-              <a:spcAft>
-                <a:spcPts val="0"/>
-              </a:spcAft>
-            </a:pPr>
-            <a:r>
-              <a:rPr lang="en-US" dirty="0" smtClean="0">
-                <a:solidFill>
-                  <a:srgbClr val="3C3C3B"/>
-                </a:solidFill>
-                <a:sym typeface="Arial"/>
-              </a:rPr>
-              <a:t>Show the key findings </a:t>
-            </a:r>
-            <a:endParaRPr lang="en" dirty="0">
-              <a:solidFill>
-                <a:srgbClr val="3C3C3B"/>
-              </a:solidFill>
-              <a:sym typeface="Arial"/>
-            </a:endParaRPr>
-          </a:p>
-        </p:txBody>
-      </p:sp>
-      <p:sp>
-        <p:nvSpPr>
-          <p:cNvPr id="500" name="Shape 500"/>
-          <p:cNvSpPr txBox="1">
-            <a:spLocks noGrp="1"/>
-          </p:cNvSpPr>
-          <p:nvPr>
-            <p:ph type="title"/>
-          </p:nvPr>
-        </p:nvSpPr>
-        <p:spPr>
-          <a:xfrm>
-            <a:off x="457200" y="173734"/>
-            <a:ext cx="7229700" cy="699900"/>
-          </a:xfrm>
-          <a:prstGeom prst="rect">
-            <a:avLst/>
-          </a:prstGeom>
-          <a:noFill/>
-          <a:ln>
-            <a:noFill/>
-          </a:ln>
-        </p:spPr>
-        <p:txBody>
-          <a:bodyPr lIns="0" tIns="0" rIns="0" bIns="0" anchor="b" anchorCtr="0">
-            <a:noAutofit/>
-          </a:bodyPr>
-          <a:lstStyle/>
-          <a:p>
-            <a:pPr marL="0" marR="0" lvl="0" indent="0" algn="l" rtl="0">
-              <a:lnSpc>
-                <a:spcPct val="95000"/>
-              </a:lnSpc>
-              <a:spcBef>
-                <a:spcPts val="0"/>
-              </a:spcBef>
-              <a:buClr>
-                <a:schemeClr val="accent1"/>
-              </a:buClr>
-              <a:buSzPct val="25000"/>
-              <a:buFont typeface="Century Gothic"/>
-              <a:buNone/>
-            </a:pPr>
-            <a:r>
-              <a:rPr lang="en-US" dirty="0" smtClean="0"/>
-              <a:t>Key findings</a:t>
-            </a:r>
-            <a:endParaRPr lang="en" dirty="0"/>
-          </a:p>
-        </p:txBody>
-      </p:sp>
-    </p:spTree>
-    <p:extLst>
-      <p:ext uri="{BB962C8B-B14F-4D97-AF65-F5344CB8AC3E}">
-        <p14:creationId xmlns:p14="http://schemas.microsoft.com/office/powerpoint/2010/main" val="1631590925"/>
-      </p:ext>
-    </p:extLst>
-  </p:cSld>
-  <p:clrMapOvr>
-    <a:masterClrMapping/>
-  </p:clrMapOvr>
-  <p:transition spd="med">
-    <p:fade/>
-  </p:transition>
-  <p:timing>
-    <p:tnLst>
-      <p:par>
-        <p:cTn id="1" dur="indefinite" restart="never" nodeType="tmRoot">
-          <p:childTnLst>
-            <p:seq concurrent="1" nextAc="seek">
-              <p:cTn id="2" dur="indefinite" nodeType="mainSeq">
-                <p:childTnLst>
-                  <p:par>
-                    <p:cTn id="3" fill="hold">
-                      <p:stCondLst>
-                        <p:cond delay="indefinite"/>
-                      </p:stCondLst>
-                      <p:childTnLst>
-                        <p:par>
-                          <p:cTn id="4" fill="hold">
-                            <p:stCondLst>
-                              <p:cond delay="0"/>
-                            </p:stCondLst>
-                            <p:childTnLst>
-                              <p:par>
-                                <p:cTn id="5" presetID="1" presetClass="entr" presetSubtype="0" fill="hold" grpId="0" nodeType="clickEffect">
-                                  <p:stCondLst>
-                                    <p:cond delay="0"/>
-                                  </p:stCondLst>
-                                  <p:childTnLst>
-                                    <p:set>
-                                      <p:cBhvr>
-                                        <p:cTn id="6" dur="1" fill="hold">
-                                          <p:stCondLst>
-                                            <p:cond delay="0"/>
-                                          </p:stCondLst>
-                                        </p:cTn>
-                                        <p:tgtEl>
-                                          <p:spTgt spid="499">
-                                            <p:txEl>
-                                              <p:pRg st="0" end="0"/>
-                                            </p:txEl>
-                                          </p:spTgt>
-                                        </p:tgtEl>
-                                        <p:attrNameLst>
-                                          <p:attrName>style.visibility</p:attrName>
-                                        </p:attrNameLst>
-                                      </p:cBhvr>
-                                      <p:to>
-                                        <p:strVal val="visible"/>
-                                      </p:to>
-                                    </p:set>
-                                  </p:childTnLst>
-                                </p:cTn>
-                              </p:par>
-                            </p:childTnLst>
-                          </p:cTn>
-                        </p:par>
-                      </p:childTnLst>
-                    </p:cTn>
-                  </p:par>
-                </p:childTnLst>
-              </p:cTn>
-              <p:prevCondLst>
-                <p:cond evt="onPrev" delay="0">
-                  <p:tgtEl>
-                    <p:sldTgt/>
-                  </p:tgtEl>
-                </p:cond>
-              </p:prevCondLst>
-              <p:nextCondLst>
-                <p:cond evt="onNext" delay="0">
-                  <p:tgtEl>
-                    <p:sldTgt/>
-                  </p:tgtEl>
-                </p:cond>
-              </p:nextCondLst>
-            </p:seq>
-          </p:childTnLst>
-        </p:cTn>
-      </p:par>
-    </p:tnLst>
-    <p:bldLst>
-      <p:bldP spid="499" grpId="0" build="p"/>
-    </p:bldLst>
-  </p:timing>
-</p:sld>
-</file>
-
 <file path=ppt/slides/slide9.xml><?xml version="1.0" encoding="utf-8"?>
 <p:sld xmlns:a="http://schemas.openxmlformats.org/drawingml/2006/main" xmlns:r="http://schemas.openxmlformats.org/officeDocument/2006/relationships" xmlns:p="http://schemas.openxmlformats.org/presentationml/2006/main">
   <p:cSld>
@@ -44020,68 +45850,8 @@
                 </a:solidFill>
                 <a:sym typeface="Arial"/>
               </a:rPr>
-              <a:t>Our business analysis of </a:t>
+              <a:t>Show the key findings </a:t>
             </a:r>
-            <a:r>
-              <a:rPr lang="en-US" dirty="0" smtClean="0">
-                <a:solidFill>
-                  <a:srgbClr val="3C3C3B"/>
-                </a:solidFill>
-                <a:sym typeface="Arial"/>
-              </a:rPr>
-              <a:t>the current situation</a:t>
-            </a:r>
-          </a:p>
-          <a:p>
-            <a:pPr marL="284400" indent="-284400">
-              <a:lnSpc>
-                <a:spcPct val="115000"/>
-              </a:lnSpc>
-              <a:spcBef>
-                <a:spcPts val="300"/>
-              </a:spcBef>
-              <a:spcAft>
-                <a:spcPts val="0"/>
-              </a:spcAft>
-            </a:pPr>
-            <a:endParaRPr lang="en-US" dirty="0">
-              <a:solidFill>
-                <a:srgbClr val="3C3C3B"/>
-              </a:solidFill>
-              <a:sym typeface="Arial"/>
-            </a:endParaRPr>
-          </a:p>
-          <a:p>
-            <a:pPr marL="284400" indent="-284400">
-              <a:lnSpc>
-                <a:spcPct val="115000"/>
-              </a:lnSpc>
-              <a:spcBef>
-                <a:spcPts val="300"/>
-              </a:spcBef>
-              <a:spcAft>
-                <a:spcPts val="0"/>
-              </a:spcAft>
-            </a:pPr>
-            <a:endParaRPr lang="en-US" dirty="0" smtClean="0">
-              <a:solidFill>
-                <a:srgbClr val="3C3C3B"/>
-              </a:solidFill>
-              <a:sym typeface="Arial"/>
-            </a:endParaRPr>
-          </a:p>
-          <a:p>
-            <a:pPr marL="284400" indent="-284400">
-              <a:lnSpc>
-                <a:spcPct val="115000"/>
-              </a:lnSpc>
-              <a:spcBef>
-                <a:spcPts val="300"/>
-              </a:spcBef>
-              <a:spcAft>
-                <a:spcPts val="0"/>
-              </a:spcAft>
-            </a:pPr>
             <a:endParaRPr lang="en" dirty="0">
               <a:solidFill>
                 <a:srgbClr val="3C3C3B"/>
@@ -44136,7 +45906,7 @@
             </a:pPr>
             <a:r>
               <a:rPr lang="en-US" dirty="0" smtClean="0"/>
-              <a:t>Recommendations</a:t>
+              <a:t>Key findings</a:t>
             </a:r>
             <a:endParaRPr lang="en" dirty="0"/>
           </a:p>
@@ -44145,7 +45915,7 @@
     </p:spTree>
     <p:extLst>
       <p:ext uri="{BB962C8B-B14F-4D97-AF65-F5344CB8AC3E}">
-        <p14:creationId xmlns:p14="http://schemas.microsoft.com/office/powerpoint/2010/main" val="921190258"/>
+        <p14:creationId xmlns:p14="http://schemas.microsoft.com/office/powerpoint/2010/main" val="1631590925"/>
       </p:ext>
     </p:extLst>
   </p:cSld>

--- a/TeamMamoot/Skynet-Adsb-Market-DataAnalysis.pptx
+++ b/TeamMamoot/Skynet-Adsb-Market-DataAnalysis.pptx
@@ -43804,62 +43804,13 @@
       </p:sp>
       <p:sp>
         <p:nvSpPr>
-          <p:cNvPr id="85" name="오각형 114"/>
-          <p:cNvSpPr/>
-          <p:nvPr/>
-        </p:nvSpPr>
-        <p:spPr>
-          <a:xfrm>
-            <a:off x="683568" y="1110382"/>
-            <a:ext cx="1392399" cy="320211"/>
-          </a:xfrm>
-          <a:prstGeom prst="homePlate">
-            <a:avLst/>
-          </a:prstGeom>
-          <a:solidFill>
-            <a:schemeClr val="accent1"/>
-          </a:solidFill>
-          <a:ln w="25400" cap="flat" cmpd="sng" algn="ctr">
-            <a:noFill/>
-            <a:prstDash val="solid"/>
-          </a:ln>
-          <a:effectLst/>
-        </p:spPr>
-        <p:txBody>
-          <a:bodyPr lIns="36000" tIns="36000" rIns="36000" bIns="36000" rtlCol="0" anchor="ctr"/>
-          <a:lstStyle/>
-          <a:p>
-            <a:pPr algn="ctr" fontAlgn="base">
-              <a:spcBef>
-                <a:spcPct val="0"/>
-              </a:spcBef>
-              <a:spcAft>
-                <a:spcPct val="0"/>
-              </a:spcAft>
-              <a:defRPr/>
-            </a:pPr>
-            <a:r>
-              <a:rPr lang="ko-KR" altLang="en-US" sz="1200" b="1" dirty="0" smtClean="0">
-                <a:solidFill>
-                  <a:prstClr val="white"/>
-                </a:solidFill>
-                <a:latin typeface="맑은 고딕" panose="020B0503020000020004" pitchFamily="50" charset="-127"/>
-                <a:ea typeface="맑은 고딕"/>
-              </a:rPr>
-              <a:t>데이터 원천</a:t>
-            </a:r>
-          </a:p>
-        </p:txBody>
-      </p:sp>
-      <p:sp>
-        <p:nvSpPr>
           <p:cNvPr id="86" name="갈매기형 수장 115"/>
           <p:cNvSpPr/>
           <p:nvPr/>
         </p:nvSpPr>
         <p:spPr>
           <a:xfrm>
-            <a:off x="2249487" y="1110382"/>
+            <a:off x="2178367" y="1110382"/>
             <a:ext cx="1392399" cy="320211"/>
           </a:xfrm>
           <a:prstGeom prst="chevron">
@@ -43971,7 +43922,7 @@
         </p:nvSpPr>
         <p:spPr>
           <a:xfrm>
-            <a:off x="611560" y="1120542"/>
+            <a:off x="683568" y="1120542"/>
             <a:ext cx="1329131" cy="320211"/>
           </a:xfrm>
           <a:prstGeom prst="homePlate">
@@ -44027,8 +43978,8 @@
         </p:nvSpPr>
         <p:spPr>
           <a:xfrm>
-            <a:off x="754835" y="1591919"/>
-            <a:ext cx="1055265" cy="1617939"/>
+            <a:off x="754835" y="1610691"/>
+            <a:ext cx="1055265" cy="1105075"/>
           </a:xfrm>
           <a:prstGeom prst="rect">
             <a:avLst/>
@@ -44068,18 +44019,11 @@
               </a:spcAft>
             </a:pPr>
             <a:r>
-              <a:rPr lang="en-US" altLang="ko-KR" sz="1000" b="1" dirty="0">
-                <a:latin typeface="Arial" panose="020B0604020202020204" pitchFamily="34" charset="0"/>
-                <a:cs typeface="Arial" panose="020B0604020202020204" pitchFamily="34" charset="0"/>
-              </a:rPr>
-              <a:t>AIRCRAFT </a:t>
-            </a:r>
-            <a:r>
               <a:rPr lang="en-US" altLang="ko-KR" sz="1000" b="1" dirty="0" smtClean="0">
                 <a:latin typeface="Arial" panose="020B0604020202020204" pitchFamily="34" charset="0"/>
                 <a:cs typeface="Arial" panose="020B0604020202020204" pitchFamily="34" charset="0"/>
               </a:rPr>
-              <a:t>REGISTRATION</a:t>
+              <a:t>AIRCRAFT REGISTRATION</a:t>
             </a:r>
           </a:p>
           <a:p>
@@ -44187,8 +44131,8 @@
         </p:nvSpPr>
         <p:spPr>
           <a:xfrm>
-            <a:off x="749559" y="3392119"/>
-            <a:ext cx="1065817" cy="537819"/>
+            <a:off x="749559" y="2859782"/>
+            <a:ext cx="1065817" cy="952779"/>
           </a:xfrm>
           <a:prstGeom prst="rect">
             <a:avLst/>
@@ -44272,8 +44216,8 @@
         </p:nvSpPr>
         <p:spPr>
           <a:xfrm>
-            <a:off x="749559" y="4116442"/>
-            <a:ext cx="1065817" cy="715837"/>
+            <a:off x="749559" y="3897482"/>
+            <a:ext cx="1065817" cy="952779"/>
           </a:xfrm>
           <a:prstGeom prst="rect">
             <a:avLst/>
@@ -44775,8 +44719,8 @@
         </p:nvSpPr>
         <p:spPr>
           <a:xfrm>
-            <a:off x="4007104" y="4332116"/>
-            <a:ext cx="4211044" cy="531316"/>
+            <a:off x="3955744" y="4332116"/>
+            <a:ext cx="4262404" cy="531316"/>
           </a:xfrm>
           <a:prstGeom prst="rect">
             <a:avLst/>
@@ -44883,8 +44827,8 @@
         </p:nvSpPr>
         <p:spPr>
           <a:xfrm>
-            <a:off x="4007104" y="3684044"/>
-            <a:ext cx="4211044" cy="531316"/>
+            <a:off x="3955296" y="3684044"/>
+            <a:ext cx="4262852" cy="531316"/>
           </a:xfrm>
           <a:prstGeom prst="rect">
             <a:avLst/>
